--- a/presentation.pptx
+++ b/presentation.pptx
@@ -5,35 +5,38 @@
     <p:sldMasterId id="2147483672" r:id="rId1"/>
   </p:sldMasterIdLst>
   <p:notesMasterIdLst>
-    <p:notesMasterId r:id="rId13"/>
+    <p:notesMasterId r:id="rId16"/>
   </p:notesMasterIdLst>
   <p:sldIdLst>
     <p:sldId id="256" r:id="rId2"/>
     <p:sldId id="257" r:id="rId3"/>
     <p:sldId id="300" r:id="rId4"/>
     <p:sldId id="301" r:id="rId5"/>
-    <p:sldId id="302" r:id="rId6"/>
-    <p:sldId id="303" r:id="rId7"/>
-    <p:sldId id="304" r:id="rId8"/>
-    <p:sldId id="305" r:id="rId9"/>
-    <p:sldId id="306" r:id="rId10"/>
-    <p:sldId id="268" r:id="rId11"/>
-    <p:sldId id="269" r:id="rId12"/>
+    <p:sldId id="303" r:id="rId6"/>
+    <p:sldId id="304" r:id="rId7"/>
+    <p:sldId id="302" r:id="rId8"/>
+    <p:sldId id="309" r:id="rId9"/>
+    <p:sldId id="305" r:id="rId10"/>
+    <p:sldId id="308" r:id="rId11"/>
+    <p:sldId id="310" r:id="rId12"/>
+    <p:sldId id="307" r:id="rId13"/>
+    <p:sldId id="268" r:id="rId14"/>
+    <p:sldId id="269" r:id="rId15"/>
   </p:sldIdLst>
   <p:sldSz cx="9144000" cy="5143500" type="screen16x9"/>
   <p:notesSz cx="6858000" cy="9144000"/>
   <p:embeddedFontLst>
     <p:embeddedFont>
       <p:font typeface="Consolas" panose="020B0609020204030204" pitchFamily="49" charset="0"/>
-      <p:regular r:id="rId14"/>
-      <p:bold r:id="rId15"/>
-      <p:italic r:id="rId16"/>
-      <p:boldItalic r:id="rId17"/>
+      <p:regular r:id="rId17"/>
+      <p:bold r:id="rId18"/>
+      <p:italic r:id="rId19"/>
+      <p:boldItalic r:id="rId20"/>
     </p:embeddedFont>
     <p:embeddedFont>
       <p:font typeface="Fira Code" panose="020B0809050000020004" pitchFamily="49" charset="0"/>
-      <p:regular r:id="rId18"/>
-      <p:bold r:id="rId19"/>
+      <p:regular r:id="rId21"/>
+      <p:bold r:id="rId22"/>
     </p:embeddedFont>
   </p:embeddedFontLst>
   <p:defaultTextStyle>
@@ -265,6 +268,11 @@
       </a:defRPr>
     </a:lvl9pPr>
   </p:defaultTextStyle>
+  <p:extLst>
+    <p:ext uri="{EFAFB233-063F-42B5-8137-9DF3F51BA10A}">
+      <p15:sldGuideLst xmlns:p15="http://schemas.microsoft.com/office/powerpoint/2012/main"/>
+    </p:ext>
+  </p:extLst>
 </p:presentation>
 </file>
 
@@ -818,6 +826,333 @@
   <p:cSld>
     <p:spTree>
       <p:nvGrpSpPr>
+        <p:cNvPr id="1" name="Shape 476"/>
+        <p:cNvGrpSpPr/>
+        <p:nvPr/>
+      </p:nvGrpSpPr>
+      <p:grpSpPr>
+        <a:xfrm>
+          <a:off x="0" y="0"/>
+          <a:ext cx="0" cy="0"/>
+          <a:chOff x="0" y="0"/>
+          <a:chExt cx="0" cy="0"/>
+        </a:xfrm>
+      </p:grpSpPr>
+      <p:sp>
+        <p:nvSpPr>
+          <p:cNvPr id="477" name="Google Shape;477;ge7b3cc9d39_0_0:notes"/>
+          <p:cNvSpPr>
+            <a:spLocks noGrp="1" noRot="1" noChangeAspect="1"/>
+          </p:cNvSpPr>
+          <p:nvPr>
+            <p:ph type="sldImg" idx="2"/>
+          </p:nvPr>
+        </p:nvSpPr>
+        <p:spPr>
+          <a:xfrm>
+            <a:off x="381000" y="685800"/>
+            <a:ext cx="6096000" cy="3429000"/>
+          </a:xfrm>
+          <a:custGeom>
+            <a:avLst/>
+            <a:gdLst/>
+            <a:ahLst/>
+            <a:cxnLst/>
+            <a:rect l="l" t="t" r="r" b="b"/>
+            <a:pathLst>
+              <a:path w="120000" h="120000" extrusionOk="0">
+                <a:moveTo>
+                  <a:pt x="0" y="0"/>
+                </a:moveTo>
+                <a:lnTo>
+                  <a:pt x="120000" y="0"/>
+                </a:lnTo>
+                <a:lnTo>
+                  <a:pt x="120000" y="120000"/>
+                </a:lnTo>
+                <a:lnTo>
+                  <a:pt x="0" y="120000"/>
+                </a:lnTo>
+                <a:close/>
+              </a:path>
+            </a:pathLst>
+          </a:custGeom>
+        </p:spPr>
+      </p:sp>
+      <p:sp>
+        <p:nvSpPr>
+          <p:cNvPr id="478" name="Google Shape;478;ge7b3cc9d39_0_0:notes"/>
+          <p:cNvSpPr txBox="1">
+            <a:spLocks noGrp="1"/>
+          </p:cNvSpPr>
+          <p:nvPr>
+            <p:ph type="body" idx="1"/>
+          </p:nvPr>
+        </p:nvSpPr>
+        <p:spPr>
+          <a:xfrm>
+            <a:off x="685800" y="4343400"/>
+            <a:ext cx="5486400" cy="4114800"/>
+          </a:xfrm>
+          <a:prstGeom prst="rect">
+            <a:avLst/>
+          </a:prstGeom>
+        </p:spPr>
+        <p:txBody>
+          <a:bodyPr spcFirstLastPara="1" wrap="square" lIns="91425" tIns="91425" rIns="91425" bIns="91425" anchor="t" anchorCtr="0">
+            <a:noAutofit/>
+          </a:bodyPr>
+          <a:lstStyle/>
+          <a:p>
+            <a:pPr marL="0" lvl="0" indent="0" algn="l" rtl="0">
+              <a:spcBef>
+                <a:spcPts val="0"/>
+              </a:spcBef>
+              <a:spcAft>
+                <a:spcPts val="0"/>
+              </a:spcAft>
+              <a:buNone/>
+            </a:pPr>
+            <a:endParaRPr/>
+          </a:p>
+        </p:txBody>
+      </p:sp>
+    </p:spTree>
+    <p:extLst>
+      <p:ext uri="{BB962C8B-B14F-4D97-AF65-F5344CB8AC3E}">
+        <p14:creationId xmlns:p14="http://schemas.microsoft.com/office/powerpoint/2010/main" val="4213673415"/>
+      </p:ext>
+    </p:extLst>
+  </p:cSld>
+  <p:clrMapOvr>
+    <a:masterClrMapping/>
+  </p:clrMapOvr>
+</p:notes>
+</file>
+
+<file path=ppt/notesSlides/notesSlide11.xml><?xml version="1.0" encoding="utf-8"?>
+<p:notes xmlns:a="http://schemas.openxmlformats.org/drawingml/2006/main" xmlns:r="http://schemas.openxmlformats.org/officeDocument/2006/relationships" xmlns:p="http://schemas.openxmlformats.org/presentationml/2006/main" showMasterSp="0" showMasterPhAnim="0">
+  <p:cSld>
+    <p:spTree>
+      <p:nvGrpSpPr>
+        <p:cNvPr id="1" name="Shape 476"/>
+        <p:cNvGrpSpPr/>
+        <p:nvPr/>
+      </p:nvGrpSpPr>
+      <p:grpSpPr>
+        <a:xfrm>
+          <a:off x="0" y="0"/>
+          <a:ext cx="0" cy="0"/>
+          <a:chOff x="0" y="0"/>
+          <a:chExt cx="0" cy="0"/>
+        </a:xfrm>
+      </p:grpSpPr>
+      <p:sp>
+        <p:nvSpPr>
+          <p:cNvPr id="477" name="Google Shape;477;ge7b3cc9d39_0_0:notes"/>
+          <p:cNvSpPr>
+            <a:spLocks noGrp="1" noRot="1" noChangeAspect="1"/>
+          </p:cNvSpPr>
+          <p:nvPr>
+            <p:ph type="sldImg" idx="2"/>
+          </p:nvPr>
+        </p:nvSpPr>
+        <p:spPr>
+          <a:xfrm>
+            <a:off x="381000" y="685800"/>
+            <a:ext cx="6096000" cy="3429000"/>
+          </a:xfrm>
+          <a:custGeom>
+            <a:avLst/>
+            <a:gdLst/>
+            <a:ahLst/>
+            <a:cxnLst/>
+            <a:rect l="l" t="t" r="r" b="b"/>
+            <a:pathLst>
+              <a:path w="120000" h="120000" extrusionOk="0">
+                <a:moveTo>
+                  <a:pt x="0" y="0"/>
+                </a:moveTo>
+                <a:lnTo>
+                  <a:pt x="120000" y="0"/>
+                </a:lnTo>
+                <a:lnTo>
+                  <a:pt x="120000" y="120000"/>
+                </a:lnTo>
+                <a:lnTo>
+                  <a:pt x="0" y="120000"/>
+                </a:lnTo>
+                <a:close/>
+              </a:path>
+            </a:pathLst>
+          </a:custGeom>
+        </p:spPr>
+      </p:sp>
+      <p:sp>
+        <p:nvSpPr>
+          <p:cNvPr id="478" name="Google Shape;478;ge7b3cc9d39_0_0:notes"/>
+          <p:cNvSpPr txBox="1">
+            <a:spLocks noGrp="1"/>
+          </p:cNvSpPr>
+          <p:nvPr>
+            <p:ph type="body" idx="1"/>
+          </p:nvPr>
+        </p:nvSpPr>
+        <p:spPr>
+          <a:xfrm>
+            <a:off x="685800" y="4343400"/>
+            <a:ext cx="5486400" cy="4114800"/>
+          </a:xfrm>
+          <a:prstGeom prst="rect">
+            <a:avLst/>
+          </a:prstGeom>
+        </p:spPr>
+        <p:txBody>
+          <a:bodyPr spcFirstLastPara="1" wrap="square" lIns="91425" tIns="91425" rIns="91425" bIns="91425" anchor="t" anchorCtr="0">
+            <a:noAutofit/>
+          </a:bodyPr>
+          <a:lstStyle/>
+          <a:p>
+            <a:pPr marL="0" lvl="0" indent="0" algn="l" rtl="0">
+              <a:spcBef>
+                <a:spcPts val="0"/>
+              </a:spcBef>
+              <a:spcAft>
+                <a:spcPts val="0"/>
+              </a:spcAft>
+              <a:buNone/>
+            </a:pPr>
+            <a:endParaRPr/>
+          </a:p>
+        </p:txBody>
+      </p:sp>
+    </p:spTree>
+    <p:extLst>
+      <p:ext uri="{BB962C8B-B14F-4D97-AF65-F5344CB8AC3E}">
+        <p14:creationId xmlns:p14="http://schemas.microsoft.com/office/powerpoint/2010/main" val="3773518199"/>
+      </p:ext>
+    </p:extLst>
+  </p:cSld>
+  <p:clrMapOvr>
+    <a:masterClrMapping/>
+  </p:clrMapOvr>
+</p:notes>
+</file>
+
+<file path=ppt/notesSlides/notesSlide12.xml><?xml version="1.0" encoding="utf-8"?>
+<p:notes xmlns:a="http://schemas.openxmlformats.org/drawingml/2006/main" xmlns:r="http://schemas.openxmlformats.org/officeDocument/2006/relationships" xmlns:p="http://schemas.openxmlformats.org/presentationml/2006/main" showMasterSp="0" showMasterPhAnim="0">
+  <p:cSld>
+    <p:spTree>
+      <p:nvGrpSpPr>
+        <p:cNvPr id="1" name="Shape 476"/>
+        <p:cNvGrpSpPr/>
+        <p:nvPr/>
+      </p:nvGrpSpPr>
+      <p:grpSpPr>
+        <a:xfrm>
+          <a:off x="0" y="0"/>
+          <a:ext cx="0" cy="0"/>
+          <a:chOff x="0" y="0"/>
+          <a:chExt cx="0" cy="0"/>
+        </a:xfrm>
+      </p:grpSpPr>
+      <p:sp>
+        <p:nvSpPr>
+          <p:cNvPr id="477" name="Google Shape;477;ge7b3cc9d39_0_0:notes"/>
+          <p:cNvSpPr>
+            <a:spLocks noGrp="1" noRot="1" noChangeAspect="1"/>
+          </p:cNvSpPr>
+          <p:nvPr>
+            <p:ph type="sldImg" idx="2"/>
+          </p:nvPr>
+        </p:nvSpPr>
+        <p:spPr>
+          <a:xfrm>
+            <a:off x="381000" y="685800"/>
+            <a:ext cx="6096000" cy="3429000"/>
+          </a:xfrm>
+          <a:custGeom>
+            <a:avLst/>
+            <a:gdLst/>
+            <a:ahLst/>
+            <a:cxnLst/>
+            <a:rect l="l" t="t" r="r" b="b"/>
+            <a:pathLst>
+              <a:path w="120000" h="120000" extrusionOk="0">
+                <a:moveTo>
+                  <a:pt x="0" y="0"/>
+                </a:moveTo>
+                <a:lnTo>
+                  <a:pt x="120000" y="0"/>
+                </a:lnTo>
+                <a:lnTo>
+                  <a:pt x="120000" y="120000"/>
+                </a:lnTo>
+                <a:lnTo>
+                  <a:pt x="0" y="120000"/>
+                </a:lnTo>
+                <a:close/>
+              </a:path>
+            </a:pathLst>
+          </a:custGeom>
+        </p:spPr>
+      </p:sp>
+      <p:sp>
+        <p:nvSpPr>
+          <p:cNvPr id="478" name="Google Shape;478;ge7b3cc9d39_0_0:notes"/>
+          <p:cNvSpPr txBox="1">
+            <a:spLocks noGrp="1"/>
+          </p:cNvSpPr>
+          <p:nvPr>
+            <p:ph type="body" idx="1"/>
+          </p:nvPr>
+        </p:nvSpPr>
+        <p:spPr>
+          <a:xfrm>
+            <a:off x="685800" y="4343400"/>
+            <a:ext cx="5486400" cy="4114800"/>
+          </a:xfrm>
+          <a:prstGeom prst="rect">
+            <a:avLst/>
+          </a:prstGeom>
+        </p:spPr>
+        <p:txBody>
+          <a:bodyPr spcFirstLastPara="1" wrap="square" lIns="91425" tIns="91425" rIns="91425" bIns="91425" anchor="t" anchorCtr="0">
+            <a:noAutofit/>
+          </a:bodyPr>
+          <a:lstStyle/>
+          <a:p>
+            <a:pPr marL="0" lvl="0" indent="0" algn="l" rtl="0">
+              <a:spcBef>
+                <a:spcPts val="0"/>
+              </a:spcBef>
+              <a:spcAft>
+                <a:spcPts val="0"/>
+              </a:spcAft>
+              <a:buNone/>
+            </a:pPr>
+            <a:endParaRPr/>
+          </a:p>
+        </p:txBody>
+      </p:sp>
+    </p:spTree>
+    <p:extLst>
+      <p:ext uri="{BB962C8B-B14F-4D97-AF65-F5344CB8AC3E}">
+        <p14:creationId xmlns:p14="http://schemas.microsoft.com/office/powerpoint/2010/main" val="2113930261"/>
+      </p:ext>
+    </p:extLst>
+  </p:cSld>
+  <p:clrMapOvr>
+    <a:masterClrMapping/>
+  </p:clrMapOvr>
+</p:notes>
+</file>
+
+<file path=ppt/notesSlides/notesSlide13.xml><?xml version="1.0" encoding="utf-8"?>
+<p:notes xmlns:a="http://schemas.openxmlformats.org/drawingml/2006/main" xmlns:r="http://schemas.openxmlformats.org/officeDocument/2006/relationships" xmlns:p="http://schemas.openxmlformats.org/presentationml/2006/main" showMasterSp="0" showMasterPhAnim="0">
+  <p:cSld>
+    <p:spTree>
+      <p:nvGrpSpPr>
         <p:cNvPr id="1" name="Shape 810"/>
         <p:cNvGrpSpPr/>
         <p:nvPr/>
@@ -917,7 +1252,7 @@
 </p:notes>
 </file>
 
-<file path=ppt/notesSlides/notesSlide11.xml><?xml version="1.0" encoding="utf-8"?>
+<file path=ppt/notesSlides/notesSlide14.xml><?xml version="1.0" encoding="utf-8"?>
 <p:notes xmlns:a="http://schemas.openxmlformats.org/drawingml/2006/main" xmlns:r="http://schemas.openxmlformats.org/officeDocument/2006/relationships" xmlns:p="http://schemas.openxmlformats.org/presentationml/2006/main" showMasterSp="0" showMasterPhAnim="0">
   <p:cSld>
     <p:spTree>
@@ -1442,7 +1777,7 @@
     </p:spTree>
     <p:extLst>
       <p:ext uri="{BB962C8B-B14F-4D97-AF65-F5344CB8AC3E}">
-        <p14:creationId xmlns:p14="http://schemas.microsoft.com/office/powerpoint/2010/main" val="1701369023"/>
+        <p14:creationId xmlns:p14="http://schemas.microsoft.com/office/powerpoint/2010/main" val="4021692646"/>
       </p:ext>
     </p:extLst>
   </p:cSld>
@@ -1551,7 +1886,7 @@
     </p:spTree>
     <p:extLst>
       <p:ext uri="{BB962C8B-B14F-4D97-AF65-F5344CB8AC3E}">
-        <p14:creationId xmlns:p14="http://schemas.microsoft.com/office/powerpoint/2010/main" val="4021692646"/>
+        <p14:creationId xmlns:p14="http://schemas.microsoft.com/office/powerpoint/2010/main" val="568233854"/>
       </p:ext>
     </p:extLst>
   </p:cSld>
@@ -1660,7 +1995,7 @@
     </p:spTree>
     <p:extLst>
       <p:ext uri="{BB962C8B-B14F-4D97-AF65-F5344CB8AC3E}">
-        <p14:creationId xmlns:p14="http://schemas.microsoft.com/office/powerpoint/2010/main" val="568233854"/>
+        <p14:creationId xmlns:p14="http://schemas.microsoft.com/office/powerpoint/2010/main" val="1701369023"/>
       </p:ext>
     </p:extLst>
   </p:cSld>
@@ -1769,7 +2104,7 @@
     </p:spTree>
     <p:extLst>
       <p:ext uri="{BB962C8B-B14F-4D97-AF65-F5344CB8AC3E}">
-        <p14:creationId xmlns:p14="http://schemas.microsoft.com/office/powerpoint/2010/main" val="3342731077"/>
+        <p14:creationId xmlns:p14="http://schemas.microsoft.com/office/powerpoint/2010/main" val="3512226347"/>
       </p:ext>
     </p:extLst>
   </p:cSld>
@@ -1878,7 +2213,7 @@
     </p:spTree>
     <p:extLst>
       <p:ext uri="{BB962C8B-B14F-4D97-AF65-F5344CB8AC3E}">
-        <p14:creationId xmlns:p14="http://schemas.microsoft.com/office/powerpoint/2010/main" val="4091381057"/>
+        <p14:creationId xmlns:p14="http://schemas.microsoft.com/office/powerpoint/2010/main" val="3342731077"/>
       </p:ext>
     </p:extLst>
   </p:cSld>
@@ -11845,12 +12180,20 @@
               <a:buNone/>
             </a:pPr>
             <a:r>
-              <a:rPr lang="es-ES">
+              <a:rPr lang="es-ES" dirty="0">
                 <a:solidFill>
                   <a:schemeClr val="accent3"/>
                 </a:solidFill>
               </a:rPr>
-              <a:t>Miguel Gil Jimenez</a:t>
+              <a:t>Miguel Gil </a:t>
+            </a:r>
+            <a:r>
+              <a:rPr lang="es-ES" dirty="0" err="1">
+                <a:solidFill>
+                  <a:schemeClr val="accent3"/>
+                </a:solidFill>
+              </a:rPr>
+              <a:t>Jimenez</a:t>
             </a:r>
             <a:endParaRPr lang="es-ES" dirty="0">
               <a:solidFill>
@@ -12230,6 +12573,3260 @@
 </file>
 
 <file path=ppt/slides/slide10.xml><?xml version="1.0" encoding="utf-8"?>
+<p:sld xmlns:a="http://schemas.openxmlformats.org/drawingml/2006/main" xmlns:r="http://schemas.openxmlformats.org/officeDocument/2006/relationships" xmlns:p="http://schemas.openxmlformats.org/presentationml/2006/main">
+  <p:cSld>
+    <p:spTree>
+      <p:nvGrpSpPr>
+        <p:cNvPr id="1" name="Shape 479"/>
+        <p:cNvGrpSpPr/>
+        <p:nvPr/>
+      </p:nvGrpSpPr>
+      <p:grpSpPr>
+        <a:xfrm>
+          <a:off x="0" y="0"/>
+          <a:ext cx="0" cy="0"/>
+          <a:chOff x="0" y="0"/>
+          <a:chExt cx="0" cy="0"/>
+        </a:xfrm>
+      </p:grpSpPr>
+      <p:sp>
+        <p:nvSpPr>
+          <p:cNvPr id="489" name="Google Shape;489;p29"/>
+          <p:cNvSpPr txBox="1">
+            <a:spLocks noGrp="1"/>
+          </p:cNvSpPr>
+          <p:nvPr>
+            <p:ph type="title" idx="9"/>
+          </p:nvPr>
+        </p:nvSpPr>
+        <p:spPr>
+          <a:xfrm>
+            <a:off x="1143250" y="582700"/>
+            <a:ext cx="7290600" cy="541200"/>
+          </a:xfrm>
+          <a:prstGeom prst="rect">
+            <a:avLst/>
+          </a:prstGeom>
+        </p:spPr>
+        <p:txBody>
+          <a:bodyPr spcFirstLastPara="1" wrap="square" lIns="91425" tIns="91425" rIns="91425" bIns="91425" anchor="t" anchorCtr="0">
+            <a:noAutofit/>
+          </a:bodyPr>
+          <a:lstStyle/>
+          <a:p>
+            <a:pPr marL="0" lvl="0" indent="0" algn="l" rtl="0">
+              <a:spcBef>
+                <a:spcPts val="0"/>
+              </a:spcBef>
+              <a:spcAft>
+                <a:spcPts val="0"/>
+              </a:spcAft>
+              <a:buNone/>
+            </a:pPr>
+            <a:r>
+              <a:rPr lang="es-ES" dirty="0"/>
+              <a:t>p</a:t>
+            </a:r>
+            <a:r>
+              <a:rPr lang="en" dirty="0"/>
+              <a:t>rint(Hiperparámetros)</a:t>
+            </a:r>
+            <a:endParaRPr dirty="0">
+              <a:solidFill>
+                <a:schemeClr val="accent6"/>
+              </a:solidFill>
+            </a:endParaRPr>
+          </a:p>
+        </p:txBody>
+      </p:sp>
+      <p:sp>
+        <p:nvSpPr>
+          <p:cNvPr id="3" name="Rectángulo 2">
+            <a:extLst>
+              <a:ext uri="{FF2B5EF4-FFF2-40B4-BE49-F238E27FC236}">
+                <a16:creationId xmlns:a16="http://schemas.microsoft.com/office/drawing/2014/main" id="{37E0ED80-1748-0B2D-4C9D-26020EF75F8A}"/>
+              </a:ext>
+            </a:extLst>
+          </p:cNvPr>
+          <p:cNvSpPr/>
+          <p:nvPr/>
+        </p:nvSpPr>
+        <p:spPr>
+          <a:xfrm>
+            <a:off x="6338521" y="237772"/>
+            <a:ext cx="2468595" cy="1460399"/>
+          </a:xfrm>
+          <a:prstGeom prst="rect">
+            <a:avLst/>
+          </a:prstGeom>
+          <a:ln>
+            <a:noFill/>
+          </a:ln>
+        </p:spPr>
+        <p:style>
+          <a:lnRef idx="2">
+            <a:schemeClr val="accent6">
+              <a:shade val="50000"/>
+            </a:schemeClr>
+          </a:lnRef>
+          <a:fillRef idx="1">
+            <a:schemeClr val="accent6"/>
+          </a:fillRef>
+          <a:effectRef idx="0">
+            <a:schemeClr val="accent6"/>
+          </a:effectRef>
+          <a:fontRef idx="minor">
+            <a:schemeClr val="lt1"/>
+          </a:fontRef>
+        </p:style>
+        <p:txBody>
+          <a:bodyPr rtlCol="0" anchor="ctr"/>
+          <a:lstStyle/>
+          <a:p>
+            <a:pPr algn="ctr"/>
+            <a:endParaRPr lang="es-ES" b="0" dirty="0">
+              <a:solidFill>
+                <a:srgbClr val="D4D4D4"/>
+              </a:solidFill>
+              <a:effectLst/>
+              <a:latin typeface="Consolas" panose="020B0609020204030204" pitchFamily="49" charset="0"/>
+            </a:endParaRPr>
+          </a:p>
+          <a:p>
+            <a:pPr algn="ctr"/>
+            <a:endParaRPr lang="es-ES" dirty="0"/>
+          </a:p>
+        </p:txBody>
+      </p:sp>
+      <p:sp>
+        <p:nvSpPr>
+          <p:cNvPr id="13" name="Google Shape;474;p28">
+            <a:extLst>
+              <a:ext uri="{FF2B5EF4-FFF2-40B4-BE49-F238E27FC236}">
+                <a16:creationId xmlns:a16="http://schemas.microsoft.com/office/drawing/2014/main" id="{D83B0DA1-E23A-BEC1-9264-5679527CE1DD}"/>
+              </a:ext>
+            </a:extLst>
+          </p:cNvPr>
+          <p:cNvSpPr txBox="1">
+            <a:spLocks/>
+          </p:cNvSpPr>
+          <p:nvPr/>
+        </p:nvSpPr>
+        <p:spPr>
+          <a:xfrm>
+            <a:off x="-5975" y="91525"/>
+            <a:ext cx="4572000" cy="357300"/>
+          </a:xfrm>
+          <a:prstGeom prst="rect">
+            <a:avLst/>
+          </a:prstGeom>
+          <a:noFill/>
+          <a:ln>
+            <a:noFill/>
+          </a:ln>
+        </p:spPr>
+        <p:txBody>
+          <a:bodyPr spcFirstLastPara="1" wrap="square" lIns="91425" tIns="91425" rIns="91425" bIns="91425" anchor="ctr" anchorCtr="0">
+            <a:noAutofit/>
+          </a:bodyPr>
+          <a:lstStyle>
+            <a:defPPr marR="0" lvl="0" algn="l" rtl="0">
+              <a:lnSpc>
+                <a:spcPct val="100000"/>
+              </a:lnSpc>
+              <a:spcBef>
+                <a:spcPts val="0"/>
+              </a:spcBef>
+              <a:spcAft>
+                <a:spcPts val="0"/>
+              </a:spcAft>
+            </a:defPPr>
+            <a:lvl1pPr marL="457200" marR="0" lvl="0" indent="-317500" algn="l" rtl="0">
+              <a:lnSpc>
+                <a:spcPct val="100000"/>
+              </a:lnSpc>
+              <a:spcBef>
+                <a:spcPts val="0"/>
+              </a:spcBef>
+              <a:spcAft>
+                <a:spcPts val="0"/>
+              </a:spcAft>
+              <a:buClr>
+                <a:schemeClr val="dk2"/>
+              </a:buClr>
+              <a:buSzPts val="1400"/>
+              <a:buFont typeface="Fira Code"/>
+              <a:buChar char="●"/>
+              <a:defRPr sz="1400" b="0" i="0" u="none" strike="noStrike" cap="none">
+                <a:solidFill>
+                  <a:schemeClr val="dk2"/>
+                </a:solidFill>
+                <a:latin typeface="Fira Code"/>
+                <a:ea typeface="Fira Code"/>
+                <a:cs typeface="Fira Code"/>
+                <a:sym typeface="Fira Code"/>
+              </a:defRPr>
+            </a:lvl1pPr>
+            <a:lvl2pPr marL="914400" marR="0" lvl="1" indent="-317500" algn="l" rtl="0">
+              <a:lnSpc>
+                <a:spcPct val="100000"/>
+              </a:lnSpc>
+              <a:spcBef>
+                <a:spcPts val="0"/>
+              </a:spcBef>
+              <a:spcAft>
+                <a:spcPts val="0"/>
+              </a:spcAft>
+              <a:buClr>
+                <a:schemeClr val="dk2"/>
+              </a:buClr>
+              <a:buSzPts val="1400"/>
+              <a:buFont typeface="Fira Code"/>
+              <a:buChar char="○"/>
+              <a:defRPr sz="1400" b="0" i="0" u="none" strike="noStrike" cap="none">
+                <a:solidFill>
+                  <a:schemeClr val="dk2"/>
+                </a:solidFill>
+                <a:latin typeface="Fira Code"/>
+                <a:ea typeface="Fira Code"/>
+                <a:cs typeface="Fira Code"/>
+                <a:sym typeface="Fira Code"/>
+              </a:defRPr>
+            </a:lvl2pPr>
+            <a:lvl3pPr marL="1371600" marR="0" lvl="2" indent="-317500" algn="l" rtl="0">
+              <a:lnSpc>
+                <a:spcPct val="100000"/>
+              </a:lnSpc>
+              <a:spcBef>
+                <a:spcPts val="0"/>
+              </a:spcBef>
+              <a:spcAft>
+                <a:spcPts val="0"/>
+              </a:spcAft>
+              <a:buClr>
+                <a:schemeClr val="dk2"/>
+              </a:buClr>
+              <a:buSzPts val="1400"/>
+              <a:buFont typeface="Fira Code"/>
+              <a:buChar char="■"/>
+              <a:defRPr sz="1400" b="0" i="0" u="none" strike="noStrike" cap="none">
+                <a:solidFill>
+                  <a:schemeClr val="dk2"/>
+                </a:solidFill>
+                <a:latin typeface="Fira Code"/>
+                <a:ea typeface="Fira Code"/>
+                <a:cs typeface="Fira Code"/>
+                <a:sym typeface="Fira Code"/>
+              </a:defRPr>
+            </a:lvl3pPr>
+            <a:lvl4pPr marL="1828800" marR="0" lvl="3" indent="-317500" algn="l" rtl="0">
+              <a:lnSpc>
+                <a:spcPct val="100000"/>
+              </a:lnSpc>
+              <a:spcBef>
+                <a:spcPts val="0"/>
+              </a:spcBef>
+              <a:spcAft>
+                <a:spcPts val="0"/>
+              </a:spcAft>
+              <a:buClr>
+                <a:schemeClr val="dk2"/>
+              </a:buClr>
+              <a:buSzPts val="1400"/>
+              <a:buFont typeface="Fira Code"/>
+              <a:buChar char="●"/>
+              <a:defRPr sz="1400" b="0" i="0" u="none" strike="noStrike" cap="none">
+                <a:solidFill>
+                  <a:schemeClr val="dk2"/>
+                </a:solidFill>
+                <a:latin typeface="Fira Code"/>
+                <a:ea typeface="Fira Code"/>
+                <a:cs typeface="Fira Code"/>
+                <a:sym typeface="Fira Code"/>
+              </a:defRPr>
+            </a:lvl4pPr>
+            <a:lvl5pPr marL="2286000" marR="0" lvl="4" indent="-317500" algn="l" rtl="0">
+              <a:lnSpc>
+                <a:spcPct val="100000"/>
+              </a:lnSpc>
+              <a:spcBef>
+                <a:spcPts val="0"/>
+              </a:spcBef>
+              <a:spcAft>
+                <a:spcPts val="0"/>
+              </a:spcAft>
+              <a:buClr>
+                <a:schemeClr val="dk2"/>
+              </a:buClr>
+              <a:buSzPts val="1400"/>
+              <a:buFont typeface="Fira Code"/>
+              <a:buChar char="○"/>
+              <a:defRPr sz="1400" b="0" i="0" u="none" strike="noStrike" cap="none">
+                <a:solidFill>
+                  <a:schemeClr val="dk2"/>
+                </a:solidFill>
+                <a:latin typeface="Fira Code"/>
+                <a:ea typeface="Fira Code"/>
+                <a:cs typeface="Fira Code"/>
+                <a:sym typeface="Fira Code"/>
+              </a:defRPr>
+            </a:lvl5pPr>
+            <a:lvl6pPr marL="2743200" marR="0" lvl="5" indent="-317500" algn="l" rtl="0">
+              <a:lnSpc>
+                <a:spcPct val="100000"/>
+              </a:lnSpc>
+              <a:spcBef>
+                <a:spcPts val="0"/>
+              </a:spcBef>
+              <a:spcAft>
+                <a:spcPts val="0"/>
+              </a:spcAft>
+              <a:buClr>
+                <a:schemeClr val="dk2"/>
+              </a:buClr>
+              <a:buSzPts val="1400"/>
+              <a:buFont typeface="Fira Code"/>
+              <a:buChar char="■"/>
+              <a:defRPr sz="1400" b="0" i="0" u="none" strike="noStrike" cap="none">
+                <a:solidFill>
+                  <a:schemeClr val="dk2"/>
+                </a:solidFill>
+                <a:latin typeface="Fira Code"/>
+                <a:ea typeface="Fira Code"/>
+                <a:cs typeface="Fira Code"/>
+                <a:sym typeface="Fira Code"/>
+              </a:defRPr>
+            </a:lvl6pPr>
+            <a:lvl7pPr marL="3200400" marR="0" lvl="6" indent="-317500" algn="l" rtl="0">
+              <a:lnSpc>
+                <a:spcPct val="100000"/>
+              </a:lnSpc>
+              <a:spcBef>
+                <a:spcPts val="0"/>
+              </a:spcBef>
+              <a:spcAft>
+                <a:spcPts val="0"/>
+              </a:spcAft>
+              <a:buClr>
+                <a:schemeClr val="dk2"/>
+              </a:buClr>
+              <a:buSzPts val="1400"/>
+              <a:buFont typeface="Fira Code"/>
+              <a:buChar char="●"/>
+              <a:defRPr sz="1400" b="0" i="0" u="none" strike="noStrike" cap="none">
+                <a:solidFill>
+                  <a:schemeClr val="dk2"/>
+                </a:solidFill>
+                <a:latin typeface="Fira Code"/>
+                <a:ea typeface="Fira Code"/>
+                <a:cs typeface="Fira Code"/>
+                <a:sym typeface="Fira Code"/>
+              </a:defRPr>
+            </a:lvl7pPr>
+            <a:lvl8pPr marL="3657600" marR="0" lvl="7" indent="-317500" algn="l" rtl="0">
+              <a:lnSpc>
+                <a:spcPct val="100000"/>
+              </a:lnSpc>
+              <a:spcBef>
+                <a:spcPts val="0"/>
+              </a:spcBef>
+              <a:spcAft>
+                <a:spcPts val="0"/>
+              </a:spcAft>
+              <a:buClr>
+                <a:schemeClr val="dk2"/>
+              </a:buClr>
+              <a:buSzPts val="1400"/>
+              <a:buFont typeface="Fira Code"/>
+              <a:buChar char="○"/>
+              <a:defRPr sz="1400" b="0" i="0" u="none" strike="noStrike" cap="none">
+                <a:solidFill>
+                  <a:schemeClr val="dk2"/>
+                </a:solidFill>
+                <a:latin typeface="Fira Code"/>
+                <a:ea typeface="Fira Code"/>
+                <a:cs typeface="Fira Code"/>
+                <a:sym typeface="Fira Code"/>
+              </a:defRPr>
+            </a:lvl8pPr>
+            <a:lvl9pPr marL="4114800" marR="0" lvl="8" indent="-317500" algn="l" rtl="0">
+              <a:lnSpc>
+                <a:spcPct val="100000"/>
+              </a:lnSpc>
+              <a:spcBef>
+                <a:spcPts val="0"/>
+              </a:spcBef>
+              <a:spcAft>
+                <a:spcPts val="0"/>
+              </a:spcAft>
+              <a:buClr>
+                <a:schemeClr val="dk2"/>
+              </a:buClr>
+              <a:buSzPts val="1400"/>
+              <a:buFont typeface="Fira Code"/>
+              <a:buChar char="■"/>
+              <a:defRPr sz="1400" b="0" i="0" u="none" strike="noStrike" cap="none">
+                <a:solidFill>
+                  <a:schemeClr val="dk2"/>
+                </a:solidFill>
+                <a:latin typeface="Fira Code"/>
+                <a:ea typeface="Fira Code"/>
+                <a:cs typeface="Fira Code"/>
+                <a:sym typeface="Fira Code"/>
+              </a:defRPr>
+            </a:lvl9pPr>
+          </a:lstStyle>
+          <a:p>
+            <a:pPr marL="0" indent="0" algn="ctr">
+              <a:buFont typeface="Fira Code"/>
+              <a:buNone/>
+            </a:pPr>
+            <a:r>
+              <a:rPr lang="es-ES">
+                <a:solidFill>
+                  <a:schemeClr val="accent3"/>
+                </a:solidFill>
+              </a:rPr>
+              <a:t>Miguel Gil Jimenez</a:t>
+            </a:r>
+            <a:endParaRPr lang="es-ES" dirty="0">
+              <a:solidFill>
+                <a:schemeClr val="accent3"/>
+              </a:solidFill>
+            </a:endParaRPr>
+          </a:p>
+        </p:txBody>
+      </p:sp>
+      <p:sp>
+        <p:nvSpPr>
+          <p:cNvPr id="14" name="Google Shape;475;p28">
+            <a:extLst>
+              <a:ext uri="{FF2B5EF4-FFF2-40B4-BE49-F238E27FC236}">
+                <a16:creationId xmlns:a16="http://schemas.microsoft.com/office/drawing/2014/main" id="{80810414-6378-9A01-65A3-417E0C7728D7}"/>
+              </a:ext>
+            </a:extLst>
+          </p:cNvPr>
+          <p:cNvSpPr txBox="1">
+            <a:spLocks/>
+          </p:cNvSpPr>
+          <p:nvPr/>
+        </p:nvSpPr>
+        <p:spPr>
+          <a:xfrm>
+            <a:off x="3238214" y="4781400"/>
+            <a:ext cx="5788908" cy="357300"/>
+          </a:xfrm>
+          <a:prstGeom prst="rect">
+            <a:avLst/>
+          </a:prstGeom>
+          <a:noFill/>
+          <a:ln>
+            <a:noFill/>
+          </a:ln>
+        </p:spPr>
+        <p:txBody>
+          <a:bodyPr spcFirstLastPara="1" wrap="square" lIns="91425" tIns="91425" rIns="91425" bIns="91425" anchor="ctr" anchorCtr="0">
+            <a:noAutofit/>
+          </a:bodyPr>
+          <a:lstStyle>
+            <a:defPPr marR="0" lvl="0" algn="l" rtl="0">
+              <a:lnSpc>
+                <a:spcPct val="100000"/>
+              </a:lnSpc>
+              <a:spcBef>
+                <a:spcPts val="0"/>
+              </a:spcBef>
+              <a:spcAft>
+                <a:spcPts val="0"/>
+              </a:spcAft>
+            </a:defPPr>
+            <a:lvl1pPr marL="457200" marR="0" lvl="0" indent="-317500" algn="l" rtl="0">
+              <a:lnSpc>
+                <a:spcPct val="100000"/>
+              </a:lnSpc>
+              <a:spcBef>
+                <a:spcPts val="0"/>
+              </a:spcBef>
+              <a:spcAft>
+                <a:spcPts val="0"/>
+              </a:spcAft>
+              <a:buClr>
+                <a:schemeClr val="dk2"/>
+              </a:buClr>
+              <a:buSzPts val="1400"/>
+              <a:buFont typeface="Fira Code"/>
+              <a:buChar char="●"/>
+              <a:defRPr sz="1400" b="0" i="0" u="none" strike="noStrike" cap="none">
+                <a:solidFill>
+                  <a:schemeClr val="dk2"/>
+                </a:solidFill>
+                <a:latin typeface="Fira Code"/>
+                <a:ea typeface="Fira Code"/>
+                <a:cs typeface="Fira Code"/>
+                <a:sym typeface="Fira Code"/>
+              </a:defRPr>
+            </a:lvl1pPr>
+            <a:lvl2pPr marL="914400" marR="0" lvl="1" indent="-317500" algn="l" rtl="0">
+              <a:lnSpc>
+                <a:spcPct val="100000"/>
+              </a:lnSpc>
+              <a:spcBef>
+                <a:spcPts val="0"/>
+              </a:spcBef>
+              <a:spcAft>
+                <a:spcPts val="0"/>
+              </a:spcAft>
+              <a:buClr>
+                <a:schemeClr val="dk2"/>
+              </a:buClr>
+              <a:buSzPts val="1400"/>
+              <a:buFont typeface="Fira Code"/>
+              <a:buChar char="○"/>
+              <a:defRPr sz="1400" b="0" i="0" u="none" strike="noStrike" cap="none">
+                <a:solidFill>
+                  <a:schemeClr val="dk2"/>
+                </a:solidFill>
+                <a:latin typeface="Fira Code"/>
+                <a:ea typeface="Fira Code"/>
+                <a:cs typeface="Fira Code"/>
+                <a:sym typeface="Fira Code"/>
+              </a:defRPr>
+            </a:lvl2pPr>
+            <a:lvl3pPr marL="1371600" marR="0" lvl="2" indent="-317500" algn="l" rtl="0">
+              <a:lnSpc>
+                <a:spcPct val="100000"/>
+              </a:lnSpc>
+              <a:spcBef>
+                <a:spcPts val="0"/>
+              </a:spcBef>
+              <a:spcAft>
+                <a:spcPts val="0"/>
+              </a:spcAft>
+              <a:buClr>
+                <a:schemeClr val="dk2"/>
+              </a:buClr>
+              <a:buSzPts val="1400"/>
+              <a:buFont typeface="Fira Code"/>
+              <a:buChar char="■"/>
+              <a:defRPr sz="1400" b="0" i="0" u="none" strike="noStrike" cap="none">
+                <a:solidFill>
+                  <a:schemeClr val="dk2"/>
+                </a:solidFill>
+                <a:latin typeface="Fira Code"/>
+                <a:ea typeface="Fira Code"/>
+                <a:cs typeface="Fira Code"/>
+                <a:sym typeface="Fira Code"/>
+              </a:defRPr>
+            </a:lvl3pPr>
+            <a:lvl4pPr marL="1828800" marR="0" lvl="3" indent="-317500" algn="l" rtl="0">
+              <a:lnSpc>
+                <a:spcPct val="100000"/>
+              </a:lnSpc>
+              <a:spcBef>
+                <a:spcPts val="0"/>
+              </a:spcBef>
+              <a:spcAft>
+                <a:spcPts val="0"/>
+              </a:spcAft>
+              <a:buClr>
+                <a:schemeClr val="dk2"/>
+              </a:buClr>
+              <a:buSzPts val="1400"/>
+              <a:buFont typeface="Fira Code"/>
+              <a:buChar char="●"/>
+              <a:defRPr sz="1400" b="0" i="0" u="none" strike="noStrike" cap="none">
+                <a:solidFill>
+                  <a:schemeClr val="dk2"/>
+                </a:solidFill>
+                <a:latin typeface="Fira Code"/>
+                <a:ea typeface="Fira Code"/>
+                <a:cs typeface="Fira Code"/>
+                <a:sym typeface="Fira Code"/>
+              </a:defRPr>
+            </a:lvl4pPr>
+            <a:lvl5pPr marL="2286000" marR="0" lvl="4" indent="-317500" algn="l" rtl="0">
+              <a:lnSpc>
+                <a:spcPct val="100000"/>
+              </a:lnSpc>
+              <a:spcBef>
+                <a:spcPts val="0"/>
+              </a:spcBef>
+              <a:spcAft>
+                <a:spcPts val="0"/>
+              </a:spcAft>
+              <a:buClr>
+                <a:schemeClr val="dk2"/>
+              </a:buClr>
+              <a:buSzPts val="1400"/>
+              <a:buFont typeface="Fira Code"/>
+              <a:buChar char="○"/>
+              <a:defRPr sz="1400" b="0" i="0" u="none" strike="noStrike" cap="none">
+                <a:solidFill>
+                  <a:schemeClr val="dk2"/>
+                </a:solidFill>
+                <a:latin typeface="Fira Code"/>
+                <a:ea typeface="Fira Code"/>
+                <a:cs typeface="Fira Code"/>
+                <a:sym typeface="Fira Code"/>
+              </a:defRPr>
+            </a:lvl5pPr>
+            <a:lvl6pPr marL="2743200" marR="0" lvl="5" indent="-317500" algn="l" rtl="0">
+              <a:lnSpc>
+                <a:spcPct val="100000"/>
+              </a:lnSpc>
+              <a:spcBef>
+                <a:spcPts val="0"/>
+              </a:spcBef>
+              <a:spcAft>
+                <a:spcPts val="0"/>
+              </a:spcAft>
+              <a:buClr>
+                <a:schemeClr val="dk2"/>
+              </a:buClr>
+              <a:buSzPts val="1400"/>
+              <a:buFont typeface="Fira Code"/>
+              <a:buChar char="■"/>
+              <a:defRPr sz="1400" b="0" i="0" u="none" strike="noStrike" cap="none">
+                <a:solidFill>
+                  <a:schemeClr val="dk2"/>
+                </a:solidFill>
+                <a:latin typeface="Fira Code"/>
+                <a:ea typeface="Fira Code"/>
+                <a:cs typeface="Fira Code"/>
+                <a:sym typeface="Fira Code"/>
+              </a:defRPr>
+            </a:lvl6pPr>
+            <a:lvl7pPr marL="3200400" marR="0" lvl="6" indent="-317500" algn="l" rtl="0">
+              <a:lnSpc>
+                <a:spcPct val="100000"/>
+              </a:lnSpc>
+              <a:spcBef>
+                <a:spcPts val="0"/>
+              </a:spcBef>
+              <a:spcAft>
+                <a:spcPts val="0"/>
+              </a:spcAft>
+              <a:buClr>
+                <a:schemeClr val="dk2"/>
+              </a:buClr>
+              <a:buSzPts val="1400"/>
+              <a:buFont typeface="Fira Code"/>
+              <a:buChar char="●"/>
+              <a:defRPr sz="1400" b="0" i="0" u="none" strike="noStrike" cap="none">
+                <a:solidFill>
+                  <a:schemeClr val="dk2"/>
+                </a:solidFill>
+                <a:latin typeface="Fira Code"/>
+                <a:ea typeface="Fira Code"/>
+                <a:cs typeface="Fira Code"/>
+                <a:sym typeface="Fira Code"/>
+              </a:defRPr>
+            </a:lvl7pPr>
+            <a:lvl8pPr marL="3657600" marR="0" lvl="7" indent="-317500" algn="l" rtl="0">
+              <a:lnSpc>
+                <a:spcPct val="100000"/>
+              </a:lnSpc>
+              <a:spcBef>
+                <a:spcPts val="0"/>
+              </a:spcBef>
+              <a:spcAft>
+                <a:spcPts val="0"/>
+              </a:spcAft>
+              <a:buClr>
+                <a:schemeClr val="dk2"/>
+              </a:buClr>
+              <a:buSzPts val="1400"/>
+              <a:buFont typeface="Fira Code"/>
+              <a:buChar char="○"/>
+              <a:defRPr sz="1400" b="0" i="0" u="none" strike="noStrike" cap="none">
+                <a:solidFill>
+                  <a:schemeClr val="dk2"/>
+                </a:solidFill>
+                <a:latin typeface="Fira Code"/>
+                <a:ea typeface="Fira Code"/>
+                <a:cs typeface="Fira Code"/>
+                <a:sym typeface="Fira Code"/>
+              </a:defRPr>
+            </a:lvl8pPr>
+            <a:lvl9pPr marL="4114800" marR="0" lvl="8" indent="-317500" algn="l" rtl="0">
+              <a:lnSpc>
+                <a:spcPct val="100000"/>
+              </a:lnSpc>
+              <a:spcBef>
+                <a:spcPts val="0"/>
+              </a:spcBef>
+              <a:spcAft>
+                <a:spcPts val="0"/>
+              </a:spcAft>
+              <a:buClr>
+                <a:schemeClr val="dk2"/>
+              </a:buClr>
+              <a:buSzPts val="1400"/>
+              <a:buFont typeface="Fira Code"/>
+              <a:buChar char="■"/>
+              <a:defRPr sz="1400" b="0" i="0" u="none" strike="noStrike" cap="none">
+                <a:solidFill>
+                  <a:schemeClr val="dk2"/>
+                </a:solidFill>
+                <a:latin typeface="Fira Code"/>
+                <a:ea typeface="Fira Code"/>
+                <a:cs typeface="Fira Code"/>
+                <a:sym typeface="Fira Code"/>
+              </a:defRPr>
+            </a:lvl9pPr>
+          </a:lstStyle>
+          <a:p>
+            <a:pPr marL="0" indent="0" algn="ctr">
+              <a:buFont typeface="Fira Code"/>
+              <a:buNone/>
+            </a:pPr>
+            <a:r>
+              <a:rPr lang="en-US">
+                <a:solidFill>
+                  <a:schemeClr val="accent3"/>
+                </a:solidFill>
+              </a:rPr>
+              <a:t>Kaggle Competition - </a:t>
+            </a:r>
+            <a:r>
+              <a:rPr lang="en-US" b="1">
+                <a:solidFill>
+                  <a:srgbClr val="FFFFFF"/>
+                </a:solidFill>
+                <a:latin typeface="zeitung"/>
+              </a:rPr>
+              <a:t>Feature Imputation with a Heat Flux Dataset</a:t>
+            </a:r>
+          </a:p>
+          <a:p>
+            <a:pPr marL="0" indent="0" algn="ctr">
+              <a:buFont typeface="Fira Code"/>
+              <a:buNone/>
+            </a:pPr>
+            <a:endParaRPr lang="en-US" dirty="0">
+              <a:solidFill>
+                <a:schemeClr val="accent3"/>
+              </a:solidFill>
+            </a:endParaRPr>
+          </a:p>
+        </p:txBody>
+      </p:sp>
+      <p:sp>
+        <p:nvSpPr>
+          <p:cNvPr id="6" name="CuadroTexto 5">
+            <a:extLst>
+              <a:ext uri="{FF2B5EF4-FFF2-40B4-BE49-F238E27FC236}">
+                <a16:creationId xmlns:a16="http://schemas.microsoft.com/office/drawing/2014/main" id="{3F5E0919-20C1-C562-DAEF-80DF4C7EF23A}"/>
+              </a:ext>
+            </a:extLst>
+          </p:cNvPr>
+          <p:cNvSpPr txBox="1"/>
+          <p:nvPr/>
+        </p:nvSpPr>
+        <p:spPr>
+          <a:xfrm>
+            <a:off x="6494125" y="582700"/>
+            <a:ext cx="2157385" cy="954107"/>
+          </a:xfrm>
+          <a:prstGeom prst="rect">
+            <a:avLst/>
+          </a:prstGeom>
+          <a:noFill/>
+        </p:spPr>
+        <p:txBody>
+          <a:bodyPr wrap="square">
+            <a:spAutoFit/>
+          </a:bodyPr>
+          <a:lstStyle/>
+          <a:p>
+            <a:r>
+              <a:rPr lang="es-ES" b="1" dirty="0" err="1">
+                <a:solidFill>
+                  <a:schemeClr val="tx1"/>
+                </a:solidFill>
+                <a:effectLst/>
+                <a:latin typeface="Consolas" panose="020B0609020204030204" pitchFamily="49" charset="0"/>
+              </a:rPr>
+              <a:t>n_estimators</a:t>
+            </a:r>
+            <a:r>
+              <a:rPr lang="es-ES" b="0" dirty="0">
+                <a:solidFill>
+                  <a:schemeClr val="tx1"/>
+                </a:solidFill>
+                <a:effectLst/>
+                <a:latin typeface="Consolas" panose="020B0609020204030204" pitchFamily="49" charset="0"/>
+              </a:rPr>
+              <a:t>=200</a:t>
+            </a:r>
+            <a:endParaRPr lang="es-ES" dirty="0">
+              <a:solidFill>
+                <a:schemeClr val="tx1"/>
+              </a:solidFill>
+              <a:latin typeface="Consolas" panose="020B0609020204030204" pitchFamily="49" charset="0"/>
+            </a:endParaRPr>
+          </a:p>
+          <a:p>
+            <a:r>
+              <a:rPr lang="es-ES" b="1" dirty="0" err="1">
+                <a:solidFill>
+                  <a:schemeClr val="tx1"/>
+                </a:solidFill>
+                <a:effectLst/>
+                <a:latin typeface="Consolas" panose="020B0609020204030204" pitchFamily="49" charset="0"/>
+              </a:rPr>
+              <a:t>max_features</a:t>
+            </a:r>
+            <a:r>
+              <a:rPr lang="es-ES" b="0" dirty="0">
+                <a:solidFill>
+                  <a:schemeClr val="tx1"/>
+                </a:solidFill>
+                <a:effectLst/>
+                <a:latin typeface="Consolas" panose="020B0609020204030204" pitchFamily="49" charset="0"/>
+              </a:rPr>
+              <a:t>="</a:t>
+            </a:r>
+            <a:r>
+              <a:rPr lang="es-ES" b="0" dirty="0" err="1">
+                <a:solidFill>
+                  <a:schemeClr val="tx1"/>
+                </a:solidFill>
+                <a:effectLst/>
+                <a:latin typeface="Consolas" panose="020B0609020204030204" pitchFamily="49" charset="0"/>
+              </a:rPr>
+              <a:t>sqrt</a:t>
+            </a:r>
+            <a:r>
+              <a:rPr lang="es-ES" b="0" dirty="0">
+                <a:solidFill>
+                  <a:schemeClr val="tx1"/>
+                </a:solidFill>
+                <a:effectLst/>
+                <a:latin typeface="Consolas" panose="020B0609020204030204" pitchFamily="49" charset="0"/>
+              </a:rPr>
+              <a:t>“</a:t>
+            </a:r>
+            <a:endParaRPr lang="es-ES" dirty="0">
+              <a:solidFill>
+                <a:schemeClr val="tx1"/>
+              </a:solidFill>
+              <a:latin typeface="Consolas" panose="020B0609020204030204" pitchFamily="49" charset="0"/>
+            </a:endParaRPr>
+          </a:p>
+          <a:p>
+            <a:r>
+              <a:rPr lang="es-ES" b="1" dirty="0" err="1">
+                <a:solidFill>
+                  <a:schemeClr val="tx1"/>
+                </a:solidFill>
+                <a:effectLst/>
+                <a:latin typeface="Consolas" panose="020B0609020204030204" pitchFamily="49" charset="0"/>
+              </a:rPr>
+              <a:t>min_samples_leaf</a:t>
+            </a:r>
+            <a:r>
+              <a:rPr lang="es-ES" b="0" dirty="0">
+                <a:solidFill>
+                  <a:schemeClr val="tx1"/>
+                </a:solidFill>
+                <a:effectLst/>
+                <a:latin typeface="Consolas" panose="020B0609020204030204" pitchFamily="49" charset="0"/>
+              </a:rPr>
+              <a:t>=2</a:t>
+            </a:r>
+            <a:endParaRPr lang="es-ES" dirty="0">
+              <a:solidFill>
+                <a:schemeClr val="tx1"/>
+              </a:solidFill>
+              <a:latin typeface="Consolas" panose="020B0609020204030204" pitchFamily="49" charset="0"/>
+            </a:endParaRPr>
+          </a:p>
+          <a:p>
+            <a:r>
+              <a:rPr lang="es-ES" b="1" dirty="0" err="1">
+                <a:solidFill>
+                  <a:schemeClr val="tx1"/>
+                </a:solidFill>
+                <a:effectLst/>
+                <a:latin typeface="Consolas" panose="020B0609020204030204" pitchFamily="49" charset="0"/>
+              </a:rPr>
+              <a:t>min_samples_split</a:t>
+            </a:r>
+            <a:r>
+              <a:rPr lang="es-ES" b="0" dirty="0">
+                <a:solidFill>
+                  <a:schemeClr val="tx1"/>
+                </a:solidFill>
+                <a:effectLst/>
+                <a:latin typeface="Consolas" panose="020B0609020204030204" pitchFamily="49" charset="0"/>
+              </a:rPr>
+              <a:t>=10</a:t>
+            </a:r>
+          </a:p>
+        </p:txBody>
+      </p:sp>
+      <p:sp>
+        <p:nvSpPr>
+          <p:cNvPr id="7" name="Rectángulo 6">
+            <a:extLst>
+              <a:ext uri="{FF2B5EF4-FFF2-40B4-BE49-F238E27FC236}">
+                <a16:creationId xmlns:a16="http://schemas.microsoft.com/office/drawing/2014/main" id="{51E92AB9-2F84-FEEF-DB66-288E20CB5B55}"/>
+              </a:ext>
+            </a:extLst>
+          </p:cNvPr>
+          <p:cNvSpPr/>
+          <p:nvPr/>
+        </p:nvSpPr>
+        <p:spPr>
+          <a:xfrm>
+            <a:off x="6338521" y="1910444"/>
+            <a:ext cx="2468595" cy="2482700"/>
+          </a:xfrm>
+          <a:prstGeom prst="rect">
+            <a:avLst/>
+          </a:prstGeom>
+          <a:ln>
+            <a:noFill/>
+          </a:ln>
+        </p:spPr>
+        <p:style>
+          <a:lnRef idx="2">
+            <a:schemeClr val="accent6">
+              <a:shade val="50000"/>
+            </a:schemeClr>
+          </a:lnRef>
+          <a:fillRef idx="1">
+            <a:schemeClr val="accent6"/>
+          </a:fillRef>
+          <a:effectRef idx="0">
+            <a:schemeClr val="accent6"/>
+          </a:effectRef>
+          <a:fontRef idx="minor">
+            <a:schemeClr val="lt1"/>
+          </a:fontRef>
+        </p:style>
+        <p:txBody>
+          <a:bodyPr rtlCol="0" anchor="ctr"/>
+          <a:lstStyle/>
+          <a:p>
+            <a:pPr algn="ctr"/>
+            <a:endParaRPr lang="es-ES" b="0" dirty="0">
+              <a:solidFill>
+                <a:srgbClr val="D4D4D4"/>
+              </a:solidFill>
+              <a:effectLst/>
+              <a:latin typeface="Consolas" panose="020B0609020204030204" pitchFamily="49" charset="0"/>
+            </a:endParaRPr>
+          </a:p>
+          <a:p>
+            <a:pPr algn="ctr"/>
+            <a:endParaRPr lang="es-ES" dirty="0"/>
+          </a:p>
+        </p:txBody>
+      </p:sp>
+      <p:sp>
+        <p:nvSpPr>
+          <p:cNvPr id="8" name="CuadroTexto 7">
+            <a:extLst>
+              <a:ext uri="{FF2B5EF4-FFF2-40B4-BE49-F238E27FC236}">
+                <a16:creationId xmlns:a16="http://schemas.microsoft.com/office/drawing/2014/main" id="{2A806ED0-8589-39BE-EF97-BC9BC0AB668E}"/>
+              </a:ext>
+            </a:extLst>
+          </p:cNvPr>
+          <p:cNvSpPr txBox="1"/>
+          <p:nvPr/>
+        </p:nvSpPr>
+        <p:spPr>
+          <a:xfrm>
+            <a:off x="6363157" y="2359846"/>
+            <a:ext cx="4748096" cy="1815882"/>
+          </a:xfrm>
+          <a:prstGeom prst="rect">
+            <a:avLst/>
+          </a:prstGeom>
+          <a:noFill/>
+        </p:spPr>
+        <p:txBody>
+          <a:bodyPr wrap="square">
+            <a:spAutoFit/>
+          </a:bodyPr>
+          <a:lstStyle/>
+          <a:p>
+            <a:r>
+              <a:rPr lang="en-US" b="1" dirty="0" err="1">
+                <a:solidFill>
+                  <a:schemeClr val="tx1"/>
+                </a:solidFill>
+                <a:effectLst/>
+                <a:latin typeface="Consolas" panose="020B0609020204030204" pitchFamily="49" charset="0"/>
+              </a:rPr>
+              <a:t>n_estimators</a:t>
+            </a:r>
+            <a:r>
+              <a:rPr lang="en-US" b="1" dirty="0">
+                <a:solidFill>
+                  <a:schemeClr val="tx1"/>
+                </a:solidFill>
+                <a:effectLst/>
+                <a:latin typeface="Consolas" panose="020B0609020204030204" pitchFamily="49" charset="0"/>
+              </a:rPr>
+              <a:t>=</a:t>
+            </a:r>
+            <a:r>
+              <a:rPr lang="en-US" b="0" dirty="0">
+                <a:solidFill>
+                  <a:schemeClr val="tx1"/>
+                </a:solidFill>
+                <a:effectLst/>
+                <a:latin typeface="Consolas" panose="020B0609020204030204" pitchFamily="49" charset="0"/>
+              </a:rPr>
+              <a:t>2180</a:t>
+            </a:r>
+          </a:p>
+          <a:p>
+            <a:r>
+              <a:rPr lang="en-US" b="1" dirty="0" err="1">
+                <a:solidFill>
+                  <a:schemeClr val="tx1"/>
+                </a:solidFill>
+                <a:effectLst/>
+                <a:latin typeface="Consolas" panose="020B0609020204030204" pitchFamily="49" charset="0"/>
+              </a:rPr>
+              <a:t>max_depth</a:t>
+            </a:r>
+            <a:r>
+              <a:rPr lang="en-US" b="0" dirty="0">
+                <a:solidFill>
+                  <a:schemeClr val="tx1"/>
+                </a:solidFill>
+                <a:effectLst/>
+                <a:latin typeface="Consolas" panose="020B0609020204030204" pitchFamily="49" charset="0"/>
+              </a:rPr>
+              <a:t>=3</a:t>
+            </a:r>
+          </a:p>
+          <a:p>
+            <a:r>
+              <a:rPr lang="en-US" b="1" dirty="0" err="1">
+                <a:solidFill>
+                  <a:schemeClr val="tx1"/>
+                </a:solidFill>
+                <a:effectLst/>
+                <a:latin typeface="Consolas" panose="020B0609020204030204" pitchFamily="49" charset="0"/>
+              </a:rPr>
+              <a:t>learning_rate</a:t>
+            </a:r>
+            <a:r>
+              <a:rPr lang="en-US" b="0" dirty="0">
+                <a:solidFill>
+                  <a:schemeClr val="tx1"/>
+                </a:solidFill>
+                <a:effectLst/>
+                <a:latin typeface="Consolas" panose="020B0609020204030204" pitchFamily="49" charset="0"/>
+              </a:rPr>
+              <a:t>=0.099    </a:t>
+            </a:r>
+          </a:p>
+          <a:p>
+            <a:r>
+              <a:rPr lang="en-US" b="1" dirty="0">
+                <a:solidFill>
+                  <a:schemeClr val="tx1"/>
+                </a:solidFill>
+                <a:effectLst/>
+                <a:latin typeface="Consolas" panose="020B0609020204030204" pitchFamily="49" charset="0"/>
+              </a:rPr>
+              <a:t>objective</a:t>
+            </a:r>
+            <a:r>
+              <a:rPr lang="en-US" b="0" dirty="0">
+                <a:solidFill>
+                  <a:schemeClr val="tx1"/>
+                </a:solidFill>
+                <a:effectLst/>
+                <a:latin typeface="Consolas" panose="020B0609020204030204" pitchFamily="49" charset="0"/>
+              </a:rPr>
+              <a:t>=</a:t>
+            </a:r>
+          </a:p>
+          <a:p>
+            <a:r>
+              <a:rPr lang="en-US" b="0" dirty="0">
+                <a:solidFill>
+                  <a:schemeClr val="tx1"/>
+                </a:solidFill>
+                <a:effectLst/>
+                <a:latin typeface="Consolas" panose="020B0609020204030204" pitchFamily="49" charset="0"/>
+              </a:rPr>
+              <a:t>'</a:t>
+            </a:r>
+            <a:r>
+              <a:rPr lang="en-US" b="0" dirty="0" err="1">
+                <a:solidFill>
+                  <a:schemeClr val="tx1"/>
+                </a:solidFill>
+                <a:effectLst/>
+                <a:latin typeface="Consolas" panose="020B0609020204030204" pitchFamily="49" charset="0"/>
+              </a:rPr>
+              <a:t>reg:squarederror</a:t>
+            </a:r>
+            <a:r>
+              <a:rPr lang="en-US" b="0" dirty="0">
+                <a:solidFill>
+                  <a:schemeClr val="tx1"/>
+                </a:solidFill>
+                <a:effectLst/>
+                <a:latin typeface="Consolas" panose="020B0609020204030204" pitchFamily="49" charset="0"/>
+              </a:rPr>
+              <a:t>'</a:t>
+            </a:r>
+          </a:p>
+          <a:p>
+            <a:r>
+              <a:rPr lang="en-US" b="1" dirty="0" err="1">
+                <a:solidFill>
+                  <a:schemeClr val="tx1"/>
+                </a:solidFill>
+                <a:effectLst/>
+                <a:latin typeface="Consolas" panose="020B0609020204030204" pitchFamily="49" charset="0"/>
+              </a:rPr>
+              <a:t>min_child_weight</a:t>
+            </a:r>
+            <a:r>
+              <a:rPr lang="en-US" b="0" dirty="0">
+                <a:solidFill>
+                  <a:schemeClr val="tx1"/>
+                </a:solidFill>
+                <a:effectLst/>
+                <a:latin typeface="Consolas" panose="020B0609020204030204" pitchFamily="49" charset="0"/>
+              </a:rPr>
+              <a:t>=9.078</a:t>
+            </a:r>
+          </a:p>
+          <a:p>
+            <a:r>
+              <a:rPr lang="en-US" b="1" dirty="0">
+                <a:solidFill>
+                  <a:schemeClr val="tx1"/>
+                </a:solidFill>
+                <a:effectLst/>
+                <a:latin typeface="Consolas" panose="020B0609020204030204" pitchFamily="49" charset="0"/>
+              </a:rPr>
+              <a:t>subsample</a:t>
+            </a:r>
+            <a:r>
+              <a:rPr lang="en-US" b="0" dirty="0">
+                <a:solidFill>
+                  <a:schemeClr val="tx1"/>
+                </a:solidFill>
+                <a:effectLst/>
+                <a:latin typeface="Consolas" panose="020B0609020204030204" pitchFamily="49" charset="0"/>
+              </a:rPr>
+              <a:t>= 0.934</a:t>
+            </a:r>
+          </a:p>
+          <a:p>
+            <a:r>
+              <a:rPr lang="en-US" b="1" dirty="0" err="1">
+                <a:solidFill>
+                  <a:schemeClr val="tx1"/>
+                </a:solidFill>
+                <a:effectLst/>
+                <a:latin typeface="Consolas" panose="020B0609020204030204" pitchFamily="49" charset="0"/>
+              </a:rPr>
+              <a:t>colsample_bytree</a:t>
+            </a:r>
+            <a:r>
+              <a:rPr lang="en-US" b="0" dirty="0">
+                <a:solidFill>
+                  <a:schemeClr val="tx1"/>
+                </a:solidFill>
+                <a:effectLst/>
+                <a:latin typeface="Consolas" panose="020B0609020204030204" pitchFamily="49" charset="0"/>
+              </a:rPr>
+              <a:t>= 0.55</a:t>
+            </a:r>
+          </a:p>
+        </p:txBody>
+      </p:sp>
+      <p:sp>
+        <p:nvSpPr>
+          <p:cNvPr id="10" name="CuadroTexto 9">
+            <a:extLst>
+              <a:ext uri="{FF2B5EF4-FFF2-40B4-BE49-F238E27FC236}">
+                <a16:creationId xmlns:a16="http://schemas.microsoft.com/office/drawing/2014/main" id="{CB722059-EFAF-ADB4-FAD1-BDC99F577529}"/>
+              </a:ext>
+            </a:extLst>
+          </p:cNvPr>
+          <p:cNvSpPr txBox="1"/>
+          <p:nvPr/>
+        </p:nvSpPr>
+        <p:spPr>
+          <a:xfrm>
+            <a:off x="6364061" y="1996066"/>
+            <a:ext cx="5559878" cy="307777"/>
+          </a:xfrm>
+          <a:prstGeom prst="rect">
+            <a:avLst/>
+          </a:prstGeom>
+          <a:noFill/>
+        </p:spPr>
+        <p:txBody>
+          <a:bodyPr wrap="square">
+            <a:spAutoFit/>
+          </a:bodyPr>
+          <a:lstStyle/>
+          <a:p>
+            <a:r>
+              <a:rPr lang="es-ES" b="0" dirty="0" err="1">
+                <a:solidFill>
+                  <a:srgbClr val="D4D4D4"/>
+                </a:solidFill>
+                <a:effectLst/>
+                <a:highlight>
+                  <a:srgbClr val="000000"/>
+                </a:highlight>
+                <a:latin typeface="Consolas" panose="020B0609020204030204" pitchFamily="49" charset="0"/>
+              </a:rPr>
+              <a:t>XGBRegressor</a:t>
+            </a:r>
+            <a:endParaRPr lang="es-ES" b="0" dirty="0">
+              <a:solidFill>
+                <a:srgbClr val="D4D4D4"/>
+              </a:solidFill>
+              <a:effectLst/>
+              <a:highlight>
+                <a:srgbClr val="000000"/>
+              </a:highlight>
+              <a:latin typeface="Consolas" panose="020B0609020204030204" pitchFamily="49" charset="0"/>
+            </a:endParaRPr>
+          </a:p>
+        </p:txBody>
+      </p:sp>
+      <p:sp>
+        <p:nvSpPr>
+          <p:cNvPr id="11" name="CuadroTexto 10">
+            <a:extLst>
+              <a:ext uri="{FF2B5EF4-FFF2-40B4-BE49-F238E27FC236}">
+                <a16:creationId xmlns:a16="http://schemas.microsoft.com/office/drawing/2014/main" id="{409EA947-2E6C-53CF-8C7E-42747AD03757}"/>
+              </a:ext>
+            </a:extLst>
+          </p:cNvPr>
+          <p:cNvSpPr txBox="1"/>
+          <p:nvPr/>
+        </p:nvSpPr>
+        <p:spPr>
+          <a:xfrm>
+            <a:off x="6494125" y="294936"/>
+            <a:ext cx="5559878" cy="307777"/>
+          </a:xfrm>
+          <a:prstGeom prst="rect">
+            <a:avLst/>
+          </a:prstGeom>
+          <a:noFill/>
+        </p:spPr>
+        <p:txBody>
+          <a:bodyPr wrap="square">
+            <a:spAutoFit/>
+          </a:bodyPr>
+          <a:lstStyle/>
+          <a:p>
+            <a:r>
+              <a:rPr lang="es-ES" sz="1400" b="0" u="none" strike="noStrike" cap="none" dirty="0" err="1">
+                <a:solidFill>
+                  <a:schemeClr val="accent6"/>
+                </a:solidFill>
+                <a:effectLst/>
+                <a:highlight>
+                  <a:srgbClr val="000000"/>
+                </a:highlight>
+                <a:sym typeface="Arial"/>
+              </a:rPr>
+              <a:t>RandomForestRegressor</a:t>
+            </a:r>
+            <a:endParaRPr lang="es-ES" b="0" dirty="0">
+              <a:solidFill>
+                <a:schemeClr val="accent6"/>
+              </a:solidFill>
+              <a:effectLst/>
+              <a:highlight>
+                <a:srgbClr val="000000"/>
+              </a:highlight>
+              <a:latin typeface="Consolas" panose="020B0609020204030204" pitchFamily="49" charset="0"/>
+            </a:endParaRPr>
+          </a:p>
+        </p:txBody>
+      </p:sp>
+      <p:graphicFrame>
+        <p:nvGraphicFramePr>
+          <p:cNvPr id="12" name="Tabla 4">
+            <a:extLst>
+              <a:ext uri="{FF2B5EF4-FFF2-40B4-BE49-F238E27FC236}">
+                <a16:creationId xmlns:a16="http://schemas.microsoft.com/office/drawing/2014/main" id="{C2980A41-33D0-8823-CDCD-2B8A184F5B77}"/>
+              </a:ext>
+            </a:extLst>
+          </p:cNvPr>
+          <p:cNvGraphicFramePr>
+            <a:graphicFrameLocks noGrp="1"/>
+          </p:cNvGraphicFramePr>
+          <p:nvPr>
+            <p:extLst>
+              <p:ext uri="{D42A27DB-BD31-4B8C-83A1-F6EECF244321}">
+                <p14:modId xmlns:p14="http://schemas.microsoft.com/office/powerpoint/2010/main" val="877935137"/>
+              </p:ext>
+            </p:extLst>
+          </p:nvPr>
+        </p:nvGraphicFramePr>
+        <p:xfrm>
+          <a:off x="1279329" y="1454248"/>
+          <a:ext cx="4942134" cy="2938895"/>
+        </p:xfrm>
+        <a:graphic>
+          <a:graphicData uri="http://schemas.openxmlformats.org/drawingml/2006/table">
+            <a:tbl>
+              <a:tblPr firstRow="1" bandRow="1">
+                <a:tableStyleId>{69C7853C-536D-4A76-A0AE-DD22124D55A5}</a:tableStyleId>
+              </a:tblPr>
+              <a:tblGrid>
+                <a:gridCol w="1398557">
+                  <a:extLst>
+                    <a:ext uri="{9D8B030D-6E8A-4147-A177-3AD203B41FA5}">
+                      <a16:colId xmlns:a16="http://schemas.microsoft.com/office/drawing/2014/main" val="601359338"/>
+                    </a:ext>
+                  </a:extLst>
+                </a:gridCol>
+                <a:gridCol w="3543577">
+                  <a:extLst>
+                    <a:ext uri="{9D8B030D-6E8A-4147-A177-3AD203B41FA5}">
+                      <a16:colId xmlns:a16="http://schemas.microsoft.com/office/drawing/2014/main" val="2742169780"/>
+                    </a:ext>
+                  </a:extLst>
+                </a:gridCol>
+              </a:tblGrid>
+              <a:tr h="566066">
+                <a:tc>
+                  <a:txBody>
+                    <a:bodyPr/>
+                    <a:lstStyle/>
+                    <a:p>
+                      <a:pPr algn="ctr"/>
+                      <a:r>
+                        <a:rPr lang="es-ES" dirty="0"/>
+                        <a:t>MODELO</a:t>
+                      </a:r>
+                    </a:p>
+                  </a:txBody>
+                  <a:tcPr/>
+                </a:tc>
+                <a:tc>
+                  <a:txBody>
+                    <a:bodyPr/>
+                    <a:lstStyle/>
+                    <a:p>
+                      <a:pPr algn="ctr"/>
+                      <a:r>
+                        <a:rPr lang="es-ES" dirty="0"/>
+                        <a:t>RSME</a:t>
+                      </a:r>
+                    </a:p>
+                  </a:txBody>
+                  <a:tcPr/>
+                </a:tc>
+                <a:extLst>
+                  <a:ext uri="{0D108BD9-81ED-4DB2-BD59-A6C34878D82A}">
+                    <a16:rowId xmlns:a16="http://schemas.microsoft.com/office/drawing/2014/main" val="1341546067"/>
+                  </a:ext>
+                </a:extLst>
+              </a:tr>
+              <a:tr h="790943">
+                <a:tc>
+                  <a:txBody>
+                    <a:bodyPr/>
+                    <a:lstStyle/>
+                    <a:p>
+                      <a:r>
+                        <a:rPr lang="en-US" sz="1400" b="0" u="none" strike="noStrike" cap="none" dirty="0">
+                          <a:solidFill>
+                            <a:srgbClr val="000000"/>
+                          </a:solidFill>
+                          <a:effectLst/>
+                          <a:sym typeface="Arial"/>
+                        </a:rPr>
+                        <a:t>XGB</a:t>
+                      </a:r>
+                      <a:endParaRPr lang="en-US" sz="1400" b="0" i="0" u="none" strike="noStrike" cap="none" dirty="0">
+                        <a:solidFill>
+                          <a:srgbClr val="000000"/>
+                        </a:solidFill>
+                        <a:effectLst/>
+                        <a:latin typeface="Arial"/>
+                        <a:ea typeface="Arial"/>
+                        <a:cs typeface="Arial"/>
+                        <a:sym typeface="Arial"/>
+                      </a:endParaRPr>
+                    </a:p>
+                  </a:txBody>
+                  <a:tcPr/>
+                </a:tc>
+                <a:tc>
+                  <a:txBody>
+                    <a:bodyPr/>
+                    <a:lstStyle/>
+                    <a:p>
+                      <a:r>
+                        <a:rPr lang="pt-BR" sz="1400" b="0" i="0" u="none" strike="noStrike" cap="none" dirty="0">
+                          <a:solidFill>
+                            <a:schemeClr val="dk1"/>
+                          </a:solidFill>
+                          <a:effectLst/>
+                          <a:latin typeface="+mn-lt"/>
+                          <a:ea typeface="+mn-ea"/>
+                          <a:cs typeface="+mn-cs"/>
+                          <a:sym typeface="Arial"/>
+                        </a:rPr>
+                        <a:t>RMSE:   0.0749205441573825 </a:t>
+                      </a:r>
+                    </a:p>
+                    <a:p>
+                      <a:r>
+                        <a:rPr lang="pt-BR" sz="1400" b="0" i="0" u="none" strike="noStrike" cap="none" dirty="0">
+                          <a:solidFill>
+                            <a:schemeClr val="dk1"/>
+                          </a:solidFill>
+                          <a:effectLst/>
+                          <a:latin typeface="+mn-lt"/>
+                          <a:ea typeface="+mn-ea"/>
+                          <a:cs typeface="+mn-cs"/>
+                          <a:sym typeface="Arial"/>
+                        </a:rPr>
+                        <a:t>MAE:      0.05306506898318904</a:t>
+                      </a:r>
+                      <a:endParaRPr lang="es-ES" dirty="0"/>
+                    </a:p>
+                  </a:txBody>
+                  <a:tcPr/>
+                </a:tc>
+                <a:extLst>
+                  <a:ext uri="{0D108BD9-81ED-4DB2-BD59-A6C34878D82A}">
+                    <a16:rowId xmlns:a16="http://schemas.microsoft.com/office/drawing/2014/main" val="3779215905"/>
+                  </a:ext>
+                </a:extLst>
+              </a:tr>
+              <a:tr h="790943">
+                <a:tc>
+                  <a:txBody>
+                    <a:bodyPr/>
+                    <a:lstStyle/>
+                    <a:p>
+                      <a:pPr marL="0" marR="0" lvl="0" indent="0" algn="l" defTabSz="914400" rtl="0" eaLnBrk="1" fontAlgn="auto" latinLnBrk="0" hangingPunct="1">
+                        <a:lnSpc>
+                          <a:spcPct val="100000"/>
+                        </a:lnSpc>
+                        <a:spcBef>
+                          <a:spcPts val="0"/>
+                        </a:spcBef>
+                        <a:spcAft>
+                          <a:spcPts val="0"/>
+                        </a:spcAft>
+                        <a:buClr>
+                          <a:srgbClr val="000000"/>
+                        </a:buClr>
+                        <a:buSzTx/>
+                        <a:buFont typeface="Arial"/>
+                        <a:buNone/>
+                        <a:tabLst/>
+                        <a:defRPr/>
+                      </a:pPr>
+                      <a:r>
+                        <a:rPr lang="es-ES" sz="1400" b="0" u="none" strike="noStrike" cap="none" dirty="0" err="1">
+                          <a:solidFill>
+                            <a:srgbClr val="000000"/>
+                          </a:solidFill>
+                          <a:effectLst/>
+                          <a:sym typeface="Arial"/>
+                        </a:rPr>
+                        <a:t>RandomForestRegressor</a:t>
+                      </a:r>
+                      <a:endParaRPr lang="es-ES" sz="1400" b="0" i="0" u="none" strike="noStrike" cap="none" dirty="0">
+                        <a:solidFill>
+                          <a:srgbClr val="000000"/>
+                        </a:solidFill>
+                        <a:effectLst/>
+                        <a:latin typeface="+mn-lt"/>
+                        <a:ea typeface="Arial"/>
+                        <a:cs typeface="Arial"/>
+                        <a:sym typeface="Arial"/>
+                      </a:endParaRPr>
+                    </a:p>
+                  </a:txBody>
+                  <a:tcPr/>
+                </a:tc>
+                <a:tc>
+                  <a:txBody>
+                    <a:bodyPr/>
+                    <a:lstStyle/>
+                    <a:p>
+                      <a:r>
+                        <a:rPr lang="pt-BR" sz="1400" b="0" i="0" u="none" strike="noStrike" cap="none" dirty="0">
+                          <a:solidFill>
+                            <a:schemeClr val="dk1"/>
+                          </a:solidFill>
+                          <a:effectLst/>
+                          <a:latin typeface="+mn-lt"/>
+                          <a:ea typeface="+mn-ea"/>
+                          <a:cs typeface="+mn-cs"/>
+                          <a:sym typeface="Arial"/>
+                        </a:rPr>
+                        <a:t>RMSE:   0.07251644918062068 </a:t>
+                      </a:r>
+                    </a:p>
+                    <a:p>
+                      <a:r>
+                        <a:rPr lang="pt-BR" sz="1400" b="0" i="0" u="none" strike="noStrike" cap="none" dirty="0">
+                          <a:solidFill>
+                            <a:schemeClr val="dk1"/>
+                          </a:solidFill>
+                          <a:effectLst/>
+                          <a:latin typeface="+mn-lt"/>
+                          <a:ea typeface="+mn-ea"/>
+                          <a:cs typeface="+mn-cs"/>
+                          <a:sym typeface="Arial"/>
+                        </a:rPr>
+                        <a:t>MAE:      0.05035068676579741</a:t>
+                      </a:r>
+                      <a:endParaRPr lang="es-ES" dirty="0"/>
+                    </a:p>
+                  </a:txBody>
+                  <a:tcPr/>
+                </a:tc>
+                <a:extLst>
+                  <a:ext uri="{0D108BD9-81ED-4DB2-BD59-A6C34878D82A}">
+                    <a16:rowId xmlns:a16="http://schemas.microsoft.com/office/drawing/2014/main" val="2976827931"/>
+                  </a:ext>
+                </a:extLst>
+              </a:tr>
+              <a:tr h="790943">
+                <a:tc>
+                  <a:txBody>
+                    <a:bodyPr/>
+                    <a:lstStyle/>
+                    <a:p>
+                      <a:pPr marL="0" marR="0" lvl="0" indent="0" algn="l" defTabSz="914400" rtl="0" eaLnBrk="1" fontAlgn="auto" latinLnBrk="0" hangingPunct="1">
+                        <a:lnSpc>
+                          <a:spcPct val="100000"/>
+                        </a:lnSpc>
+                        <a:spcBef>
+                          <a:spcPts val="0"/>
+                        </a:spcBef>
+                        <a:spcAft>
+                          <a:spcPts val="0"/>
+                        </a:spcAft>
+                        <a:buClr>
+                          <a:srgbClr val="000000"/>
+                        </a:buClr>
+                        <a:buSzTx/>
+                        <a:buFont typeface="Arial"/>
+                        <a:buNone/>
+                        <a:tabLst/>
+                        <a:defRPr/>
+                      </a:pPr>
+                      <a:r>
+                        <a:rPr lang="es-ES" sz="1400" b="0" u="none" strike="noStrike" cap="none" dirty="0">
+                          <a:solidFill>
+                            <a:srgbClr val="000000"/>
+                          </a:solidFill>
+                          <a:effectLst/>
+                          <a:sym typeface="Arial"/>
+                        </a:rPr>
+                        <a:t>Ensamble</a:t>
+                      </a:r>
+                    </a:p>
+                    <a:p>
+                      <a:pPr marL="0" marR="0" lvl="0" indent="0" algn="l" defTabSz="914400" rtl="0" eaLnBrk="1" fontAlgn="auto" latinLnBrk="0" hangingPunct="1">
+                        <a:lnSpc>
+                          <a:spcPct val="100000"/>
+                        </a:lnSpc>
+                        <a:spcBef>
+                          <a:spcPts val="0"/>
+                        </a:spcBef>
+                        <a:spcAft>
+                          <a:spcPts val="0"/>
+                        </a:spcAft>
+                        <a:buClr>
+                          <a:srgbClr val="000000"/>
+                        </a:buClr>
+                        <a:buSzTx/>
+                        <a:buFont typeface="Arial"/>
+                        <a:buNone/>
+                        <a:tabLst/>
+                        <a:defRPr/>
+                      </a:pPr>
+                      <a:r>
+                        <a:rPr lang="es-ES" sz="1400" b="0" i="0" u="none" strike="noStrike" cap="none" dirty="0">
+                          <a:solidFill>
+                            <a:srgbClr val="000000"/>
+                          </a:solidFill>
+                          <a:effectLst/>
+                          <a:latin typeface="Arial"/>
+                          <a:ea typeface="Arial"/>
+                          <a:cs typeface="Arial"/>
+                          <a:sym typeface="Arial"/>
+                        </a:rPr>
+                        <a:t>0.3, 0.7</a:t>
+                      </a:r>
+                    </a:p>
+                  </a:txBody>
+                  <a:tcPr/>
+                </a:tc>
+                <a:tc>
+                  <a:txBody>
+                    <a:bodyPr/>
+                    <a:lstStyle/>
+                    <a:p>
+                      <a:r>
+                        <a:rPr lang="pt-BR" sz="1400" b="0" i="0" u="none" strike="noStrike" cap="none" dirty="0">
+                          <a:solidFill>
+                            <a:schemeClr val="dk1"/>
+                          </a:solidFill>
+                          <a:effectLst/>
+                          <a:latin typeface="+mn-lt"/>
+                          <a:ea typeface="+mn-ea"/>
+                          <a:cs typeface="+mn-cs"/>
+                          <a:sym typeface="Arial"/>
+                        </a:rPr>
+                        <a:t>RMSE:  </a:t>
+                      </a:r>
+                      <a:r>
+                        <a:rPr lang="pt-BR" sz="1400" b="0" i="0" u="none" strike="noStrike" cap="none" dirty="0">
+                          <a:solidFill>
+                            <a:schemeClr val="dk1"/>
+                          </a:solidFill>
+                          <a:effectLst/>
+                          <a:highlight>
+                            <a:srgbClr val="00FF00"/>
+                          </a:highlight>
+                          <a:latin typeface="+mn-lt"/>
+                          <a:ea typeface="+mn-ea"/>
+                          <a:cs typeface="+mn-cs"/>
+                          <a:sym typeface="Arial"/>
+                        </a:rPr>
+                        <a:t>0.07213794400585104 </a:t>
+                      </a:r>
+                    </a:p>
+                    <a:p>
+                      <a:r>
+                        <a:rPr lang="pt-BR" sz="1400" b="0" i="0" u="none" strike="noStrike" cap="none" dirty="0">
+                          <a:solidFill>
+                            <a:schemeClr val="dk1"/>
+                          </a:solidFill>
+                          <a:effectLst/>
+                          <a:latin typeface="+mn-lt"/>
+                          <a:ea typeface="+mn-ea"/>
+                          <a:cs typeface="+mn-cs"/>
+                          <a:sym typeface="Arial"/>
+                        </a:rPr>
+                        <a:t>MAE:     0.05035068676579741</a:t>
+                      </a:r>
+                      <a:endParaRPr lang="es-ES" dirty="0"/>
+                    </a:p>
+                  </a:txBody>
+                  <a:tcPr/>
+                </a:tc>
+                <a:extLst>
+                  <a:ext uri="{0D108BD9-81ED-4DB2-BD59-A6C34878D82A}">
+                    <a16:rowId xmlns:a16="http://schemas.microsoft.com/office/drawing/2014/main" val="3982353248"/>
+                  </a:ext>
+                </a:extLst>
+              </a:tr>
+            </a:tbl>
+          </a:graphicData>
+        </a:graphic>
+      </p:graphicFrame>
+    </p:spTree>
+    <p:extLst>
+      <p:ext uri="{BB962C8B-B14F-4D97-AF65-F5344CB8AC3E}">
+        <p14:creationId xmlns:p14="http://schemas.microsoft.com/office/powerpoint/2010/main" val="2225939724"/>
+      </p:ext>
+    </p:extLst>
+  </p:cSld>
+  <p:clrMapOvr>
+    <a:masterClrMapping/>
+  </p:clrMapOvr>
+</p:sld>
+</file>
+
+<file path=ppt/slides/slide11.xml><?xml version="1.0" encoding="utf-8"?>
+<p:sld xmlns:a="http://schemas.openxmlformats.org/drawingml/2006/main" xmlns:r="http://schemas.openxmlformats.org/officeDocument/2006/relationships" xmlns:p="http://schemas.openxmlformats.org/presentationml/2006/main">
+  <p:cSld>
+    <p:spTree>
+      <p:nvGrpSpPr>
+        <p:cNvPr id="1" name="Shape 479"/>
+        <p:cNvGrpSpPr/>
+        <p:nvPr/>
+      </p:nvGrpSpPr>
+      <p:grpSpPr>
+        <a:xfrm>
+          <a:off x="0" y="0"/>
+          <a:ext cx="0" cy="0"/>
+          <a:chOff x="0" y="0"/>
+          <a:chExt cx="0" cy="0"/>
+        </a:xfrm>
+      </p:grpSpPr>
+      <p:sp>
+        <p:nvSpPr>
+          <p:cNvPr id="489" name="Google Shape;489;p29"/>
+          <p:cNvSpPr txBox="1">
+            <a:spLocks noGrp="1"/>
+          </p:cNvSpPr>
+          <p:nvPr>
+            <p:ph type="title" idx="9"/>
+          </p:nvPr>
+        </p:nvSpPr>
+        <p:spPr>
+          <a:xfrm>
+            <a:off x="1143250" y="582700"/>
+            <a:ext cx="7290600" cy="541200"/>
+          </a:xfrm>
+          <a:prstGeom prst="rect">
+            <a:avLst/>
+          </a:prstGeom>
+        </p:spPr>
+        <p:txBody>
+          <a:bodyPr spcFirstLastPara="1" wrap="square" lIns="91425" tIns="91425" rIns="91425" bIns="91425" anchor="t" anchorCtr="0">
+            <a:noAutofit/>
+          </a:bodyPr>
+          <a:lstStyle/>
+          <a:p>
+            <a:pPr marL="0" lvl="0" indent="0" algn="l" rtl="0">
+              <a:spcBef>
+                <a:spcPts val="0"/>
+              </a:spcBef>
+              <a:spcAft>
+                <a:spcPts val="0"/>
+              </a:spcAft>
+              <a:buNone/>
+            </a:pPr>
+            <a:r>
+              <a:rPr lang="es-ES" dirty="0"/>
+              <a:t>p</a:t>
+            </a:r>
+            <a:r>
+              <a:rPr lang="en" dirty="0"/>
+              <a:t>rint(Hiperparámetros)</a:t>
+            </a:r>
+            <a:endParaRPr dirty="0">
+              <a:solidFill>
+                <a:schemeClr val="accent6"/>
+              </a:solidFill>
+            </a:endParaRPr>
+          </a:p>
+        </p:txBody>
+      </p:sp>
+      <p:sp>
+        <p:nvSpPr>
+          <p:cNvPr id="3" name="Rectángulo 2">
+            <a:extLst>
+              <a:ext uri="{FF2B5EF4-FFF2-40B4-BE49-F238E27FC236}">
+                <a16:creationId xmlns:a16="http://schemas.microsoft.com/office/drawing/2014/main" id="{37E0ED80-1748-0B2D-4C9D-26020EF75F8A}"/>
+              </a:ext>
+            </a:extLst>
+          </p:cNvPr>
+          <p:cNvSpPr/>
+          <p:nvPr/>
+        </p:nvSpPr>
+        <p:spPr>
+          <a:xfrm>
+            <a:off x="2468650" y="1123900"/>
+            <a:ext cx="4073920" cy="1460399"/>
+          </a:xfrm>
+          <a:prstGeom prst="rect">
+            <a:avLst/>
+          </a:prstGeom>
+          <a:ln>
+            <a:noFill/>
+          </a:ln>
+        </p:spPr>
+        <p:style>
+          <a:lnRef idx="2">
+            <a:schemeClr val="accent6">
+              <a:shade val="50000"/>
+            </a:schemeClr>
+          </a:lnRef>
+          <a:fillRef idx="1">
+            <a:schemeClr val="accent6"/>
+          </a:fillRef>
+          <a:effectRef idx="0">
+            <a:schemeClr val="accent6"/>
+          </a:effectRef>
+          <a:fontRef idx="minor">
+            <a:schemeClr val="lt1"/>
+          </a:fontRef>
+        </p:style>
+        <p:txBody>
+          <a:bodyPr rtlCol="0" anchor="ctr"/>
+          <a:lstStyle/>
+          <a:p>
+            <a:pPr algn="ctr"/>
+            <a:endParaRPr lang="es-ES" b="0" dirty="0">
+              <a:solidFill>
+                <a:srgbClr val="D4D4D4"/>
+              </a:solidFill>
+              <a:effectLst/>
+              <a:latin typeface="Consolas" panose="020B0609020204030204" pitchFamily="49" charset="0"/>
+            </a:endParaRPr>
+          </a:p>
+          <a:p>
+            <a:pPr algn="ctr"/>
+            <a:endParaRPr lang="es-ES" dirty="0"/>
+          </a:p>
+        </p:txBody>
+      </p:sp>
+      <p:sp>
+        <p:nvSpPr>
+          <p:cNvPr id="13" name="Google Shape;474;p28">
+            <a:extLst>
+              <a:ext uri="{FF2B5EF4-FFF2-40B4-BE49-F238E27FC236}">
+                <a16:creationId xmlns:a16="http://schemas.microsoft.com/office/drawing/2014/main" id="{D83B0DA1-E23A-BEC1-9264-5679527CE1DD}"/>
+              </a:ext>
+            </a:extLst>
+          </p:cNvPr>
+          <p:cNvSpPr txBox="1">
+            <a:spLocks/>
+          </p:cNvSpPr>
+          <p:nvPr/>
+        </p:nvSpPr>
+        <p:spPr>
+          <a:xfrm>
+            <a:off x="-5975" y="91525"/>
+            <a:ext cx="4572000" cy="357300"/>
+          </a:xfrm>
+          <a:prstGeom prst="rect">
+            <a:avLst/>
+          </a:prstGeom>
+          <a:noFill/>
+          <a:ln>
+            <a:noFill/>
+          </a:ln>
+        </p:spPr>
+        <p:txBody>
+          <a:bodyPr spcFirstLastPara="1" wrap="square" lIns="91425" tIns="91425" rIns="91425" bIns="91425" anchor="ctr" anchorCtr="0">
+            <a:noAutofit/>
+          </a:bodyPr>
+          <a:lstStyle>
+            <a:defPPr marR="0" lvl="0" algn="l" rtl="0">
+              <a:lnSpc>
+                <a:spcPct val="100000"/>
+              </a:lnSpc>
+              <a:spcBef>
+                <a:spcPts val="0"/>
+              </a:spcBef>
+              <a:spcAft>
+                <a:spcPts val="0"/>
+              </a:spcAft>
+            </a:defPPr>
+            <a:lvl1pPr marL="457200" marR="0" lvl="0" indent="-317500" algn="l" rtl="0">
+              <a:lnSpc>
+                <a:spcPct val="100000"/>
+              </a:lnSpc>
+              <a:spcBef>
+                <a:spcPts val="0"/>
+              </a:spcBef>
+              <a:spcAft>
+                <a:spcPts val="0"/>
+              </a:spcAft>
+              <a:buClr>
+                <a:schemeClr val="dk2"/>
+              </a:buClr>
+              <a:buSzPts val="1400"/>
+              <a:buFont typeface="Fira Code"/>
+              <a:buChar char="●"/>
+              <a:defRPr sz="1400" b="0" i="0" u="none" strike="noStrike" cap="none">
+                <a:solidFill>
+                  <a:schemeClr val="dk2"/>
+                </a:solidFill>
+                <a:latin typeface="Fira Code"/>
+                <a:ea typeface="Fira Code"/>
+                <a:cs typeface="Fira Code"/>
+                <a:sym typeface="Fira Code"/>
+              </a:defRPr>
+            </a:lvl1pPr>
+            <a:lvl2pPr marL="914400" marR="0" lvl="1" indent="-317500" algn="l" rtl="0">
+              <a:lnSpc>
+                <a:spcPct val="100000"/>
+              </a:lnSpc>
+              <a:spcBef>
+                <a:spcPts val="0"/>
+              </a:spcBef>
+              <a:spcAft>
+                <a:spcPts val="0"/>
+              </a:spcAft>
+              <a:buClr>
+                <a:schemeClr val="dk2"/>
+              </a:buClr>
+              <a:buSzPts val="1400"/>
+              <a:buFont typeface="Fira Code"/>
+              <a:buChar char="○"/>
+              <a:defRPr sz="1400" b="0" i="0" u="none" strike="noStrike" cap="none">
+                <a:solidFill>
+                  <a:schemeClr val="dk2"/>
+                </a:solidFill>
+                <a:latin typeface="Fira Code"/>
+                <a:ea typeface="Fira Code"/>
+                <a:cs typeface="Fira Code"/>
+                <a:sym typeface="Fira Code"/>
+              </a:defRPr>
+            </a:lvl2pPr>
+            <a:lvl3pPr marL="1371600" marR="0" lvl="2" indent="-317500" algn="l" rtl="0">
+              <a:lnSpc>
+                <a:spcPct val="100000"/>
+              </a:lnSpc>
+              <a:spcBef>
+                <a:spcPts val="0"/>
+              </a:spcBef>
+              <a:spcAft>
+                <a:spcPts val="0"/>
+              </a:spcAft>
+              <a:buClr>
+                <a:schemeClr val="dk2"/>
+              </a:buClr>
+              <a:buSzPts val="1400"/>
+              <a:buFont typeface="Fira Code"/>
+              <a:buChar char="■"/>
+              <a:defRPr sz="1400" b="0" i="0" u="none" strike="noStrike" cap="none">
+                <a:solidFill>
+                  <a:schemeClr val="dk2"/>
+                </a:solidFill>
+                <a:latin typeface="Fira Code"/>
+                <a:ea typeface="Fira Code"/>
+                <a:cs typeface="Fira Code"/>
+                <a:sym typeface="Fira Code"/>
+              </a:defRPr>
+            </a:lvl3pPr>
+            <a:lvl4pPr marL="1828800" marR="0" lvl="3" indent="-317500" algn="l" rtl="0">
+              <a:lnSpc>
+                <a:spcPct val="100000"/>
+              </a:lnSpc>
+              <a:spcBef>
+                <a:spcPts val="0"/>
+              </a:spcBef>
+              <a:spcAft>
+                <a:spcPts val="0"/>
+              </a:spcAft>
+              <a:buClr>
+                <a:schemeClr val="dk2"/>
+              </a:buClr>
+              <a:buSzPts val="1400"/>
+              <a:buFont typeface="Fira Code"/>
+              <a:buChar char="●"/>
+              <a:defRPr sz="1400" b="0" i="0" u="none" strike="noStrike" cap="none">
+                <a:solidFill>
+                  <a:schemeClr val="dk2"/>
+                </a:solidFill>
+                <a:latin typeface="Fira Code"/>
+                <a:ea typeface="Fira Code"/>
+                <a:cs typeface="Fira Code"/>
+                <a:sym typeface="Fira Code"/>
+              </a:defRPr>
+            </a:lvl4pPr>
+            <a:lvl5pPr marL="2286000" marR="0" lvl="4" indent="-317500" algn="l" rtl="0">
+              <a:lnSpc>
+                <a:spcPct val="100000"/>
+              </a:lnSpc>
+              <a:spcBef>
+                <a:spcPts val="0"/>
+              </a:spcBef>
+              <a:spcAft>
+                <a:spcPts val="0"/>
+              </a:spcAft>
+              <a:buClr>
+                <a:schemeClr val="dk2"/>
+              </a:buClr>
+              <a:buSzPts val="1400"/>
+              <a:buFont typeface="Fira Code"/>
+              <a:buChar char="○"/>
+              <a:defRPr sz="1400" b="0" i="0" u="none" strike="noStrike" cap="none">
+                <a:solidFill>
+                  <a:schemeClr val="dk2"/>
+                </a:solidFill>
+                <a:latin typeface="Fira Code"/>
+                <a:ea typeface="Fira Code"/>
+                <a:cs typeface="Fira Code"/>
+                <a:sym typeface="Fira Code"/>
+              </a:defRPr>
+            </a:lvl5pPr>
+            <a:lvl6pPr marL="2743200" marR="0" lvl="5" indent="-317500" algn="l" rtl="0">
+              <a:lnSpc>
+                <a:spcPct val="100000"/>
+              </a:lnSpc>
+              <a:spcBef>
+                <a:spcPts val="0"/>
+              </a:spcBef>
+              <a:spcAft>
+                <a:spcPts val="0"/>
+              </a:spcAft>
+              <a:buClr>
+                <a:schemeClr val="dk2"/>
+              </a:buClr>
+              <a:buSzPts val="1400"/>
+              <a:buFont typeface="Fira Code"/>
+              <a:buChar char="■"/>
+              <a:defRPr sz="1400" b="0" i="0" u="none" strike="noStrike" cap="none">
+                <a:solidFill>
+                  <a:schemeClr val="dk2"/>
+                </a:solidFill>
+                <a:latin typeface="Fira Code"/>
+                <a:ea typeface="Fira Code"/>
+                <a:cs typeface="Fira Code"/>
+                <a:sym typeface="Fira Code"/>
+              </a:defRPr>
+            </a:lvl6pPr>
+            <a:lvl7pPr marL="3200400" marR="0" lvl="6" indent="-317500" algn="l" rtl="0">
+              <a:lnSpc>
+                <a:spcPct val="100000"/>
+              </a:lnSpc>
+              <a:spcBef>
+                <a:spcPts val="0"/>
+              </a:spcBef>
+              <a:spcAft>
+                <a:spcPts val="0"/>
+              </a:spcAft>
+              <a:buClr>
+                <a:schemeClr val="dk2"/>
+              </a:buClr>
+              <a:buSzPts val="1400"/>
+              <a:buFont typeface="Fira Code"/>
+              <a:buChar char="●"/>
+              <a:defRPr sz="1400" b="0" i="0" u="none" strike="noStrike" cap="none">
+                <a:solidFill>
+                  <a:schemeClr val="dk2"/>
+                </a:solidFill>
+                <a:latin typeface="Fira Code"/>
+                <a:ea typeface="Fira Code"/>
+                <a:cs typeface="Fira Code"/>
+                <a:sym typeface="Fira Code"/>
+              </a:defRPr>
+            </a:lvl7pPr>
+            <a:lvl8pPr marL="3657600" marR="0" lvl="7" indent="-317500" algn="l" rtl="0">
+              <a:lnSpc>
+                <a:spcPct val="100000"/>
+              </a:lnSpc>
+              <a:spcBef>
+                <a:spcPts val="0"/>
+              </a:spcBef>
+              <a:spcAft>
+                <a:spcPts val="0"/>
+              </a:spcAft>
+              <a:buClr>
+                <a:schemeClr val="dk2"/>
+              </a:buClr>
+              <a:buSzPts val="1400"/>
+              <a:buFont typeface="Fira Code"/>
+              <a:buChar char="○"/>
+              <a:defRPr sz="1400" b="0" i="0" u="none" strike="noStrike" cap="none">
+                <a:solidFill>
+                  <a:schemeClr val="dk2"/>
+                </a:solidFill>
+                <a:latin typeface="Fira Code"/>
+                <a:ea typeface="Fira Code"/>
+                <a:cs typeface="Fira Code"/>
+                <a:sym typeface="Fira Code"/>
+              </a:defRPr>
+            </a:lvl8pPr>
+            <a:lvl9pPr marL="4114800" marR="0" lvl="8" indent="-317500" algn="l" rtl="0">
+              <a:lnSpc>
+                <a:spcPct val="100000"/>
+              </a:lnSpc>
+              <a:spcBef>
+                <a:spcPts val="0"/>
+              </a:spcBef>
+              <a:spcAft>
+                <a:spcPts val="0"/>
+              </a:spcAft>
+              <a:buClr>
+                <a:schemeClr val="dk2"/>
+              </a:buClr>
+              <a:buSzPts val="1400"/>
+              <a:buFont typeface="Fira Code"/>
+              <a:buChar char="■"/>
+              <a:defRPr sz="1400" b="0" i="0" u="none" strike="noStrike" cap="none">
+                <a:solidFill>
+                  <a:schemeClr val="dk2"/>
+                </a:solidFill>
+                <a:latin typeface="Fira Code"/>
+                <a:ea typeface="Fira Code"/>
+                <a:cs typeface="Fira Code"/>
+                <a:sym typeface="Fira Code"/>
+              </a:defRPr>
+            </a:lvl9pPr>
+          </a:lstStyle>
+          <a:p>
+            <a:pPr marL="0" indent="0" algn="ctr">
+              <a:buFont typeface="Fira Code"/>
+              <a:buNone/>
+            </a:pPr>
+            <a:r>
+              <a:rPr lang="es-ES">
+                <a:solidFill>
+                  <a:schemeClr val="accent3"/>
+                </a:solidFill>
+              </a:rPr>
+              <a:t>Miguel Gil Jimenez</a:t>
+            </a:r>
+            <a:endParaRPr lang="es-ES" dirty="0">
+              <a:solidFill>
+                <a:schemeClr val="accent3"/>
+              </a:solidFill>
+            </a:endParaRPr>
+          </a:p>
+        </p:txBody>
+      </p:sp>
+      <p:sp>
+        <p:nvSpPr>
+          <p:cNvPr id="14" name="Google Shape;475;p28">
+            <a:extLst>
+              <a:ext uri="{FF2B5EF4-FFF2-40B4-BE49-F238E27FC236}">
+                <a16:creationId xmlns:a16="http://schemas.microsoft.com/office/drawing/2014/main" id="{80810414-6378-9A01-65A3-417E0C7728D7}"/>
+              </a:ext>
+            </a:extLst>
+          </p:cNvPr>
+          <p:cNvSpPr txBox="1">
+            <a:spLocks/>
+          </p:cNvSpPr>
+          <p:nvPr/>
+        </p:nvSpPr>
+        <p:spPr>
+          <a:xfrm>
+            <a:off x="3238214" y="4781400"/>
+            <a:ext cx="5788908" cy="357300"/>
+          </a:xfrm>
+          <a:prstGeom prst="rect">
+            <a:avLst/>
+          </a:prstGeom>
+          <a:noFill/>
+          <a:ln>
+            <a:noFill/>
+          </a:ln>
+        </p:spPr>
+        <p:txBody>
+          <a:bodyPr spcFirstLastPara="1" wrap="square" lIns="91425" tIns="91425" rIns="91425" bIns="91425" anchor="ctr" anchorCtr="0">
+            <a:noAutofit/>
+          </a:bodyPr>
+          <a:lstStyle>
+            <a:defPPr marR="0" lvl="0" algn="l" rtl="0">
+              <a:lnSpc>
+                <a:spcPct val="100000"/>
+              </a:lnSpc>
+              <a:spcBef>
+                <a:spcPts val="0"/>
+              </a:spcBef>
+              <a:spcAft>
+                <a:spcPts val="0"/>
+              </a:spcAft>
+            </a:defPPr>
+            <a:lvl1pPr marL="457200" marR="0" lvl="0" indent="-317500" algn="l" rtl="0">
+              <a:lnSpc>
+                <a:spcPct val="100000"/>
+              </a:lnSpc>
+              <a:spcBef>
+                <a:spcPts val="0"/>
+              </a:spcBef>
+              <a:spcAft>
+                <a:spcPts val="0"/>
+              </a:spcAft>
+              <a:buClr>
+                <a:schemeClr val="dk2"/>
+              </a:buClr>
+              <a:buSzPts val="1400"/>
+              <a:buFont typeface="Fira Code"/>
+              <a:buChar char="●"/>
+              <a:defRPr sz="1400" b="0" i="0" u="none" strike="noStrike" cap="none">
+                <a:solidFill>
+                  <a:schemeClr val="dk2"/>
+                </a:solidFill>
+                <a:latin typeface="Fira Code"/>
+                <a:ea typeface="Fira Code"/>
+                <a:cs typeface="Fira Code"/>
+                <a:sym typeface="Fira Code"/>
+              </a:defRPr>
+            </a:lvl1pPr>
+            <a:lvl2pPr marL="914400" marR="0" lvl="1" indent="-317500" algn="l" rtl="0">
+              <a:lnSpc>
+                <a:spcPct val="100000"/>
+              </a:lnSpc>
+              <a:spcBef>
+                <a:spcPts val="0"/>
+              </a:spcBef>
+              <a:spcAft>
+                <a:spcPts val="0"/>
+              </a:spcAft>
+              <a:buClr>
+                <a:schemeClr val="dk2"/>
+              </a:buClr>
+              <a:buSzPts val="1400"/>
+              <a:buFont typeface="Fira Code"/>
+              <a:buChar char="○"/>
+              <a:defRPr sz="1400" b="0" i="0" u="none" strike="noStrike" cap="none">
+                <a:solidFill>
+                  <a:schemeClr val="dk2"/>
+                </a:solidFill>
+                <a:latin typeface="Fira Code"/>
+                <a:ea typeface="Fira Code"/>
+                <a:cs typeface="Fira Code"/>
+                <a:sym typeface="Fira Code"/>
+              </a:defRPr>
+            </a:lvl2pPr>
+            <a:lvl3pPr marL="1371600" marR="0" lvl="2" indent="-317500" algn="l" rtl="0">
+              <a:lnSpc>
+                <a:spcPct val="100000"/>
+              </a:lnSpc>
+              <a:spcBef>
+                <a:spcPts val="0"/>
+              </a:spcBef>
+              <a:spcAft>
+                <a:spcPts val="0"/>
+              </a:spcAft>
+              <a:buClr>
+                <a:schemeClr val="dk2"/>
+              </a:buClr>
+              <a:buSzPts val="1400"/>
+              <a:buFont typeface="Fira Code"/>
+              <a:buChar char="■"/>
+              <a:defRPr sz="1400" b="0" i="0" u="none" strike="noStrike" cap="none">
+                <a:solidFill>
+                  <a:schemeClr val="dk2"/>
+                </a:solidFill>
+                <a:latin typeface="Fira Code"/>
+                <a:ea typeface="Fira Code"/>
+                <a:cs typeface="Fira Code"/>
+                <a:sym typeface="Fira Code"/>
+              </a:defRPr>
+            </a:lvl3pPr>
+            <a:lvl4pPr marL="1828800" marR="0" lvl="3" indent="-317500" algn="l" rtl="0">
+              <a:lnSpc>
+                <a:spcPct val="100000"/>
+              </a:lnSpc>
+              <a:spcBef>
+                <a:spcPts val="0"/>
+              </a:spcBef>
+              <a:spcAft>
+                <a:spcPts val="0"/>
+              </a:spcAft>
+              <a:buClr>
+                <a:schemeClr val="dk2"/>
+              </a:buClr>
+              <a:buSzPts val="1400"/>
+              <a:buFont typeface="Fira Code"/>
+              <a:buChar char="●"/>
+              <a:defRPr sz="1400" b="0" i="0" u="none" strike="noStrike" cap="none">
+                <a:solidFill>
+                  <a:schemeClr val="dk2"/>
+                </a:solidFill>
+                <a:latin typeface="Fira Code"/>
+                <a:ea typeface="Fira Code"/>
+                <a:cs typeface="Fira Code"/>
+                <a:sym typeface="Fira Code"/>
+              </a:defRPr>
+            </a:lvl4pPr>
+            <a:lvl5pPr marL="2286000" marR="0" lvl="4" indent="-317500" algn="l" rtl="0">
+              <a:lnSpc>
+                <a:spcPct val="100000"/>
+              </a:lnSpc>
+              <a:spcBef>
+                <a:spcPts val="0"/>
+              </a:spcBef>
+              <a:spcAft>
+                <a:spcPts val="0"/>
+              </a:spcAft>
+              <a:buClr>
+                <a:schemeClr val="dk2"/>
+              </a:buClr>
+              <a:buSzPts val="1400"/>
+              <a:buFont typeface="Fira Code"/>
+              <a:buChar char="○"/>
+              <a:defRPr sz="1400" b="0" i="0" u="none" strike="noStrike" cap="none">
+                <a:solidFill>
+                  <a:schemeClr val="dk2"/>
+                </a:solidFill>
+                <a:latin typeface="Fira Code"/>
+                <a:ea typeface="Fira Code"/>
+                <a:cs typeface="Fira Code"/>
+                <a:sym typeface="Fira Code"/>
+              </a:defRPr>
+            </a:lvl5pPr>
+            <a:lvl6pPr marL="2743200" marR="0" lvl="5" indent="-317500" algn="l" rtl="0">
+              <a:lnSpc>
+                <a:spcPct val="100000"/>
+              </a:lnSpc>
+              <a:spcBef>
+                <a:spcPts val="0"/>
+              </a:spcBef>
+              <a:spcAft>
+                <a:spcPts val="0"/>
+              </a:spcAft>
+              <a:buClr>
+                <a:schemeClr val="dk2"/>
+              </a:buClr>
+              <a:buSzPts val="1400"/>
+              <a:buFont typeface="Fira Code"/>
+              <a:buChar char="■"/>
+              <a:defRPr sz="1400" b="0" i="0" u="none" strike="noStrike" cap="none">
+                <a:solidFill>
+                  <a:schemeClr val="dk2"/>
+                </a:solidFill>
+                <a:latin typeface="Fira Code"/>
+                <a:ea typeface="Fira Code"/>
+                <a:cs typeface="Fira Code"/>
+                <a:sym typeface="Fira Code"/>
+              </a:defRPr>
+            </a:lvl6pPr>
+            <a:lvl7pPr marL="3200400" marR="0" lvl="6" indent="-317500" algn="l" rtl="0">
+              <a:lnSpc>
+                <a:spcPct val="100000"/>
+              </a:lnSpc>
+              <a:spcBef>
+                <a:spcPts val="0"/>
+              </a:spcBef>
+              <a:spcAft>
+                <a:spcPts val="0"/>
+              </a:spcAft>
+              <a:buClr>
+                <a:schemeClr val="dk2"/>
+              </a:buClr>
+              <a:buSzPts val="1400"/>
+              <a:buFont typeface="Fira Code"/>
+              <a:buChar char="●"/>
+              <a:defRPr sz="1400" b="0" i="0" u="none" strike="noStrike" cap="none">
+                <a:solidFill>
+                  <a:schemeClr val="dk2"/>
+                </a:solidFill>
+                <a:latin typeface="Fira Code"/>
+                <a:ea typeface="Fira Code"/>
+                <a:cs typeface="Fira Code"/>
+                <a:sym typeface="Fira Code"/>
+              </a:defRPr>
+            </a:lvl7pPr>
+            <a:lvl8pPr marL="3657600" marR="0" lvl="7" indent="-317500" algn="l" rtl="0">
+              <a:lnSpc>
+                <a:spcPct val="100000"/>
+              </a:lnSpc>
+              <a:spcBef>
+                <a:spcPts val="0"/>
+              </a:spcBef>
+              <a:spcAft>
+                <a:spcPts val="0"/>
+              </a:spcAft>
+              <a:buClr>
+                <a:schemeClr val="dk2"/>
+              </a:buClr>
+              <a:buSzPts val="1400"/>
+              <a:buFont typeface="Fira Code"/>
+              <a:buChar char="○"/>
+              <a:defRPr sz="1400" b="0" i="0" u="none" strike="noStrike" cap="none">
+                <a:solidFill>
+                  <a:schemeClr val="dk2"/>
+                </a:solidFill>
+                <a:latin typeface="Fira Code"/>
+                <a:ea typeface="Fira Code"/>
+                <a:cs typeface="Fira Code"/>
+                <a:sym typeface="Fira Code"/>
+              </a:defRPr>
+            </a:lvl8pPr>
+            <a:lvl9pPr marL="4114800" marR="0" lvl="8" indent="-317500" algn="l" rtl="0">
+              <a:lnSpc>
+                <a:spcPct val="100000"/>
+              </a:lnSpc>
+              <a:spcBef>
+                <a:spcPts val="0"/>
+              </a:spcBef>
+              <a:spcAft>
+                <a:spcPts val="0"/>
+              </a:spcAft>
+              <a:buClr>
+                <a:schemeClr val="dk2"/>
+              </a:buClr>
+              <a:buSzPts val="1400"/>
+              <a:buFont typeface="Fira Code"/>
+              <a:buChar char="■"/>
+              <a:defRPr sz="1400" b="0" i="0" u="none" strike="noStrike" cap="none">
+                <a:solidFill>
+                  <a:schemeClr val="dk2"/>
+                </a:solidFill>
+                <a:latin typeface="Fira Code"/>
+                <a:ea typeface="Fira Code"/>
+                <a:cs typeface="Fira Code"/>
+                <a:sym typeface="Fira Code"/>
+              </a:defRPr>
+            </a:lvl9pPr>
+          </a:lstStyle>
+          <a:p>
+            <a:pPr marL="0" indent="0" algn="ctr">
+              <a:buFont typeface="Fira Code"/>
+              <a:buNone/>
+            </a:pPr>
+            <a:r>
+              <a:rPr lang="en-US">
+                <a:solidFill>
+                  <a:schemeClr val="accent3"/>
+                </a:solidFill>
+              </a:rPr>
+              <a:t>Kaggle Competition - </a:t>
+            </a:r>
+            <a:r>
+              <a:rPr lang="en-US" b="1">
+                <a:solidFill>
+                  <a:srgbClr val="FFFFFF"/>
+                </a:solidFill>
+                <a:latin typeface="zeitung"/>
+              </a:rPr>
+              <a:t>Feature Imputation with a Heat Flux Dataset</a:t>
+            </a:r>
+          </a:p>
+          <a:p>
+            <a:pPr marL="0" indent="0" algn="ctr">
+              <a:buFont typeface="Fira Code"/>
+              <a:buNone/>
+            </a:pPr>
+            <a:endParaRPr lang="en-US" dirty="0">
+              <a:solidFill>
+                <a:schemeClr val="accent3"/>
+              </a:solidFill>
+            </a:endParaRPr>
+          </a:p>
+        </p:txBody>
+      </p:sp>
+      <p:pic>
+        <p:nvPicPr>
+          <p:cNvPr id="4" name="Imagen 3" descr="Gráfico, Histograma&#10;&#10;Descripción generada automáticamente">
+            <a:extLst>
+              <a:ext uri="{FF2B5EF4-FFF2-40B4-BE49-F238E27FC236}">
+                <a16:creationId xmlns:a16="http://schemas.microsoft.com/office/drawing/2014/main" id="{33D46975-9D5B-6DE8-1511-963A2080025A}"/>
+              </a:ext>
+            </a:extLst>
+          </p:cNvPr>
+          <p:cNvPicPr>
+            <a:picLocks noChangeAspect="1"/>
+          </p:cNvPicPr>
+          <p:nvPr/>
+        </p:nvPicPr>
+        <p:blipFill>
+          <a:blip r:embed="rId3"/>
+          <a:stretch>
+            <a:fillRect/>
+          </a:stretch>
+        </p:blipFill>
+        <p:spPr>
+          <a:xfrm>
+            <a:off x="2468650" y="1555922"/>
+            <a:ext cx="4073920" cy="3004878"/>
+          </a:xfrm>
+          <a:prstGeom prst="rect">
+            <a:avLst/>
+          </a:prstGeom>
+        </p:spPr>
+      </p:pic>
+      <p:sp>
+        <p:nvSpPr>
+          <p:cNvPr id="5" name="CuadroTexto 4">
+            <a:extLst>
+              <a:ext uri="{FF2B5EF4-FFF2-40B4-BE49-F238E27FC236}">
+                <a16:creationId xmlns:a16="http://schemas.microsoft.com/office/drawing/2014/main" id="{09108996-1D05-6E96-2937-2BE3819D296E}"/>
+              </a:ext>
+            </a:extLst>
+          </p:cNvPr>
+          <p:cNvSpPr txBox="1"/>
+          <p:nvPr/>
+        </p:nvSpPr>
+        <p:spPr>
+          <a:xfrm>
+            <a:off x="3698421" y="1233664"/>
+            <a:ext cx="1963999" cy="307777"/>
+          </a:xfrm>
+          <a:prstGeom prst="rect">
+            <a:avLst/>
+          </a:prstGeom>
+          <a:noFill/>
+        </p:spPr>
+        <p:txBody>
+          <a:bodyPr wrap="none" rtlCol="0">
+            <a:spAutoFit/>
+          </a:bodyPr>
+          <a:lstStyle/>
+          <a:p>
+            <a:r>
+              <a:rPr lang="es-ES" dirty="0"/>
+              <a:t>Histograma de errores</a:t>
+            </a:r>
+          </a:p>
+        </p:txBody>
+      </p:sp>
+    </p:spTree>
+    <p:extLst>
+      <p:ext uri="{BB962C8B-B14F-4D97-AF65-F5344CB8AC3E}">
+        <p14:creationId xmlns:p14="http://schemas.microsoft.com/office/powerpoint/2010/main" val="3310984228"/>
+      </p:ext>
+    </p:extLst>
+  </p:cSld>
+  <p:clrMapOvr>
+    <a:masterClrMapping/>
+  </p:clrMapOvr>
+</p:sld>
+</file>
+
+<file path=ppt/slides/slide12.xml><?xml version="1.0" encoding="utf-8"?>
+<p:sld xmlns:a="http://schemas.openxmlformats.org/drawingml/2006/main" xmlns:r="http://schemas.openxmlformats.org/officeDocument/2006/relationships" xmlns:p="http://schemas.openxmlformats.org/presentationml/2006/main">
+  <p:cSld>
+    <p:spTree>
+      <p:nvGrpSpPr>
+        <p:cNvPr id="1" name="Shape 479"/>
+        <p:cNvGrpSpPr/>
+        <p:nvPr/>
+      </p:nvGrpSpPr>
+      <p:grpSpPr>
+        <a:xfrm>
+          <a:off x="0" y="0"/>
+          <a:ext cx="0" cy="0"/>
+          <a:chOff x="0" y="0"/>
+          <a:chExt cx="0" cy="0"/>
+        </a:xfrm>
+      </p:grpSpPr>
+      <p:sp>
+        <p:nvSpPr>
+          <p:cNvPr id="489" name="Google Shape;489;p29"/>
+          <p:cNvSpPr txBox="1">
+            <a:spLocks noGrp="1"/>
+          </p:cNvSpPr>
+          <p:nvPr>
+            <p:ph type="title" idx="9"/>
+          </p:nvPr>
+        </p:nvSpPr>
+        <p:spPr>
+          <a:xfrm>
+            <a:off x="1143250" y="582700"/>
+            <a:ext cx="7290600" cy="541200"/>
+          </a:xfrm>
+          <a:prstGeom prst="rect">
+            <a:avLst/>
+          </a:prstGeom>
+        </p:spPr>
+        <p:txBody>
+          <a:bodyPr spcFirstLastPara="1" wrap="square" lIns="91425" tIns="91425" rIns="91425" bIns="91425" anchor="t" anchorCtr="0">
+            <a:noAutofit/>
+          </a:bodyPr>
+          <a:lstStyle/>
+          <a:p>
+            <a:pPr marL="0" lvl="0" indent="0" algn="l" rtl="0">
+              <a:spcBef>
+                <a:spcPts val="0"/>
+              </a:spcBef>
+              <a:spcAft>
+                <a:spcPts val="0"/>
+              </a:spcAft>
+              <a:buNone/>
+            </a:pPr>
+            <a:r>
+              <a:rPr lang="es-ES" dirty="0"/>
+              <a:t>p</a:t>
+            </a:r>
+            <a:r>
+              <a:rPr lang="en" dirty="0"/>
+              <a:t>rint(Importancia_Variables)</a:t>
+            </a:r>
+            <a:endParaRPr dirty="0">
+              <a:solidFill>
+                <a:schemeClr val="accent6"/>
+              </a:solidFill>
+            </a:endParaRPr>
+          </a:p>
+        </p:txBody>
+      </p:sp>
+      <p:sp>
+        <p:nvSpPr>
+          <p:cNvPr id="13" name="Google Shape;474;p28">
+            <a:extLst>
+              <a:ext uri="{FF2B5EF4-FFF2-40B4-BE49-F238E27FC236}">
+                <a16:creationId xmlns:a16="http://schemas.microsoft.com/office/drawing/2014/main" id="{D83B0DA1-E23A-BEC1-9264-5679527CE1DD}"/>
+              </a:ext>
+            </a:extLst>
+          </p:cNvPr>
+          <p:cNvSpPr txBox="1">
+            <a:spLocks/>
+          </p:cNvSpPr>
+          <p:nvPr/>
+        </p:nvSpPr>
+        <p:spPr>
+          <a:xfrm>
+            <a:off x="-5975" y="91525"/>
+            <a:ext cx="4572000" cy="357300"/>
+          </a:xfrm>
+          <a:prstGeom prst="rect">
+            <a:avLst/>
+          </a:prstGeom>
+          <a:noFill/>
+          <a:ln>
+            <a:noFill/>
+          </a:ln>
+        </p:spPr>
+        <p:txBody>
+          <a:bodyPr spcFirstLastPara="1" wrap="square" lIns="91425" tIns="91425" rIns="91425" bIns="91425" anchor="ctr" anchorCtr="0">
+            <a:noAutofit/>
+          </a:bodyPr>
+          <a:lstStyle>
+            <a:defPPr marR="0" lvl="0" algn="l" rtl="0">
+              <a:lnSpc>
+                <a:spcPct val="100000"/>
+              </a:lnSpc>
+              <a:spcBef>
+                <a:spcPts val="0"/>
+              </a:spcBef>
+              <a:spcAft>
+                <a:spcPts val="0"/>
+              </a:spcAft>
+            </a:defPPr>
+            <a:lvl1pPr marL="457200" marR="0" lvl="0" indent="-317500" algn="l" rtl="0">
+              <a:lnSpc>
+                <a:spcPct val="100000"/>
+              </a:lnSpc>
+              <a:spcBef>
+                <a:spcPts val="0"/>
+              </a:spcBef>
+              <a:spcAft>
+                <a:spcPts val="0"/>
+              </a:spcAft>
+              <a:buClr>
+                <a:schemeClr val="dk2"/>
+              </a:buClr>
+              <a:buSzPts val="1400"/>
+              <a:buFont typeface="Fira Code"/>
+              <a:buChar char="●"/>
+              <a:defRPr sz="1400" b="0" i="0" u="none" strike="noStrike" cap="none">
+                <a:solidFill>
+                  <a:schemeClr val="dk2"/>
+                </a:solidFill>
+                <a:latin typeface="Fira Code"/>
+                <a:ea typeface="Fira Code"/>
+                <a:cs typeface="Fira Code"/>
+                <a:sym typeface="Fira Code"/>
+              </a:defRPr>
+            </a:lvl1pPr>
+            <a:lvl2pPr marL="914400" marR="0" lvl="1" indent="-317500" algn="l" rtl="0">
+              <a:lnSpc>
+                <a:spcPct val="100000"/>
+              </a:lnSpc>
+              <a:spcBef>
+                <a:spcPts val="0"/>
+              </a:spcBef>
+              <a:spcAft>
+                <a:spcPts val="0"/>
+              </a:spcAft>
+              <a:buClr>
+                <a:schemeClr val="dk2"/>
+              </a:buClr>
+              <a:buSzPts val="1400"/>
+              <a:buFont typeface="Fira Code"/>
+              <a:buChar char="○"/>
+              <a:defRPr sz="1400" b="0" i="0" u="none" strike="noStrike" cap="none">
+                <a:solidFill>
+                  <a:schemeClr val="dk2"/>
+                </a:solidFill>
+                <a:latin typeface="Fira Code"/>
+                <a:ea typeface="Fira Code"/>
+                <a:cs typeface="Fira Code"/>
+                <a:sym typeface="Fira Code"/>
+              </a:defRPr>
+            </a:lvl2pPr>
+            <a:lvl3pPr marL="1371600" marR="0" lvl="2" indent="-317500" algn="l" rtl="0">
+              <a:lnSpc>
+                <a:spcPct val="100000"/>
+              </a:lnSpc>
+              <a:spcBef>
+                <a:spcPts val="0"/>
+              </a:spcBef>
+              <a:spcAft>
+                <a:spcPts val="0"/>
+              </a:spcAft>
+              <a:buClr>
+                <a:schemeClr val="dk2"/>
+              </a:buClr>
+              <a:buSzPts val="1400"/>
+              <a:buFont typeface="Fira Code"/>
+              <a:buChar char="■"/>
+              <a:defRPr sz="1400" b="0" i="0" u="none" strike="noStrike" cap="none">
+                <a:solidFill>
+                  <a:schemeClr val="dk2"/>
+                </a:solidFill>
+                <a:latin typeface="Fira Code"/>
+                <a:ea typeface="Fira Code"/>
+                <a:cs typeface="Fira Code"/>
+                <a:sym typeface="Fira Code"/>
+              </a:defRPr>
+            </a:lvl3pPr>
+            <a:lvl4pPr marL="1828800" marR="0" lvl="3" indent="-317500" algn="l" rtl="0">
+              <a:lnSpc>
+                <a:spcPct val="100000"/>
+              </a:lnSpc>
+              <a:spcBef>
+                <a:spcPts val="0"/>
+              </a:spcBef>
+              <a:spcAft>
+                <a:spcPts val="0"/>
+              </a:spcAft>
+              <a:buClr>
+                <a:schemeClr val="dk2"/>
+              </a:buClr>
+              <a:buSzPts val="1400"/>
+              <a:buFont typeface="Fira Code"/>
+              <a:buChar char="●"/>
+              <a:defRPr sz="1400" b="0" i="0" u="none" strike="noStrike" cap="none">
+                <a:solidFill>
+                  <a:schemeClr val="dk2"/>
+                </a:solidFill>
+                <a:latin typeface="Fira Code"/>
+                <a:ea typeface="Fira Code"/>
+                <a:cs typeface="Fira Code"/>
+                <a:sym typeface="Fira Code"/>
+              </a:defRPr>
+            </a:lvl4pPr>
+            <a:lvl5pPr marL="2286000" marR="0" lvl="4" indent="-317500" algn="l" rtl="0">
+              <a:lnSpc>
+                <a:spcPct val="100000"/>
+              </a:lnSpc>
+              <a:spcBef>
+                <a:spcPts val="0"/>
+              </a:spcBef>
+              <a:spcAft>
+                <a:spcPts val="0"/>
+              </a:spcAft>
+              <a:buClr>
+                <a:schemeClr val="dk2"/>
+              </a:buClr>
+              <a:buSzPts val="1400"/>
+              <a:buFont typeface="Fira Code"/>
+              <a:buChar char="○"/>
+              <a:defRPr sz="1400" b="0" i="0" u="none" strike="noStrike" cap="none">
+                <a:solidFill>
+                  <a:schemeClr val="dk2"/>
+                </a:solidFill>
+                <a:latin typeface="Fira Code"/>
+                <a:ea typeface="Fira Code"/>
+                <a:cs typeface="Fira Code"/>
+                <a:sym typeface="Fira Code"/>
+              </a:defRPr>
+            </a:lvl5pPr>
+            <a:lvl6pPr marL="2743200" marR="0" lvl="5" indent="-317500" algn="l" rtl="0">
+              <a:lnSpc>
+                <a:spcPct val="100000"/>
+              </a:lnSpc>
+              <a:spcBef>
+                <a:spcPts val="0"/>
+              </a:spcBef>
+              <a:spcAft>
+                <a:spcPts val="0"/>
+              </a:spcAft>
+              <a:buClr>
+                <a:schemeClr val="dk2"/>
+              </a:buClr>
+              <a:buSzPts val="1400"/>
+              <a:buFont typeface="Fira Code"/>
+              <a:buChar char="■"/>
+              <a:defRPr sz="1400" b="0" i="0" u="none" strike="noStrike" cap="none">
+                <a:solidFill>
+                  <a:schemeClr val="dk2"/>
+                </a:solidFill>
+                <a:latin typeface="Fira Code"/>
+                <a:ea typeface="Fira Code"/>
+                <a:cs typeface="Fira Code"/>
+                <a:sym typeface="Fira Code"/>
+              </a:defRPr>
+            </a:lvl6pPr>
+            <a:lvl7pPr marL="3200400" marR="0" lvl="6" indent="-317500" algn="l" rtl="0">
+              <a:lnSpc>
+                <a:spcPct val="100000"/>
+              </a:lnSpc>
+              <a:spcBef>
+                <a:spcPts val="0"/>
+              </a:spcBef>
+              <a:spcAft>
+                <a:spcPts val="0"/>
+              </a:spcAft>
+              <a:buClr>
+                <a:schemeClr val="dk2"/>
+              </a:buClr>
+              <a:buSzPts val="1400"/>
+              <a:buFont typeface="Fira Code"/>
+              <a:buChar char="●"/>
+              <a:defRPr sz="1400" b="0" i="0" u="none" strike="noStrike" cap="none">
+                <a:solidFill>
+                  <a:schemeClr val="dk2"/>
+                </a:solidFill>
+                <a:latin typeface="Fira Code"/>
+                <a:ea typeface="Fira Code"/>
+                <a:cs typeface="Fira Code"/>
+                <a:sym typeface="Fira Code"/>
+              </a:defRPr>
+            </a:lvl7pPr>
+            <a:lvl8pPr marL="3657600" marR="0" lvl="7" indent="-317500" algn="l" rtl="0">
+              <a:lnSpc>
+                <a:spcPct val="100000"/>
+              </a:lnSpc>
+              <a:spcBef>
+                <a:spcPts val="0"/>
+              </a:spcBef>
+              <a:spcAft>
+                <a:spcPts val="0"/>
+              </a:spcAft>
+              <a:buClr>
+                <a:schemeClr val="dk2"/>
+              </a:buClr>
+              <a:buSzPts val="1400"/>
+              <a:buFont typeface="Fira Code"/>
+              <a:buChar char="○"/>
+              <a:defRPr sz="1400" b="0" i="0" u="none" strike="noStrike" cap="none">
+                <a:solidFill>
+                  <a:schemeClr val="dk2"/>
+                </a:solidFill>
+                <a:latin typeface="Fira Code"/>
+                <a:ea typeface="Fira Code"/>
+                <a:cs typeface="Fira Code"/>
+                <a:sym typeface="Fira Code"/>
+              </a:defRPr>
+            </a:lvl8pPr>
+            <a:lvl9pPr marL="4114800" marR="0" lvl="8" indent="-317500" algn="l" rtl="0">
+              <a:lnSpc>
+                <a:spcPct val="100000"/>
+              </a:lnSpc>
+              <a:spcBef>
+                <a:spcPts val="0"/>
+              </a:spcBef>
+              <a:spcAft>
+                <a:spcPts val="0"/>
+              </a:spcAft>
+              <a:buClr>
+                <a:schemeClr val="dk2"/>
+              </a:buClr>
+              <a:buSzPts val="1400"/>
+              <a:buFont typeface="Fira Code"/>
+              <a:buChar char="■"/>
+              <a:defRPr sz="1400" b="0" i="0" u="none" strike="noStrike" cap="none">
+                <a:solidFill>
+                  <a:schemeClr val="dk2"/>
+                </a:solidFill>
+                <a:latin typeface="Fira Code"/>
+                <a:ea typeface="Fira Code"/>
+                <a:cs typeface="Fira Code"/>
+                <a:sym typeface="Fira Code"/>
+              </a:defRPr>
+            </a:lvl9pPr>
+          </a:lstStyle>
+          <a:p>
+            <a:pPr marL="0" indent="0" algn="ctr">
+              <a:buFont typeface="Fira Code"/>
+              <a:buNone/>
+            </a:pPr>
+            <a:r>
+              <a:rPr lang="es-ES">
+                <a:solidFill>
+                  <a:schemeClr val="accent3"/>
+                </a:solidFill>
+              </a:rPr>
+              <a:t>Miguel Gil Jimenez</a:t>
+            </a:r>
+            <a:endParaRPr lang="es-ES" dirty="0">
+              <a:solidFill>
+                <a:schemeClr val="accent3"/>
+              </a:solidFill>
+            </a:endParaRPr>
+          </a:p>
+        </p:txBody>
+      </p:sp>
+      <p:sp>
+        <p:nvSpPr>
+          <p:cNvPr id="14" name="Google Shape;475;p28">
+            <a:extLst>
+              <a:ext uri="{FF2B5EF4-FFF2-40B4-BE49-F238E27FC236}">
+                <a16:creationId xmlns:a16="http://schemas.microsoft.com/office/drawing/2014/main" id="{80810414-6378-9A01-65A3-417E0C7728D7}"/>
+              </a:ext>
+            </a:extLst>
+          </p:cNvPr>
+          <p:cNvSpPr txBox="1">
+            <a:spLocks/>
+          </p:cNvSpPr>
+          <p:nvPr/>
+        </p:nvSpPr>
+        <p:spPr>
+          <a:xfrm>
+            <a:off x="3238214" y="4781400"/>
+            <a:ext cx="5788908" cy="357300"/>
+          </a:xfrm>
+          <a:prstGeom prst="rect">
+            <a:avLst/>
+          </a:prstGeom>
+          <a:noFill/>
+          <a:ln>
+            <a:noFill/>
+          </a:ln>
+        </p:spPr>
+        <p:txBody>
+          <a:bodyPr spcFirstLastPara="1" wrap="square" lIns="91425" tIns="91425" rIns="91425" bIns="91425" anchor="ctr" anchorCtr="0">
+            <a:noAutofit/>
+          </a:bodyPr>
+          <a:lstStyle>
+            <a:defPPr marR="0" lvl="0" algn="l" rtl="0">
+              <a:lnSpc>
+                <a:spcPct val="100000"/>
+              </a:lnSpc>
+              <a:spcBef>
+                <a:spcPts val="0"/>
+              </a:spcBef>
+              <a:spcAft>
+                <a:spcPts val="0"/>
+              </a:spcAft>
+            </a:defPPr>
+            <a:lvl1pPr marL="457200" marR="0" lvl="0" indent="-317500" algn="l" rtl="0">
+              <a:lnSpc>
+                <a:spcPct val="100000"/>
+              </a:lnSpc>
+              <a:spcBef>
+                <a:spcPts val="0"/>
+              </a:spcBef>
+              <a:spcAft>
+                <a:spcPts val="0"/>
+              </a:spcAft>
+              <a:buClr>
+                <a:schemeClr val="dk2"/>
+              </a:buClr>
+              <a:buSzPts val="1400"/>
+              <a:buFont typeface="Fira Code"/>
+              <a:buChar char="●"/>
+              <a:defRPr sz="1400" b="0" i="0" u="none" strike="noStrike" cap="none">
+                <a:solidFill>
+                  <a:schemeClr val="dk2"/>
+                </a:solidFill>
+                <a:latin typeface="Fira Code"/>
+                <a:ea typeface="Fira Code"/>
+                <a:cs typeface="Fira Code"/>
+                <a:sym typeface="Fira Code"/>
+              </a:defRPr>
+            </a:lvl1pPr>
+            <a:lvl2pPr marL="914400" marR="0" lvl="1" indent="-317500" algn="l" rtl="0">
+              <a:lnSpc>
+                <a:spcPct val="100000"/>
+              </a:lnSpc>
+              <a:spcBef>
+                <a:spcPts val="0"/>
+              </a:spcBef>
+              <a:spcAft>
+                <a:spcPts val="0"/>
+              </a:spcAft>
+              <a:buClr>
+                <a:schemeClr val="dk2"/>
+              </a:buClr>
+              <a:buSzPts val="1400"/>
+              <a:buFont typeface="Fira Code"/>
+              <a:buChar char="○"/>
+              <a:defRPr sz="1400" b="0" i="0" u="none" strike="noStrike" cap="none">
+                <a:solidFill>
+                  <a:schemeClr val="dk2"/>
+                </a:solidFill>
+                <a:latin typeface="Fira Code"/>
+                <a:ea typeface="Fira Code"/>
+                <a:cs typeface="Fira Code"/>
+                <a:sym typeface="Fira Code"/>
+              </a:defRPr>
+            </a:lvl2pPr>
+            <a:lvl3pPr marL="1371600" marR="0" lvl="2" indent="-317500" algn="l" rtl="0">
+              <a:lnSpc>
+                <a:spcPct val="100000"/>
+              </a:lnSpc>
+              <a:spcBef>
+                <a:spcPts val="0"/>
+              </a:spcBef>
+              <a:spcAft>
+                <a:spcPts val="0"/>
+              </a:spcAft>
+              <a:buClr>
+                <a:schemeClr val="dk2"/>
+              </a:buClr>
+              <a:buSzPts val="1400"/>
+              <a:buFont typeface="Fira Code"/>
+              <a:buChar char="■"/>
+              <a:defRPr sz="1400" b="0" i="0" u="none" strike="noStrike" cap="none">
+                <a:solidFill>
+                  <a:schemeClr val="dk2"/>
+                </a:solidFill>
+                <a:latin typeface="Fira Code"/>
+                <a:ea typeface="Fira Code"/>
+                <a:cs typeface="Fira Code"/>
+                <a:sym typeface="Fira Code"/>
+              </a:defRPr>
+            </a:lvl3pPr>
+            <a:lvl4pPr marL="1828800" marR="0" lvl="3" indent="-317500" algn="l" rtl="0">
+              <a:lnSpc>
+                <a:spcPct val="100000"/>
+              </a:lnSpc>
+              <a:spcBef>
+                <a:spcPts val="0"/>
+              </a:spcBef>
+              <a:spcAft>
+                <a:spcPts val="0"/>
+              </a:spcAft>
+              <a:buClr>
+                <a:schemeClr val="dk2"/>
+              </a:buClr>
+              <a:buSzPts val="1400"/>
+              <a:buFont typeface="Fira Code"/>
+              <a:buChar char="●"/>
+              <a:defRPr sz="1400" b="0" i="0" u="none" strike="noStrike" cap="none">
+                <a:solidFill>
+                  <a:schemeClr val="dk2"/>
+                </a:solidFill>
+                <a:latin typeface="Fira Code"/>
+                <a:ea typeface="Fira Code"/>
+                <a:cs typeface="Fira Code"/>
+                <a:sym typeface="Fira Code"/>
+              </a:defRPr>
+            </a:lvl4pPr>
+            <a:lvl5pPr marL="2286000" marR="0" lvl="4" indent="-317500" algn="l" rtl="0">
+              <a:lnSpc>
+                <a:spcPct val="100000"/>
+              </a:lnSpc>
+              <a:spcBef>
+                <a:spcPts val="0"/>
+              </a:spcBef>
+              <a:spcAft>
+                <a:spcPts val="0"/>
+              </a:spcAft>
+              <a:buClr>
+                <a:schemeClr val="dk2"/>
+              </a:buClr>
+              <a:buSzPts val="1400"/>
+              <a:buFont typeface="Fira Code"/>
+              <a:buChar char="○"/>
+              <a:defRPr sz="1400" b="0" i="0" u="none" strike="noStrike" cap="none">
+                <a:solidFill>
+                  <a:schemeClr val="dk2"/>
+                </a:solidFill>
+                <a:latin typeface="Fira Code"/>
+                <a:ea typeface="Fira Code"/>
+                <a:cs typeface="Fira Code"/>
+                <a:sym typeface="Fira Code"/>
+              </a:defRPr>
+            </a:lvl5pPr>
+            <a:lvl6pPr marL="2743200" marR="0" lvl="5" indent="-317500" algn="l" rtl="0">
+              <a:lnSpc>
+                <a:spcPct val="100000"/>
+              </a:lnSpc>
+              <a:spcBef>
+                <a:spcPts val="0"/>
+              </a:spcBef>
+              <a:spcAft>
+                <a:spcPts val="0"/>
+              </a:spcAft>
+              <a:buClr>
+                <a:schemeClr val="dk2"/>
+              </a:buClr>
+              <a:buSzPts val="1400"/>
+              <a:buFont typeface="Fira Code"/>
+              <a:buChar char="■"/>
+              <a:defRPr sz="1400" b="0" i="0" u="none" strike="noStrike" cap="none">
+                <a:solidFill>
+                  <a:schemeClr val="dk2"/>
+                </a:solidFill>
+                <a:latin typeface="Fira Code"/>
+                <a:ea typeface="Fira Code"/>
+                <a:cs typeface="Fira Code"/>
+                <a:sym typeface="Fira Code"/>
+              </a:defRPr>
+            </a:lvl6pPr>
+            <a:lvl7pPr marL="3200400" marR="0" lvl="6" indent="-317500" algn="l" rtl="0">
+              <a:lnSpc>
+                <a:spcPct val="100000"/>
+              </a:lnSpc>
+              <a:spcBef>
+                <a:spcPts val="0"/>
+              </a:spcBef>
+              <a:spcAft>
+                <a:spcPts val="0"/>
+              </a:spcAft>
+              <a:buClr>
+                <a:schemeClr val="dk2"/>
+              </a:buClr>
+              <a:buSzPts val="1400"/>
+              <a:buFont typeface="Fira Code"/>
+              <a:buChar char="●"/>
+              <a:defRPr sz="1400" b="0" i="0" u="none" strike="noStrike" cap="none">
+                <a:solidFill>
+                  <a:schemeClr val="dk2"/>
+                </a:solidFill>
+                <a:latin typeface="Fira Code"/>
+                <a:ea typeface="Fira Code"/>
+                <a:cs typeface="Fira Code"/>
+                <a:sym typeface="Fira Code"/>
+              </a:defRPr>
+            </a:lvl7pPr>
+            <a:lvl8pPr marL="3657600" marR="0" lvl="7" indent="-317500" algn="l" rtl="0">
+              <a:lnSpc>
+                <a:spcPct val="100000"/>
+              </a:lnSpc>
+              <a:spcBef>
+                <a:spcPts val="0"/>
+              </a:spcBef>
+              <a:spcAft>
+                <a:spcPts val="0"/>
+              </a:spcAft>
+              <a:buClr>
+                <a:schemeClr val="dk2"/>
+              </a:buClr>
+              <a:buSzPts val="1400"/>
+              <a:buFont typeface="Fira Code"/>
+              <a:buChar char="○"/>
+              <a:defRPr sz="1400" b="0" i="0" u="none" strike="noStrike" cap="none">
+                <a:solidFill>
+                  <a:schemeClr val="dk2"/>
+                </a:solidFill>
+                <a:latin typeface="Fira Code"/>
+                <a:ea typeface="Fira Code"/>
+                <a:cs typeface="Fira Code"/>
+                <a:sym typeface="Fira Code"/>
+              </a:defRPr>
+            </a:lvl8pPr>
+            <a:lvl9pPr marL="4114800" marR="0" lvl="8" indent="-317500" algn="l" rtl="0">
+              <a:lnSpc>
+                <a:spcPct val="100000"/>
+              </a:lnSpc>
+              <a:spcBef>
+                <a:spcPts val="0"/>
+              </a:spcBef>
+              <a:spcAft>
+                <a:spcPts val="0"/>
+              </a:spcAft>
+              <a:buClr>
+                <a:schemeClr val="dk2"/>
+              </a:buClr>
+              <a:buSzPts val="1400"/>
+              <a:buFont typeface="Fira Code"/>
+              <a:buChar char="■"/>
+              <a:defRPr sz="1400" b="0" i="0" u="none" strike="noStrike" cap="none">
+                <a:solidFill>
+                  <a:schemeClr val="dk2"/>
+                </a:solidFill>
+                <a:latin typeface="Fira Code"/>
+                <a:ea typeface="Fira Code"/>
+                <a:cs typeface="Fira Code"/>
+                <a:sym typeface="Fira Code"/>
+              </a:defRPr>
+            </a:lvl9pPr>
+          </a:lstStyle>
+          <a:p>
+            <a:pPr marL="0" indent="0" algn="ctr">
+              <a:buFont typeface="Fira Code"/>
+              <a:buNone/>
+            </a:pPr>
+            <a:r>
+              <a:rPr lang="en-US">
+                <a:solidFill>
+                  <a:schemeClr val="accent3"/>
+                </a:solidFill>
+              </a:rPr>
+              <a:t>Kaggle Competition - </a:t>
+            </a:r>
+            <a:r>
+              <a:rPr lang="en-US" b="1">
+                <a:solidFill>
+                  <a:srgbClr val="FFFFFF"/>
+                </a:solidFill>
+                <a:latin typeface="zeitung"/>
+              </a:rPr>
+              <a:t>Feature Imputation with a Heat Flux Dataset</a:t>
+            </a:r>
+          </a:p>
+          <a:p>
+            <a:pPr marL="0" indent="0" algn="ctr">
+              <a:buFont typeface="Fira Code"/>
+              <a:buNone/>
+            </a:pPr>
+            <a:endParaRPr lang="en-US" dirty="0">
+              <a:solidFill>
+                <a:schemeClr val="accent3"/>
+              </a:solidFill>
+            </a:endParaRPr>
+          </a:p>
+        </p:txBody>
+      </p:sp>
+      <p:pic>
+        <p:nvPicPr>
+          <p:cNvPr id="6" name="Imagen 5" descr="Gráfico, Gráfico de barras, Histograma&#10;&#10;Descripción generada automáticamente">
+            <a:extLst>
+              <a:ext uri="{FF2B5EF4-FFF2-40B4-BE49-F238E27FC236}">
+                <a16:creationId xmlns:a16="http://schemas.microsoft.com/office/drawing/2014/main" id="{B596FFB8-B6EF-1F82-1B36-4757BB581515}"/>
+              </a:ext>
+            </a:extLst>
+          </p:cNvPr>
+          <p:cNvPicPr>
+            <a:picLocks noChangeAspect="1"/>
+          </p:cNvPicPr>
+          <p:nvPr/>
+        </p:nvPicPr>
+        <p:blipFill>
+          <a:blip r:embed="rId3"/>
+          <a:stretch>
+            <a:fillRect/>
+          </a:stretch>
+        </p:blipFill>
+        <p:spPr>
+          <a:xfrm>
+            <a:off x="5776" y="1343608"/>
+            <a:ext cx="4572000" cy="2724728"/>
+          </a:xfrm>
+          <a:prstGeom prst="rect">
+            <a:avLst/>
+          </a:prstGeom>
+        </p:spPr>
+      </p:pic>
+      <p:pic>
+        <p:nvPicPr>
+          <p:cNvPr id="8" name="Imagen 7" descr="Gráfico, Histograma&#10;&#10;Descripción generada automáticamente">
+            <a:extLst>
+              <a:ext uri="{FF2B5EF4-FFF2-40B4-BE49-F238E27FC236}">
+                <a16:creationId xmlns:a16="http://schemas.microsoft.com/office/drawing/2014/main" id="{5A1F37B6-364B-8C11-5AFE-BDD58367BA43}"/>
+              </a:ext>
+            </a:extLst>
+          </p:cNvPr>
+          <p:cNvPicPr>
+            <a:picLocks noChangeAspect="1"/>
+          </p:cNvPicPr>
+          <p:nvPr/>
+        </p:nvPicPr>
+        <p:blipFill>
+          <a:blip r:embed="rId4"/>
+          <a:stretch>
+            <a:fillRect/>
+          </a:stretch>
+        </p:blipFill>
+        <p:spPr>
+          <a:xfrm>
+            <a:off x="4577776" y="1343608"/>
+            <a:ext cx="4567383" cy="2724728"/>
+          </a:xfrm>
+          <a:prstGeom prst="rect">
+            <a:avLst/>
+          </a:prstGeom>
+        </p:spPr>
+      </p:pic>
+    </p:spTree>
+    <p:extLst>
+      <p:ext uri="{BB962C8B-B14F-4D97-AF65-F5344CB8AC3E}">
+        <p14:creationId xmlns:p14="http://schemas.microsoft.com/office/powerpoint/2010/main" val="1628821671"/>
+      </p:ext>
+    </p:extLst>
+  </p:cSld>
+  <p:clrMapOvr>
+    <a:masterClrMapping/>
+  </p:clrMapOvr>
+</p:sld>
+</file>
+
+<file path=ppt/slides/slide13.xml><?xml version="1.0" encoding="utf-8"?>
 <p:sld xmlns:a="http://schemas.openxmlformats.org/drawingml/2006/main" xmlns:r="http://schemas.openxmlformats.org/officeDocument/2006/relationships" xmlns:p="http://schemas.openxmlformats.org/presentationml/2006/main">
   <p:cSld>
     <p:bg>
@@ -12486,7 +16083,7 @@
 </p:sld>
 </file>
 
-<file path=ppt/slides/slide11.xml><?xml version="1.0" encoding="utf-8"?>
+<file path=ppt/slides/slide14.xml><?xml version="1.0" encoding="utf-8"?>
 <p:sld xmlns:a="http://schemas.openxmlformats.org/drawingml/2006/main" xmlns:r="http://schemas.openxmlformats.org/officeDocument/2006/relationships" xmlns:p="http://schemas.openxmlformats.org/presentationml/2006/main">
   <p:cSld>
     <p:spTree>
@@ -12586,14 +16183,6 @@
                 </a:solidFill>
               </a:rPr>
             </a:br>
-            <a:r>
-              <a:rPr lang="en" sz="2500" dirty="0">
-                <a:solidFill>
-                  <a:schemeClr val="accent2"/>
-                </a:solidFill>
-              </a:rPr>
-              <a:t> </a:t>
-            </a:r>
             <a:r>
               <a:rPr lang="en" sz="2500" dirty="0">
                 <a:solidFill>
@@ -13334,42 +16923,6 @@
               <a:buChar char="-"/>
             </a:pPr>
             <a:r>
-              <a:rPr lang="es-ES" sz="2000" dirty="0">
-                <a:solidFill>
-                  <a:schemeClr val="accent3"/>
-                </a:solidFill>
-              </a:rPr>
-              <a:t>Competición</a:t>
-            </a:r>
-          </a:p>
-          <a:p>
-            <a:pPr marL="0" lvl="0" indent="0" algn="l" rtl="0">
-              <a:spcBef>
-                <a:spcPts val="0"/>
-              </a:spcBef>
-              <a:spcAft>
-                <a:spcPts val="0"/>
-              </a:spcAft>
-              <a:buNone/>
-            </a:pPr>
-            <a:endParaRPr lang="es-ES" sz="2000" dirty="0">
-              <a:solidFill>
-                <a:schemeClr val="accent3"/>
-              </a:solidFill>
-            </a:endParaRPr>
-          </a:p>
-          <a:p>
-            <a:pPr marL="171450" lvl="0" indent="-171450" algn="l" rtl="0">
-              <a:spcBef>
-                <a:spcPts val="0"/>
-              </a:spcBef>
-              <a:spcAft>
-                <a:spcPts val="0"/>
-              </a:spcAft>
-              <a:buFontTx/>
-              <a:buChar char="-"/>
-            </a:pPr>
-            <a:r>
               <a:rPr lang="es-ES" sz="2000" dirty="0" err="1">
                 <a:solidFill>
                   <a:schemeClr val="accent3"/>
@@ -13489,18 +17042,13 @@
               <a:buChar char="-"/>
             </a:pPr>
             <a:r>
-              <a:rPr lang="es-ES" sz="2000" dirty="0" err="1">
+              <a:rPr lang="es-ES" sz="2000" dirty="0">
                 <a:solidFill>
                   <a:schemeClr val="accent3"/>
                 </a:solidFill>
               </a:rPr>
-              <a:t>Conclusion</a:t>
+              <a:t>Conclusión</a:t>
             </a:r>
-            <a:endParaRPr lang="es-ES" sz="2000" dirty="0">
-              <a:solidFill>
-                <a:schemeClr val="accent3"/>
-              </a:solidFill>
-            </a:endParaRPr>
           </a:p>
         </p:txBody>
       </p:sp>
@@ -15657,7 +19205,7 @@
             </a:pPr>
             <a:r>
               <a:rPr lang="en" dirty="0"/>
-              <a:t>print(Dataset_Generado.isnull())</a:t>
+              <a:t>print(¿Cómo abordar los Nulos?)</a:t>
             </a:r>
             <a:endParaRPr dirty="0">
               <a:solidFill>
@@ -15669,10 +19217,10 @@
       </p:sp>
       <p:pic>
         <p:nvPicPr>
-          <p:cNvPr id="5" name="Imagen 4" descr="Gráfico, Gráfico de barras&#10;&#10;Descripción generada automáticamente">
+          <p:cNvPr id="3" name="Imagen 2" descr="Tabla&#10;&#10;Descripción generada automáticamente">
             <a:extLst>
               <a:ext uri="{FF2B5EF4-FFF2-40B4-BE49-F238E27FC236}">
-                <a16:creationId xmlns:a16="http://schemas.microsoft.com/office/drawing/2014/main" id="{FA8925B1-2650-AA82-CD86-D7CF4F77B227}"/>
+                <a16:creationId xmlns:a16="http://schemas.microsoft.com/office/drawing/2014/main" id="{AB908028-B283-BAC0-E1F5-548DDFD4F339}"/>
               </a:ext>
             </a:extLst>
           </p:cNvPr>
@@ -15689,8 +19237,8 @@
         </p:blipFill>
         <p:spPr>
           <a:xfrm>
-            <a:off x="1273684" y="1175657"/>
-            <a:ext cx="4400184" cy="3254514"/>
+            <a:off x="1270682" y="1154648"/>
+            <a:ext cx="7163168" cy="3143412"/>
           </a:xfrm>
           <a:prstGeom prst="rect">
             <a:avLst/>
@@ -15699,131 +19247,10 @@
       </p:pic>
       <p:sp>
         <p:nvSpPr>
-          <p:cNvPr id="11" name="Rectángulo 10">
+          <p:cNvPr id="14" name="Google Shape;474;p28">
             <a:extLst>
               <a:ext uri="{FF2B5EF4-FFF2-40B4-BE49-F238E27FC236}">
-                <a16:creationId xmlns:a16="http://schemas.microsoft.com/office/drawing/2014/main" id="{179436DF-DC9F-69E1-C221-0D4571C370C9}"/>
-              </a:ext>
-            </a:extLst>
-          </p:cNvPr>
-          <p:cNvSpPr/>
-          <p:nvPr/>
-        </p:nvSpPr>
-        <p:spPr>
-          <a:xfrm>
-            <a:off x="5877884" y="1175656"/>
-            <a:ext cx="2688600" cy="2172561"/>
-          </a:xfrm>
-          <a:prstGeom prst="rect">
-            <a:avLst/>
-          </a:prstGeom>
-          <a:ln>
-            <a:noFill/>
-          </a:ln>
-        </p:spPr>
-        <p:style>
-          <a:lnRef idx="2">
-            <a:schemeClr val="accent6">
-              <a:shade val="50000"/>
-            </a:schemeClr>
-          </a:lnRef>
-          <a:fillRef idx="1">
-            <a:schemeClr val="accent6"/>
-          </a:fillRef>
-          <a:effectRef idx="0">
-            <a:schemeClr val="accent6"/>
-          </a:effectRef>
-          <a:fontRef idx="minor">
-            <a:schemeClr val="lt1"/>
-          </a:fontRef>
-        </p:style>
-        <p:txBody>
-          <a:bodyPr rtlCol="0" anchor="ctr"/>
-          <a:lstStyle/>
-          <a:p>
-            <a:pPr algn="ctr"/>
-            <a:endParaRPr lang="es-ES" dirty="0"/>
-          </a:p>
-        </p:txBody>
-      </p:sp>
-      <p:sp>
-        <p:nvSpPr>
-          <p:cNvPr id="12" name="CuadroTexto 11">
-            <a:extLst>
-              <a:ext uri="{FF2B5EF4-FFF2-40B4-BE49-F238E27FC236}">
-                <a16:creationId xmlns:a16="http://schemas.microsoft.com/office/drawing/2014/main" id="{7C59292F-2C6C-E1E5-D629-8DDC67053012}"/>
-              </a:ext>
-            </a:extLst>
-          </p:cNvPr>
-          <p:cNvSpPr txBox="1"/>
-          <p:nvPr/>
-        </p:nvSpPr>
-        <p:spPr>
-          <a:xfrm>
-            <a:off x="6049124" y="1316738"/>
-            <a:ext cx="2234907" cy="1815882"/>
-          </a:xfrm>
-          <a:prstGeom prst="rect">
-            <a:avLst/>
-          </a:prstGeom>
-          <a:noFill/>
-        </p:spPr>
-        <p:txBody>
-          <a:bodyPr wrap="none" rtlCol="0">
-            <a:spAutoFit/>
-          </a:bodyPr>
-          <a:lstStyle/>
-          <a:p>
-            <a:r>
-              <a:rPr lang="es-ES" b="1" u="sng" dirty="0" err="1"/>
-              <a:t>Chf_exp</a:t>
-            </a:r>
-            <a:r>
-              <a:rPr lang="es-ES" b="1" u="sng" dirty="0"/>
-              <a:t> [MW/m2]:</a:t>
-            </a:r>
-          </a:p>
-          <a:p>
-            <a:endParaRPr lang="es-ES" dirty="0"/>
-          </a:p>
-          <a:p>
-            <a:r>
-              <a:rPr lang="es-ES" dirty="0"/>
-              <a:t>-Sin nulos</a:t>
-            </a:r>
-          </a:p>
-          <a:p>
-            <a:endParaRPr lang="es-ES" dirty="0"/>
-          </a:p>
-          <a:p>
-            <a:r>
-              <a:rPr lang="es-ES" dirty="0"/>
-              <a:t>-Exactamente los mismos</a:t>
-            </a:r>
-          </a:p>
-          <a:p>
-            <a:r>
-              <a:rPr lang="es-ES" dirty="0"/>
-              <a:t>números que el original</a:t>
-            </a:r>
-          </a:p>
-          <a:p>
-            <a:endParaRPr lang="es-ES" dirty="0"/>
-          </a:p>
-          <a:p>
-            <a:r>
-              <a:rPr lang="es-ES" dirty="0"/>
-              <a:t>-Relación con variables</a:t>
-            </a:r>
-          </a:p>
-        </p:txBody>
-      </p:sp>
-      <p:sp>
-        <p:nvSpPr>
-          <p:cNvPr id="19" name="Google Shape;474;p28">
-            <a:extLst>
-              <a:ext uri="{FF2B5EF4-FFF2-40B4-BE49-F238E27FC236}">
-                <a16:creationId xmlns:a16="http://schemas.microsoft.com/office/drawing/2014/main" id="{034156CB-88CA-6648-382B-E2AA6C64C3E1}"/>
+                <a16:creationId xmlns:a16="http://schemas.microsoft.com/office/drawing/2014/main" id="{DFFACB80-BD02-C6DD-BA03-D80F31B99F8A}"/>
               </a:ext>
             </a:extLst>
           </p:cNvPr>
@@ -16119,10 +19546,10 @@
       </p:sp>
       <p:sp>
         <p:nvSpPr>
-          <p:cNvPr id="20" name="Google Shape;475;p28">
+          <p:cNvPr id="15" name="Google Shape;475;p28">
             <a:extLst>
               <a:ext uri="{FF2B5EF4-FFF2-40B4-BE49-F238E27FC236}">
-                <a16:creationId xmlns:a16="http://schemas.microsoft.com/office/drawing/2014/main" id="{3E080154-8E58-6E02-3421-FBFF4D121989}"/>
+                <a16:creationId xmlns:a16="http://schemas.microsoft.com/office/drawing/2014/main" id="{1F1CD0AE-81FB-9B47-8F24-F03767AD94D9}"/>
               </a:ext>
             </a:extLst>
           </p:cNvPr>
@@ -16434,7 +19861,7 @@
     </p:spTree>
     <p:extLst>
       <p:ext uri="{BB962C8B-B14F-4D97-AF65-F5344CB8AC3E}">
-        <p14:creationId xmlns:p14="http://schemas.microsoft.com/office/powerpoint/2010/main" val="388216512"/>
+        <p14:creationId xmlns:p14="http://schemas.microsoft.com/office/powerpoint/2010/main" val="574598339"/>
       </p:ext>
     </p:extLst>
   </p:cSld>
@@ -16496,783 +19923,12 @@
               <a:buNone/>
             </a:pPr>
             <a:r>
-              <a:rPr lang="en" dirty="0"/>
-              <a:t>print(¿Cómo abordar los Nulos?)</a:t>
-            </a:r>
-            <a:endParaRPr dirty="0">
-              <a:solidFill>
-                <a:schemeClr val="accent6"/>
-              </a:solidFill>
-            </a:endParaRPr>
-          </a:p>
-        </p:txBody>
-      </p:sp>
-      <p:pic>
-        <p:nvPicPr>
-          <p:cNvPr id="3" name="Imagen 2" descr="Tabla&#10;&#10;Descripción generada automáticamente">
-            <a:extLst>
-              <a:ext uri="{FF2B5EF4-FFF2-40B4-BE49-F238E27FC236}">
-                <a16:creationId xmlns:a16="http://schemas.microsoft.com/office/drawing/2014/main" id="{AB908028-B283-BAC0-E1F5-548DDFD4F339}"/>
-              </a:ext>
-            </a:extLst>
-          </p:cNvPr>
-          <p:cNvPicPr>
-            <a:picLocks noChangeAspect="1"/>
-          </p:cNvPicPr>
-          <p:nvPr/>
-        </p:nvPicPr>
-        <p:blipFill>
-          <a:blip r:embed="rId3"/>
-          <a:stretch>
-            <a:fillRect/>
-          </a:stretch>
-        </p:blipFill>
-        <p:spPr>
-          <a:xfrm>
-            <a:off x="1270682" y="1154648"/>
-            <a:ext cx="7163168" cy="3143412"/>
-          </a:xfrm>
-          <a:prstGeom prst="rect">
-            <a:avLst/>
-          </a:prstGeom>
-        </p:spPr>
-      </p:pic>
-      <p:sp>
-        <p:nvSpPr>
-          <p:cNvPr id="4" name="Rectángulo 3">
-            <a:extLst>
-              <a:ext uri="{FF2B5EF4-FFF2-40B4-BE49-F238E27FC236}">
-                <a16:creationId xmlns:a16="http://schemas.microsoft.com/office/drawing/2014/main" id="{46C88120-0602-7569-3E7A-1DBD8594AA47}"/>
-              </a:ext>
-            </a:extLst>
-          </p:cNvPr>
-          <p:cNvSpPr/>
-          <p:nvPr/>
-        </p:nvSpPr>
-        <p:spPr>
-          <a:xfrm>
-            <a:off x="1403316" y="2740104"/>
-            <a:ext cx="6420648" cy="195602"/>
-          </a:xfrm>
-          <a:prstGeom prst="rect">
-            <a:avLst/>
-          </a:prstGeom>
-          <a:noFill/>
-          <a:ln>
-            <a:solidFill>
-              <a:srgbClr val="FF0000"/>
-            </a:solidFill>
-          </a:ln>
-        </p:spPr>
-        <p:style>
-          <a:lnRef idx="2">
-            <a:schemeClr val="accent1">
-              <a:shade val="50000"/>
-            </a:schemeClr>
-          </a:lnRef>
-          <a:fillRef idx="1">
-            <a:schemeClr val="accent1"/>
-          </a:fillRef>
-          <a:effectRef idx="0">
-            <a:schemeClr val="accent1"/>
-          </a:effectRef>
-          <a:fontRef idx="minor">
-            <a:schemeClr val="lt1"/>
-          </a:fontRef>
-        </p:style>
-        <p:txBody>
-          <a:bodyPr rtlCol="0" anchor="ctr"/>
-          <a:lstStyle/>
-          <a:p>
-            <a:pPr algn="ctr"/>
-            <a:endParaRPr lang="es-ES"/>
-          </a:p>
-        </p:txBody>
-      </p:sp>
-      <p:sp>
-        <p:nvSpPr>
-          <p:cNvPr id="14" name="Google Shape;474;p28">
-            <a:extLst>
-              <a:ext uri="{FF2B5EF4-FFF2-40B4-BE49-F238E27FC236}">
-                <a16:creationId xmlns:a16="http://schemas.microsoft.com/office/drawing/2014/main" id="{DFFACB80-BD02-C6DD-BA03-D80F31B99F8A}"/>
-              </a:ext>
-            </a:extLst>
-          </p:cNvPr>
-          <p:cNvSpPr txBox="1">
-            <a:spLocks/>
-          </p:cNvSpPr>
-          <p:nvPr/>
-        </p:nvSpPr>
-        <p:spPr>
-          <a:xfrm>
-            <a:off x="-5975" y="91525"/>
-            <a:ext cx="4572000" cy="357300"/>
-          </a:xfrm>
-          <a:prstGeom prst="rect">
-            <a:avLst/>
-          </a:prstGeom>
-          <a:noFill/>
-          <a:ln>
-            <a:noFill/>
-          </a:ln>
-        </p:spPr>
-        <p:txBody>
-          <a:bodyPr spcFirstLastPara="1" wrap="square" lIns="91425" tIns="91425" rIns="91425" bIns="91425" anchor="ctr" anchorCtr="0">
-            <a:noAutofit/>
-          </a:bodyPr>
-          <a:lstStyle>
-            <a:defPPr marR="0" lvl="0" algn="l" rtl="0">
-              <a:lnSpc>
-                <a:spcPct val="100000"/>
-              </a:lnSpc>
-              <a:spcBef>
-                <a:spcPts val="0"/>
-              </a:spcBef>
-              <a:spcAft>
-                <a:spcPts val="0"/>
-              </a:spcAft>
-            </a:defPPr>
-            <a:lvl1pPr marL="457200" marR="0" lvl="0" indent="-317500" algn="l" rtl="0">
-              <a:lnSpc>
-                <a:spcPct val="100000"/>
-              </a:lnSpc>
-              <a:spcBef>
-                <a:spcPts val="0"/>
-              </a:spcBef>
-              <a:spcAft>
-                <a:spcPts val="0"/>
-              </a:spcAft>
-              <a:buClr>
-                <a:schemeClr val="dk2"/>
-              </a:buClr>
-              <a:buSzPts val="1400"/>
-              <a:buFont typeface="Fira Code"/>
-              <a:buChar char="●"/>
-              <a:defRPr sz="1400" b="0" i="0" u="none" strike="noStrike" cap="none">
-                <a:solidFill>
-                  <a:schemeClr val="dk2"/>
-                </a:solidFill>
-                <a:latin typeface="Fira Code"/>
-                <a:ea typeface="Fira Code"/>
-                <a:cs typeface="Fira Code"/>
-                <a:sym typeface="Fira Code"/>
-              </a:defRPr>
-            </a:lvl1pPr>
-            <a:lvl2pPr marL="914400" marR="0" lvl="1" indent="-317500" algn="l" rtl="0">
-              <a:lnSpc>
-                <a:spcPct val="100000"/>
-              </a:lnSpc>
-              <a:spcBef>
-                <a:spcPts val="0"/>
-              </a:spcBef>
-              <a:spcAft>
-                <a:spcPts val="0"/>
-              </a:spcAft>
-              <a:buClr>
-                <a:schemeClr val="dk2"/>
-              </a:buClr>
-              <a:buSzPts val="1400"/>
-              <a:buFont typeface="Fira Code"/>
-              <a:buChar char="○"/>
-              <a:defRPr sz="1400" b="0" i="0" u="none" strike="noStrike" cap="none">
-                <a:solidFill>
-                  <a:schemeClr val="dk2"/>
-                </a:solidFill>
-                <a:latin typeface="Fira Code"/>
-                <a:ea typeface="Fira Code"/>
-                <a:cs typeface="Fira Code"/>
-                <a:sym typeface="Fira Code"/>
-              </a:defRPr>
-            </a:lvl2pPr>
-            <a:lvl3pPr marL="1371600" marR="0" lvl="2" indent="-317500" algn="l" rtl="0">
-              <a:lnSpc>
-                <a:spcPct val="100000"/>
-              </a:lnSpc>
-              <a:spcBef>
-                <a:spcPts val="0"/>
-              </a:spcBef>
-              <a:spcAft>
-                <a:spcPts val="0"/>
-              </a:spcAft>
-              <a:buClr>
-                <a:schemeClr val="dk2"/>
-              </a:buClr>
-              <a:buSzPts val="1400"/>
-              <a:buFont typeface="Fira Code"/>
-              <a:buChar char="■"/>
-              <a:defRPr sz="1400" b="0" i="0" u="none" strike="noStrike" cap="none">
-                <a:solidFill>
-                  <a:schemeClr val="dk2"/>
-                </a:solidFill>
-                <a:latin typeface="Fira Code"/>
-                <a:ea typeface="Fira Code"/>
-                <a:cs typeface="Fira Code"/>
-                <a:sym typeface="Fira Code"/>
-              </a:defRPr>
-            </a:lvl3pPr>
-            <a:lvl4pPr marL="1828800" marR="0" lvl="3" indent="-317500" algn="l" rtl="0">
-              <a:lnSpc>
-                <a:spcPct val="100000"/>
-              </a:lnSpc>
-              <a:spcBef>
-                <a:spcPts val="0"/>
-              </a:spcBef>
-              <a:spcAft>
-                <a:spcPts val="0"/>
-              </a:spcAft>
-              <a:buClr>
-                <a:schemeClr val="dk2"/>
-              </a:buClr>
-              <a:buSzPts val="1400"/>
-              <a:buFont typeface="Fira Code"/>
-              <a:buChar char="●"/>
-              <a:defRPr sz="1400" b="0" i="0" u="none" strike="noStrike" cap="none">
-                <a:solidFill>
-                  <a:schemeClr val="dk2"/>
-                </a:solidFill>
-                <a:latin typeface="Fira Code"/>
-                <a:ea typeface="Fira Code"/>
-                <a:cs typeface="Fira Code"/>
-                <a:sym typeface="Fira Code"/>
-              </a:defRPr>
-            </a:lvl4pPr>
-            <a:lvl5pPr marL="2286000" marR="0" lvl="4" indent="-317500" algn="l" rtl="0">
-              <a:lnSpc>
-                <a:spcPct val="100000"/>
-              </a:lnSpc>
-              <a:spcBef>
-                <a:spcPts val="0"/>
-              </a:spcBef>
-              <a:spcAft>
-                <a:spcPts val="0"/>
-              </a:spcAft>
-              <a:buClr>
-                <a:schemeClr val="dk2"/>
-              </a:buClr>
-              <a:buSzPts val="1400"/>
-              <a:buFont typeface="Fira Code"/>
-              <a:buChar char="○"/>
-              <a:defRPr sz="1400" b="0" i="0" u="none" strike="noStrike" cap="none">
-                <a:solidFill>
-                  <a:schemeClr val="dk2"/>
-                </a:solidFill>
-                <a:latin typeface="Fira Code"/>
-                <a:ea typeface="Fira Code"/>
-                <a:cs typeface="Fira Code"/>
-                <a:sym typeface="Fira Code"/>
-              </a:defRPr>
-            </a:lvl5pPr>
-            <a:lvl6pPr marL="2743200" marR="0" lvl="5" indent="-317500" algn="l" rtl="0">
-              <a:lnSpc>
-                <a:spcPct val="100000"/>
-              </a:lnSpc>
-              <a:spcBef>
-                <a:spcPts val="0"/>
-              </a:spcBef>
-              <a:spcAft>
-                <a:spcPts val="0"/>
-              </a:spcAft>
-              <a:buClr>
-                <a:schemeClr val="dk2"/>
-              </a:buClr>
-              <a:buSzPts val="1400"/>
-              <a:buFont typeface="Fira Code"/>
-              <a:buChar char="■"/>
-              <a:defRPr sz="1400" b="0" i="0" u="none" strike="noStrike" cap="none">
-                <a:solidFill>
-                  <a:schemeClr val="dk2"/>
-                </a:solidFill>
-                <a:latin typeface="Fira Code"/>
-                <a:ea typeface="Fira Code"/>
-                <a:cs typeface="Fira Code"/>
-                <a:sym typeface="Fira Code"/>
-              </a:defRPr>
-            </a:lvl6pPr>
-            <a:lvl7pPr marL="3200400" marR="0" lvl="6" indent="-317500" algn="l" rtl="0">
-              <a:lnSpc>
-                <a:spcPct val="100000"/>
-              </a:lnSpc>
-              <a:spcBef>
-                <a:spcPts val="0"/>
-              </a:spcBef>
-              <a:spcAft>
-                <a:spcPts val="0"/>
-              </a:spcAft>
-              <a:buClr>
-                <a:schemeClr val="dk2"/>
-              </a:buClr>
-              <a:buSzPts val="1400"/>
-              <a:buFont typeface="Fira Code"/>
-              <a:buChar char="●"/>
-              <a:defRPr sz="1400" b="0" i="0" u="none" strike="noStrike" cap="none">
-                <a:solidFill>
-                  <a:schemeClr val="dk2"/>
-                </a:solidFill>
-                <a:latin typeface="Fira Code"/>
-                <a:ea typeface="Fira Code"/>
-                <a:cs typeface="Fira Code"/>
-                <a:sym typeface="Fira Code"/>
-              </a:defRPr>
-            </a:lvl7pPr>
-            <a:lvl8pPr marL="3657600" marR="0" lvl="7" indent="-317500" algn="l" rtl="0">
-              <a:lnSpc>
-                <a:spcPct val="100000"/>
-              </a:lnSpc>
-              <a:spcBef>
-                <a:spcPts val="0"/>
-              </a:spcBef>
-              <a:spcAft>
-                <a:spcPts val="0"/>
-              </a:spcAft>
-              <a:buClr>
-                <a:schemeClr val="dk2"/>
-              </a:buClr>
-              <a:buSzPts val="1400"/>
-              <a:buFont typeface="Fira Code"/>
-              <a:buChar char="○"/>
-              <a:defRPr sz="1400" b="0" i="0" u="none" strike="noStrike" cap="none">
-                <a:solidFill>
-                  <a:schemeClr val="dk2"/>
-                </a:solidFill>
-                <a:latin typeface="Fira Code"/>
-                <a:ea typeface="Fira Code"/>
-                <a:cs typeface="Fira Code"/>
-                <a:sym typeface="Fira Code"/>
-              </a:defRPr>
-            </a:lvl8pPr>
-            <a:lvl9pPr marL="4114800" marR="0" lvl="8" indent="-317500" algn="l" rtl="0">
-              <a:lnSpc>
-                <a:spcPct val="100000"/>
-              </a:lnSpc>
-              <a:spcBef>
-                <a:spcPts val="0"/>
-              </a:spcBef>
-              <a:spcAft>
-                <a:spcPts val="0"/>
-              </a:spcAft>
-              <a:buClr>
-                <a:schemeClr val="dk2"/>
-              </a:buClr>
-              <a:buSzPts val="1400"/>
-              <a:buFont typeface="Fira Code"/>
-              <a:buChar char="■"/>
-              <a:defRPr sz="1400" b="0" i="0" u="none" strike="noStrike" cap="none">
-                <a:solidFill>
-                  <a:schemeClr val="dk2"/>
-                </a:solidFill>
-                <a:latin typeface="Fira Code"/>
-                <a:ea typeface="Fira Code"/>
-                <a:cs typeface="Fira Code"/>
-                <a:sym typeface="Fira Code"/>
-              </a:defRPr>
-            </a:lvl9pPr>
-          </a:lstStyle>
-          <a:p>
-            <a:pPr marL="0" indent="0" algn="ctr">
-              <a:buFont typeface="Fira Code"/>
-              <a:buNone/>
-            </a:pPr>
-            <a:r>
-              <a:rPr lang="es-ES">
-                <a:solidFill>
-                  <a:schemeClr val="accent3"/>
-                </a:solidFill>
-              </a:rPr>
-              <a:t>Miguel Gil Jimenez</a:t>
-            </a:r>
-            <a:endParaRPr lang="es-ES" dirty="0">
-              <a:solidFill>
-                <a:schemeClr val="accent3"/>
-              </a:solidFill>
-            </a:endParaRPr>
-          </a:p>
-        </p:txBody>
-      </p:sp>
-      <p:sp>
-        <p:nvSpPr>
-          <p:cNvPr id="15" name="Google Shape;475;p28">
-            <a:extLst>
-              <a:ext uri="{FF2B5EF4-FFF2-40B4-BE49-F238E27FC236}">
-                <a16:creationId xmlns:a16="http://schemas.microsoft.com/office/drawing/2014/main" id="{1F1CD0AE-81FB-9B47-8F24-F03767AD94D9}"/>
-              </a:ext>
-            </a:extLst>
-          </p:cNvPr>
-          <p:cNvSpPr txBox="1">
-            <a:spLocks/>
-          </p:cNvSpPr>
-          <p:nvPr/>
-        </p:nvSpPr>
-        <p:spPr>
-          <a:xfrm>
-            <a:off x="3238214" y="4781400"/>
-            <a:ext cx="5788908" cy="357300"/>
-          </a:xfrm>
-          <a:prstGeom prst="rect">
-            <a:avLst/>
-          </a:prstGeom>
-          <a:noFill/>
-          <a:ln>
-            <a:noFill/>
-          </a:ln>
-        </p:spPr>
-        <p:txBody>
-          <a:bodyPr spcFirstLastPara="1" wrap="square" lIns="91425" tIns="91425" rIns="91425" bIns="91425" anchor="ctr" anchorCtr="0">
-            <a:noAutofit/>
-          </a:bodyPr>
-          <a:lstStyle>
-            <a:defPPr marR="0" lvl="0" algn="l" rtl="0">
-              <a:lnSpc>
-                <a:spcPct val="100000"/>
-              </a:lnSpc>
-              <a:spcBef>
-                <a:spcPts val="0"/>
-              </a:spcBef>
-              <a:spcAft>
-                <a:spcPts val="0"/>
-              </a:spcAft>
-            </a:defPPr>
-            <a:lvl1pPr marL="457200" marR="0" lvl="0" indent="-317500" algn="l" rtl="0">
-              <a:lnSpc>
-                <a:spcPct val="100000"/>
-              </a:lnSpc>
-              <a:spcBef>
-                <a:spcPts val="0"/>
-              </a:spcBef>
-              <a:spcAft>
-                <a:spcPts val="0"/>
-              </a:spcAft>
-              <a:buClr>
-                <a:schemeClr val="dk2"/>
-              </a:buClr>
-              <a:buSzPts val="1400"/>
-              <a:buFont typeface="Fira Code"/>
-              <a:buChar char="●"/>
-              <a:defRPr sz="1400" b="0" i="0" u="none" strike="noStrike" cap="none">
-                <a:solidFill>
-                  <a:schemeClr val="dk2"/>
-                </a:solidFill>
-                <a:latin typeface="Fira Code"/>
-                <a:ea typeface="Fira Code"/>
-                <a:cs typeface="Fira Code"/>
-                <a:sym typeface="Fira Code"/>
-              </a:defRPr>
-            </a:lvl1pPr>
-            <a:lvl2pPr marL="914400" marR="0" lvl="1" indent="-317500" algn="l" rtl="0">
-              <a:lnSpc>
-                <a:spcPct val="100000"/>
-              </a:lnSpc>
-              <a:spcBef>
-                <a:spcPts val="0"/>
-              </a:spcBef>
-              <a:spcAft>
-                <a:spcPts val="0"/>
-              </a:spcAft>
-              <a:buClr>
-                <a:schemeClr val="dk2"/>
-              </a:buClr>
-              <a:buSzPts val="1400"/>
-              <a:buFont typeface="Fira Code"/>
-              <a:buChar char="○"/>
-              <a:defRPr sz="1400" b="0" i="0" u="none" strike="noStrike" cap="none">
-                <a:solidFill>
-                  <a:schemeClr val="dk2"/>
-                </a:solidFill>
-                <a:latin typeface="Fira Code"/>
-                <a:ea typeface="Fira Code"/>
-                <a:cs typeface="Fira Code"/>
-                <a:sym typeface="Fira Code"/>
-              </a:defRPr>
-            </a:lvl2pPr>
-            <a:lvl3pPr marL="1371600" marR="0" lvl="2" indent="-317500" algn="l" rtl="0">
-              <a:lnSpc>
-                <a:spcPct val="100000"/>
-              </a:lnSpc>
-              <a:spcBef>
-                <a:spcPts val="0"/>
-              </a:spcBef>
-              <a:spcAft>
-                <a:spcPts val="0"/>
-              </a:spcAft>
-              <a:buClr>
-                <a:schemeClr val="dk2"/>
-              </a:buClr>
-              <a:buSzPts val="1400"/>
-              <a:buFont typeface="Fira Code"/>
-              <a:buChar char="■"/>
-              <a:defRPr sz="1400" b="0" i="0" u="none" strike="noStrike" cap="none">
-                <a:solidFill>
-                  <a:schemeClr val="dk2"/>
-                </a:solidFill>
-                <a:latin typeface="Fira Code"/>
-                <a:ea typeface="Fira Code"/>
-                <a:cs typeface="Fira Code"/>
-                <a:sym typeface="Fira Code"/>
-              </a:defRPr>
-            </a:lvl3pPr>
-            <a:lvl4pPr marL="1828800" marR="0" lvl="3" indent="-317500" algn="l" rtl="0">
-              <a:lnSpc>
-                <a:spcPct val="100000"/>
-              </a:lnSpc>
-              <a:spcBef>
-                <a:spcPts val="0"/>
-              </a:spcBef>
-              <a:spcAft>
-                <a:spcPts val="0"/>
-              </a:spcAft>
-              <a:buClr>
-                <a:schemeClr val="dk2"/>
-              </a:buClr>
-              <a:buSzPts val="1400"/>
-              <a:buFont typeface="Fira Code"/>
-              <a:buChar char="●"/>
-              <a:defRPr sz="1400" b="0" i="0" u="none" strike="noStrike" cap="none">
-                <a:solidFill>
-                  <a:schemeClr val="dk2"/>
-                </a:solidFill>
-                <a:latin typeface="Fira Code"/>
-                <a:ea typeface="Fira Code"/>
-                <a:cs typeface="Fira Code"/>
-                <a:sym typeface="Fira Code"/>
-              </a:defRPr>
-            </a:lvl4pPr>
-            <a:lvl5pPr marL="2286000" marR="0" lvl="4" indent="-317500" algn="l" rtl="0">
-              <a:lnSpc>
-                <a:spcPct val="100000"/>
-              </a:lnSpc>
-              <a:spcBef>
-                <a:spcPts val="0"/>
-              </a:spcBef>
-              <a:spcAft>
-                <a:spcPts val="0"/>
-              </a:spcAft>
-              <a:buClr>
-                <a:schemeClr val="dk2"/>
-              </a:buClr>
-              <a:buSzPts val="1400"/>
-              <a:buFont typeface="Fira Code"/>
-              <a:buChar char="○"/>
-              <a:defRPr sz="1400" b="0" i="0" u="none" strike="noStrike" cap="none">
-                <a:solidFill>
-                  <a:schemeClr val="dk2"/>
-                </a:solidFill>
-                <a:latin typeface="Fira Code"/>
-                <a:ea typeface="Fira Code"/>
-                <a:cs typeface="Fira Code"/>
-                <a:sym typeface="Fira Code"/>
-              </a:defRPr>
-            </a:lvl5pPr>
-            <a:lvl6pPr marL="2743200" marR="0" lvl="5" indent="-317500" algn="l" rtl="0">
-              <a:lnSpc>
-                <a:spcPct val="100000"/>
-              </a:lnSpc>
-              <a:spcBef>
-                <a:spcPts val="0"/>
-              </a:spcBef>
-              <a:spcAft>
-                <a:spcPts val="0"/>
-              </a:spcAft>
-              <a:buClr>
-                <a:schemeClr val="dk2"/>
-              </a:buClr>
-              <a:buSzPts val="1400"/>
-              <a:buFont typeface="Fira Code"/>
-              <a:buChar char="■"/>
-              <a:defRPr sz="1400" b="0" i="0" u="none" strike="noStrike" cap="none">
-                <a:solidFill>
-                  <a:schemeClr val="dk2"/>
-                </a:solidFill>
-                <a:latin typeface="Fira Code"/>
-                <a:ea typeface="Fira Code"/>
-                <a:cs typeface="Fira Code"/>
-                <a:sym typeface="Fira Code"/>
-              </a:defRPr>
-            </a:lvl6pPr>
-            <a:lvl7pPr marL="3200400" marR="0" lvl="6" indent="-317500" algn="l" rtl="0">
-              <a:lnSpc>
-                <a:spcPct val="100000"/>
-              </a:lnSpc>
-              <a:spcBef>
-                <a:spcPts val="0"/>
-              </a:spcBef>
-              <a:spcAft>
-                <a:spcPts val="0"/>
-              </a:spcAft>
-              <a:buClr>
-                <a:schemeClr val="dk2"/>
-              </a:buClr>
-              <a:buSzPts val="1400"/>
-              <a:buFont typeface="Fira Code"/>
-              <a:buChar char="●"/>
-              <a:defRPr sz="1400" b="0" i="0" u="none" strike="noStrike" cap="none">
-                <a:solidFill>
-                  <a:schemeClr val="dk2"/>
-                </a:solidFill>
-                <a:latin typeface="Fira Code"/>
-                <a:ea typeface="Fira Code"/>
-                <a:cs typeface="Fira Code"/>
-                <a:sym typeface="Fira Code"/>
-              </a:defRPr>
-            </a:lvl7pPr>
-            <a:lvl8pPr marL="3657600" marR="0" lvl="7" indent="-317500" algn="l" rtl="0">
-              <a:lnSpc>
-                <a:spcPct val="100000"/>
-              </a:lnSpc>
-              <a:spcBef>
-                <a:spcPts val="0"/>
-              </a:spcBef>
-              <a:spcAft>
-                <a:spcPts val="0"/>
-              </a:spcAft>
-              <a:buClr>
-                <a:schemeClr val="dk2"/>
-              </a:buClr>
-              <a:buSzPts val="1400"/>
-              <a:buFont typeface="Fira Code"/>
-              <a:buChar char="○"/>
-              <a:defRPr sz="1400" b="0" i="0" u="none" strike="noStrike" cap="none">
-                <a:solidFill>
-                  <a:schemeClr val="dk2"/>
-                </a:solidFill>
-                <a:latin typeface="Fira Code"/>
-                <a:ea typeface="Fira Code"/>
-                <a:cs typeface="Fira Code"/>
-                <a:sym typeface="Fira Code"/>
-              </a:defRPr>
-            </a:lvl8pPr>
-            <a:lvl9pPr marL="4114800" marR="0" lvl="8" indent="-317500" algn="l" rtl="0">
-              <a:lnSpc>
-                <a:spcPct val="100000"/>
-              </a:lnSpc>
-              <a:spcBef>
-                <a:spcPts val="0"/>
-              </a:spcBef>
-              <a:spcAft>
-                <a:spcPts val="0"/>
-              </a:spcAft>
-              <a:buClr>
-                <a:schemeClr val="dk2"/>
-              </a:buClr>
-              <a:buSzPts val="1400"/>
-              <a:buFont typeface="Fira Code"/>
-              <a:buChar char="■"/>
-              <a:defRPr sz="1400" b="0" i="0" u="none" strike="noStrike" cap="none">
-                <a:solidFill>
-                  <a:schemeClr val="dk2"/>
-                </a:solidFill>
-                <a:latin typeface="Fira Code"/>
-                <a:ea typeface="Fira Code"/>
-                <a:cs typeface="Fira Code"/>
-                <a:sym typeface="Fira Code"/>
-              </a:defRPr>
-            </a:lvl9pPr>
-          </a:lstStyle>
-          <a:p>
-            <a:pPr marL="0" indent="0" algn="ctr">
-              <a:buFont typeface="Fira Code"/>
-              <a:buNone/>
-            </a:pPr>
-            <a:r>
-              <a:rPr lang="en-US">
-                <a:solidFill>
-                  <a:schemeClr val="accent3"/>
-                </a:solidFill>
-              </a:rPr>
-              <a:t>Kaggle Competition - </a:t>
-            </a:r>
-            <a:r>
-              <a:rPr lang="en-US" b="1">
-                <a:solidFill>
-                  <a:srgbClr val="FFFFFF"/>
-                </a:solidFill>
-                <a:latin typeface="zeitung"/>
-              </a:rPr>
-              <a:t>Feature Imputation with a Heat Flux Dataset</a:t>
-            </a:r>
-          </a:p>
-          <a:p>
-            <a:pPr marL="0" indent="0" algn="ctr">
-              <a:buFont typeface="Fira Code"/>
-              <a:buNone/>
-            </a:pPr>
-            <a:endParaRPr lang="en-US" dirty="0">
-              <a:solidFill>
-                <a:schemeClr val="accent3"/>
-              </a:solidFill>
-            </a:endParaRPr>
-          </a:p>
-        </p:txBody>
-      </p:sp>
-    </p:spTree>
-    <p:extLst>
-      <p:ext uri="{BB962C8B-B14F-4D97-AF65-F5344CB8AC3E}">
-        <p14:creationId xmlns:p14="http://schemas.microsoft.com/office/powerpoint/2010/main" val="574598339"/>
-      </p:ext>
-    </p:extLst>
-  </p:cSld>
-  <p:clrMapOvr>
-    <a:masterClrMapping/>
-  </p:clrMapOvr>
-</p:sld>
-</file>
-
-<file path=ppt/slides/slide7.xml><?xml version="1.0" encoding="utf-8"?>
-<p:sld xmlns:a="http://schemas.openxmlformats.org/drawingml/2006/main" xmlns:r="http://schemas.openxmlformats.org/officeDocument/2006/relationships" xmlns:p="http://schemas.openxmlformats.org/presentationml/2006/main">
-  <p:cSld>
-    <p:spTree>
-      <p:nvGrpSpPr>
-        <p:cNvPr id="1" name="Shape 479"/>
-        <p:cNvGrpSpPr/>
-        <p:nvPr/>
-      </p:nvGrpSpPr>
-      <p:grpSpPr>
-        <a:xfrm>
-          <a:off x="0" y="0"/>
-          <a:ext cx="0" cy="0"/>
-          <a:chOff x="0" y="0"/>
-          <a:chExt cx="0" cy="0"/>
-        </a:xfrm>
-      </p:grpSpPr>
-      <p:sp>
-        <p:nvSpPr>
-          <p:cNvPr id="489" name="Google Shape;489;p29"/>
-          <p:cNvSpPr txBox="1">
-            <a:spLocks noGrp="1"/>
-          </p:cNvSpPr>
-          <p:nvPr>
-            <p:ph type="title" idx="9"/>
-          </p:nvPr>
-        </p:nvSpPr>
-        <p:spPr>
-          <a:xfrm>
-            <a:off x="1143250" y="582700"/>
-            <a:ext cx="7290600" cy="541200"/>
-          </a:xfrm>
-          <a:prstGeom prst="rect">
-            <a:avLst/>
-          </a:prstGeom>
-        </p:spPr>
-        <p:txBody>
-          <a:bodyPr spcFirstLastPara="1" wrap="square" lIns="91425" tIns="91425" rIns="91425" bIns="91425" anchor="t" anchorCtr="0">
-            <a:noAutofit/>
-          </a:bodyPr>
-          <a:lstStyle/>
-          <a:p>
-            <a:pPr marL="0" lvl="0" indent="0" algn="l" rtl="0">
-              <a:spcBef>
-                <a:spcPts val="0"/>
-              </a:spcBef>
-              <a:spcAft>
-                <a:spcPts val="0"/>
-              </a:spcAft>
-              <a:buNone/>
-            </a:pPr>
-            <a:r>
               <a:rPr lang="es-ES" dirty="0"/>
               <a:t>p</a:t>
             </a:r>
             <a:r>
               <a:rPr lang="en" dirty="0"/>
-              <a:t>rint(primeros_Modelos)</a:t>
+              <a:t>rint(Primeros_Modelos)</a:t>
             </a:r>
             <a:endParaRPr dirty="0">
               <a:solidFill>
@@ -17851,8 +20507,8 @@
         </p:nvSpPr>
         <p:spPr>
           <a:xfrm>
-            <a:off x="6338521" y="1395279"/>
-            <a:ext cx="2468595" cy="1739807"/>
+            <a:off x="6338521" y="1395280"/>
+            <a:ext cx="2468595" cy="768256"/>
           </a:xfrm>
           <a:prstGeom prst="rect">
             <a:avLst/>
@@ -17883,72 +20539,6 @@
           <a:p>
             <a:pPr algn="ctr"/>
             <a:endParaRPr lang="es-ES" dirty="0"/>
-          </a:p>
-        </p:txBody>
-      </p:sp>
-      <p:sp>
-        <p:nvSpPr>
-          <p:cNvPr id="6" name="CuadroTexto 5">
-            <a:extLst>
-              <a:ext uri="{FF2B5EF4-FFF2-40B4-BE49-F238E27FC236}">
-                <a16:creationId xmlns:a16="http://schemas.microsoft.com/office/drawing/2014/main" id="{37E05A0F-129E-CE92-DFF2-A3A92FC31115}"/>
-              </a:ext>
-            </a:extLst>
-          </p:cNvPr>
-          <p:cNvSpPr txBox="1"/>
-          <p:nvPr/>
-        </p:nvSpPr>
-        <p:spPr>
-          <a:xfrm>
-            <a:off x="6509761" y="1536361"/>
-            <a:ext cx="2052027" cy="1384995"/>
-          </a:xfrm>
-          <a:prstGeom prst="rect">
-            <a:avLst/>
-          </a:prstGeom>
-          <a:noFill/>
-        </p:spPr>
-        <p:txBody>
-          <a:bodyPr wrap="square" rtlCol="0">
-            <a:spAutoFit/>
-          </a:bodyPr>
-          <a:lstStyle/>
-          <a:p>
-            <a:r>
-              <a:rPr lang="es-ES" b="1" u="sng" dirty="0"/>
-              <a:t>Datos:</a:t>
-            </a:r>
-          </a:p>
-          <a:p>
-            <a:endParaRPr lang="es-ES" dirty="0"/>
-          </a:p>
-          <a:p>
-            <a:r>
-              <a:rPr lang="es-ES" dirty="0"/>
-              <a:t>-Encontrando otras relaciones del </a:t>
-            </a:r>
-            <a:r>
-              <a:rPr lang="es-ES" dirty="0" err="1"/>
-              <a:t>Dataset</a:t>
-            </a:r>
-            <a:r>
-              <a:rPr lang="es-ES" dirty="0"/>
-              <a:t> Original</a:t>
-            </a:r>
-          </a:p>
-          <a:p>
-            <a:r>
-              <a:rPr lang="es-ES" dirty="0"/>
-              <a:t>(no </a:t>
-            </a:r>
-            <a:r>
-              <a:rPr lang="es-ES" b="1" u="sng" dirty="0" err="1"/>
-              <a:t>Chf_exp</a:t>
-            </a:r>
-            <a:r>
-              <a:rPr lang="es-ES" b="1" u="sng" dirty="0"/>
-              <a:t> [MW/m2])</a:t>
-            </a:r>
           </a:p>
         </p:txBody>
       </p:sp>
@@ -18565,10 +21155,1028 @@
           </a:p>
         </p:txBody>
       </p:sp>
+      <p:sp>
+        <p:nvSpPr>
+          <p:cNvPr id="3" name="CuadroTexto 2">
+            <a:extLst>
+              <a:ext uri="{FF2B5EF4-FFF2-40B4-BE49-F238E27FC236}">
+                <a16:creationId xmlns:a16="http://schemas.microsoft.com/office/drawing/2014/main" id="{92CC6A6C-3471-CC05-2FB6-B9CC6616FEE7}"/>
+              </a:ext>
+            </a:extLst>
+          </p:cNvPr>
+          <p:cNvSpPr txBox="1"/>
+          <p:nvPr/>
+        </p:nvSpPr>
+        <p:spPr>
+          <a:xfrm>
+            <a:off x="6546804" y="1639279"/>
+            <a:ext cx="2052027" cy="307777"/>
+          </a:xfrm>
+          <a:prstGeom prst="rect">
+            <a:avLst/>
+          </a:prstGeom>
+          <a:noFill/>
+        </p:spPr>
+        <p:txBody>
+          <a:bodyPr wrap="square" rtlCol="0">
+            <a:spAutoFit/>
+          </a:bodyPr>
+          <a:lstStyle/>
+          <a:p>
+            <a:r>
+              <a:rPr lang="es-ES" b="1" dirty="0" err="1">
+                <a:solidFill>
+                  <a:schemeClr val="tx1"/>
+                </a:solidFill>
+                <a:effectLst/>
+                <a:latin typeface="Consolas" panose="020B0609020204030204" pitchFamily="49" charset="0"/>
+              </a:rPr>
+              <a:t>GridSearchCV</a:t>
+            </a:r>
+            <a:endParaRPr lang="es-ES" b="1" dirty="0">
+              <a:solidFill>
+                <a:schemeClr val="tx1"/>
+              </a:solidFill>
+              <a:effectLst/>
+              <a:latin typeface="Consolas" panose="020B0609020204030204" pitchFamily="49" charset="0"/>
+            </a:endParaRPr>
+          </a:p>
+        </p:txBody>
+      </p:sp>
+      <p:sp>
+        <p:nvSpPr>
+          <p:cNvPr id="4" name="Rectángulo 3">
+            <a:extLst>
+              <a:ext uri="{FF2B5EF4-FFF2-40B4-BE49-F238E27FC236}">
+                <a16:creationId xmlns:a16="http://schemas.microsoft.com/office/drawing/2014/main" id="{F421A211-2563-318A-A963-81504EF5CBB1}"/>
+              </a:ext>
+            </a:extLst>
+          </p:cNvPr>
+          <p:cNvSpPr/>
+          <p:nvPr/>
+        </p:nvSpPr>
+        <p:spPr>
+          <a:xfrm>
+            <a:off x="6338519" y="2366449"/>
+            <a:ext cx="2468595" cy="1827910"/>
+          </a:xfrm>
+          <a:prstGeom prst="rect">
+            <a:avLst/>
+          </a:prstGeom>
+          <a:ln>
+            <a:noFill/>
+          </a:ln>
+        </p:spPr>
+        <p:style>
+          <a:lnRef idx="2">
+            <a:schemeClr val="accent6">
+              <a:shade val="50000"/>
+            </a:schemeClr>
+          </a:lnRef>
+          <a:fillRef idx="1">
+            <a:schemeClr val="accent6"/>
+          </a:fillRef>
+          <a:effectRef idx="0">
+            <a:schemeClr val="accent6"/>
+          </a:effectRef>
+          <a:fontRef idx="minor">
+            <a:schemeClr val="lt1"/>
+          </a:fontRef>
+        </p:style>
+        <p:txBody>
+          <a:bodyPr rtlCol="0" anchor="ctr"/>
+          <a:lstStyle/>
+          <a:p>
+            <a:pPr algn="ctr"/>
+            <a:endParaRPr lang="es-ES" dirty="0"/>
+          </a:p>
+        </p:txBody>
+      </p:sp>
+      <p:sp>
+        <p:nvSpPr>
+          <p:cNvPr id="7" name="CuadroTexto 6">
+            <a:extLst>
+              <a:ext uri="{FF2B5EF4-FFF2-40B4-BE49-F238E27FC236}">
+                <a16:creationId xmlns:a16="http://schemas.microsoft.com/office/drawing/2014/main" id="{53926988-517B-8B89-B842-ECD2B73AC85E}"/>
+              </a:ext>
+            </a:extLst>
+          </p:cNvPr>
+          <p:cNvSpPr txBox="1"/>
+          <p:nvPr/>
+        </p:nvSpPr>
+        <p:spPr>
+          <a:xfrm>
+            <a:off x="6546804" y="2534097"/>
+            <a:ext cx="2052027" cy="1384995"/>
+          </a:xfrm>
+          <a:prstGeom prst="rect">
+            <a:avLst/>
+          </a:prstGeom>
+          <a:noFill/>
+        </p:spPr>
+        <p:txBody>
+          <a:bodyPr wrap="square" rtlCol="0">
+            <a:spAutoFit/>
+          </a:bodyPr>
+          <a:lstStyle/>
+          <a:p>
+            <a:r>
+              <a:rPr lang="es-ES" b="1" dirty="0">
+                <a:solidFill>
+                  <a:schemeClr val="tx1"/>
+                </a:solidFill>
+                <a:effectLst/>
+                <a:latin typeface="Consolas" panose="020B0609020204030204" pitchFamily="49" charset="0"/>
+              </a:rPr>
+              <a:t>Nulos:</a:t>
+            </a:r>
+          </a:p>
+          <a:p>
+            <a:endParaRPr lang="es-ES" b="1" dirty="0">
+              <a:solidFill>
+                <a:schemeClr val="tx1"/>
+              </a:solidFill>
+              <a:latin typeface="Consolas" panose="020B0609020204030204" pitchFamily="49" charset="0"/>
+            </a:endParaRPr>
+          </a:p>
+          <a:p>
+            <a:r>
+              <a:rPr lang="es-ES" b="1" dirty="0">
+                <a:solidFill>
+                  <a:schemeClr val="tx1"/>
+                </a:solidFill>
+                <a:effectLst/>
+                <a:latin typeface="Consolas" panose="020B0609020204030204" pitchFamily="49" charset="0"/>
+              </a:rPr>
+              <a:t>Comparación con tabla de la fuente del </a:t>
+            </a:r>
+            <a:r>
+              <a:rPr lang="es-ES" b="1" dirty="0" err="1">
+                <a:solidFill>
+                  <a:schemeClr val="tx1"/>
+                </a:solidFill>
+                <a:effectLst/>
+                <a:latin typeface="Consolas" panose="020B0609020204030204" pitchFamily="49" charset="0"/>
+              </a:rPr>
+              <a:t>Dataset</a:t>
+            </a:r>
+            <a:r>
+              <a:rPr lang="es-ES" b="1" dirty="0">
+                <a:solidFill>
+                  <a:schemeClr val="tx1"/>
+                </a:solidFill>
+                <a:effectLst/>
+                <a:latin typeface="Consolas" panose="020B0609020204030204" pitchFamily="49" charset="0"/>
+              </a:rPr>
+              <a:t> original</a:t>
+            </a:r>
+          </a:p>
+        </p:txBody>
+      </p:sp>
     </p:spTree>
     <p:extLst>
       <p:ext uri="{BB962C8B-B14F-4D97-AF65-F5344CB8AC3E}">
         <p14:creationId xmlns:p14="http://schemas.microsoft.com/office/powerpoint/2010/main" val="3045693123"/>
+      </p:ext>
+    </p:extLst>
+  </p:cSld>
+  <p:clrMapOvr>
+    <a:masterClrMapping/>
+  </p:clrMapOvr>
+</p:sld>
+</file>
+
+<file path=ppt/slides/slide7.xml><?xml version="1.0" encoding="utf-8"?>
+<p:sld xmlns:a="http://schemas.openxmlformats.org/drawingml/2006/main" xmlns:r="http://schemas.openxmlformats.org/officeDocument/2006/relationships" xmlns:p="http://schemas.openxmlformats.org/presentationml/2006/main">
+  <p:cSld>
+    <p:spTree>
+      <p:nvGrpSpPr>
+        <p:cNvPr id="1" name="Shape 479"/>
+        <p:cNvGrpSpPr/>
+        <p:nvPr/>
+      </p:nvGrpSpPr>
+      <p:grpSpPr>
+        <a:xfrm>
+          <a:off x="0" y="0"/>
+          <a:ext cx="0" cy="0"/>
+          <a:chOff x="0" y="0"/>
+          <a:chExt cx="0" cy="0"/>
+        </a:xfrm>
+      </p:grpSpPr>
+      <p:sp>
+        <p:nvSpPr>
+          <p:cNvPr id="489" name="Google Shape;489;p29"/>
+          <p:cNvSpPr txBox="1">
+            <a:spLocks noGrp="1"/>
+          </p:cNvSpPr>
+          <p:nvPr>
+            <p:ph type="title" idx="9"/>
+          </p:nvPr>
+        </p:nvSpPr>
+        <p:spPr>
+          <a:xfrm>
+            <a:off x="1143250" y="582700"/>
+            <a:ext cx="7290600" cy="541200"/>
+          </a:xfrm>
+          <a:prstGeom prst="rect">
+            <a:avLst/>
+          </a:prstGeom>
+        </p:spPr>
+        <p:txBody>
+          <a:bodyPr spcFirstLastPara="1" wrap="square" lIns="91425" tIns="91425" rIns="91425" bIns="91425" anchor="t" anchorCtr="0">
+            <a:noAutofit/>
+          </a:bodyPr>
+          <a:lstStyle/>
+          <a:p>
+            <a:pPr marL="0" lvl="0" indent="0" algn="l" rtl="0">
+              <a:spcBef>
+                <a:spcPts val="0"/>
+              </a:spcBef>
+              <a:spcAft>
+                <a:spcPts val="0"/>
+              </a:spcAft>
+              <a:buNone/>
+            </a:pPr>
+            <a:r>
+              <a:rPr lang="en" dirty="0"/>
+              <a:t>print(Dataset_Generado.isnull())</a:t>
+            </a:r>
+            <a:endParaRPr dirty="0">
+              <a:solidFill>
+                <a:schemeClr val="accent6"/>
+              </a:solidFill>
+            </a:endParaRPr>
+          </a:p>
+        </p:txBody>
+      </p:sp>
+      <p:pic>
+        <p:nvPicPr>
+          <p:cNvPr id="5" name="Imagen 4" descr="Gráfico, Gráfico de barras&#10;&#10;Descripción generada automáticamente">
+            <a:extLst>
+              <a:ext uri="{FF2B5EF4-FFF2-40B4-BE49-F238E27FC236}">
+                <a16:creationId xmlns:a16="http://schemas.microsoft.com/office/drawing/2014/main" id="{FA8925B1-2650-AA82-CD86-D7CF4F77B227}"/>
+              </a:ext>
+            </a:extLst>
+          </p:cNvPr>
+          <p:cNvPicPr>
+            <a:picLocks noChangeAspect="1"/>
+          </p:cNvPicPr>
+          <p:nvPr/>
+        </p:nvPicPr>
+        <p:blipFill>
+          <a:blip r:embed="rId3"/>
+          <a:stretch>
+            <a:fillRect/>
+          </a:stretch>
+        </p:blipFill>
+        <p:spPr>
+          <a:xfrm>
+            <a:off x="1273684" y="1175657"/>
+            <a:ext cx="4400184" cy="3254514"/>
+          </a:xfrm>
+          <a:prstGeom prst="rect">
+            <a:avLst/>
+          </a:prstGeom>
+        </p:spPr>
+      </p:pic>
+      <p:sp>
+        <p:nvSpPr>
+          <p:cNvPr id="11" name="Rectángulo 10">
+            <a:extLst>
+              <a:ext uri="{FF2B5EF4-FFF2-40B4-BE49-F238E27FC236}">
+                <a16:creationId xmlns:a16="http://schemas.microsoft.com/office/drawing/2014/main" id="{179436DF-DC9F-69E1-C221-0D4571C370C9}"/>
+              </a:ext>
+            </a:extLst>
+          </p:cNvPr>
+          <p:cNvSpPr/>
+          <p:nvPr/>
+        </p:nvSpPr>
+        <p:spPr>
+          <a:xfrm>
+            <a:off x="5877884" y="1175656"/>
+            <a:ext cx="2688600" cy="2172561"/>
+          </a:xfrm>
+          <a:prstGeom prst="rect">
+            <a:avLst/>
+          </a:prstGeom>
+          <a:ln>
+            <a:noFill/>
+          </a:ln>
+        </p:spPr>
+        <p:style>
+          <a:lnRef idx="2">
+            <a:schemeClr val="accent6">
+              <a:shade val="50000"/>
+            </a:schemeClr>
+          </a:lnRef>
+          <a:fillRef idx="1">
+            <a:schemeClr val="accent6"/>
+          </a:fillRef>
+          <a:effectRef idx="0">
+            <a:schemeClr val="accent6"/>
+          </a:effectRef>
+          <a:fontRef idx="minor">
+            <a:schemeClr val="lt1"/>
+          </a:fontRef>
+        </p:style>
+        <p:txBody>
+          <a:bodyPr rtlCol="0" anchor="ctr"/>
+          <a:lstStyle/>
+          <a:p>
+            <a:pPr algn="ctr"/>
+            <a:endParaRPr lang="es-ES" dirty="0"/>
+          </a:p>
+        </p:txBody>
+      </p:sp>
+      <p:sp>
+        <p:nvSpPr>
+          <p:cNvPr id="12" name="CuadroTexto 11">
+            <a:extLst>
+              <a:ext uri="{FF2B5EF4-FFF2-40B4-BE49-F238E27FC236}">
+                <a16:creationId xmlns:a16="http://schemas.microsoft.com/office/drawing/2014/main" id="{7C59292F-2C6C-E1E5-D629-8DDC67053012}"/>
+              </a:ext>
+            </a:extLst>
+          </p:cNvPr>
+          <p:cNvSpPr txBox="1"/>
+          <p:nvPr/>
+        </p:nvSpPr>
+        <p:spPr>
+          <a:xfrm>
+            <a:off x="6049124" y="1316738"/>
+            <a:ext cx="2234907" cy="1815882"/>
+          </a:xfrm>
+          <a:prstGeom prst="rect">
+            <a:avLst/>
+          </a:prstGeom>
+          <a:noFill/>
+        </p:spPr>
+        <p:txBody>
+          <a:bodyPr wrap="none" rtlCol="0">
+            <a:spAutoFit/>
+          </a:bodyPr>
+          <a:lstStyle/>
+          <a:p>
+            <a:r>
+              <a:rPr lang="es-ES" b="1" u="sng" dirty="0" err="1"/>
+              <a:t>Chf_exp</a:t>
+            </a:r>
+            <a:r>
+              <a:rPr lang="es-ES" b="1" u="sng" dirty="0"/>
+              <a:t> [MW/m2]:</a:t>
+            </a:r>
+          </a:p>
+          <a:p>
+            <a:endParaRPr lang="es-ES" dirty="0"/>
+          </a:p>
+          <a:p>
+            <a:r>
+              <a:rPr lang="es-ES" dirty="0"/>
+              <a:t>-Sin nulos</a:t>
+            </a:r>
+          </a:p>
+          <a:p>
+            <a:endParaRPr lang="es-ES" dirty="0"/>
+          </a:p>
+          <a:p>
+            <a:r>
+              <a:rPr lang="es-ES" dirty="0"/>
+              <a:t>-Exactamente los mismos</a:t>
+            </a:r>
+          </a:p>
+          <a:p>
+            <a:r>
+              <a:rPr lang="es-ES" dirty="0"/>
+              <a:t>números que el original</a:t>
+            </a:r>
+          </a:p>
+          <a:p>
+            <a:endParaRPr lang="es-ES" dirty="0"/>
+          </a:p>
+          <a:p>
+            <a:r>
+              <a:rPr lang="es-ES" dirty="0"/>
+              <a:t>-Relación con variables</a:t>
+            </a:r>
+          </a:p>
+        </p:txBody>
+      </p:sp>
+      <p:sp>
+        <p:nvSpPr>
+          <p:cNvPr id="19" name="Google Shape;474;p28">
+            <a:extLst>
+              <a:ext uri="{FF2B5EF4-FFF2-40B4-BE49-F238E27FC236}">
+                <a16:creationId xmlns:a16="http://schemas.microsoft.com/office/drawing/2014/main" id="{034156CB-88CA-6648-382B-E2AA6C64C3E1}"/>
+              </a:ext>
+            </a:extLst>
+          </p:cNvPr>
+          <p:cNvSpPr txBox="1">
+            <a:spLocks/>
+          </p:cNvSpPr>
+          <p:nvPr/>
+        </p:nvSpPr>
+        <p:spPr>
+          <a:xfrm>
+            <a:off x="-5975" y="91525"/>
+            <a:ext cx="4572000" cy="357300"/>
+          </a:xfrm>
+          <a:prstGeom prst="rect">
+            <a:avLst/>
+          </a:prstGeom>
+          <a:noFill/>
+          <a:ln>
+            <a:noFill/>
+          </a:ln>
+        </p:spPr>
+        <p:txBody>
+          <a:bodyPr spcFirstLastPara="1" wrap="square" lIns="91425" tIns="91425" rIns="91425" bIns="91425" anchor="ctr" anchorCtr="0">
+            <a:noAutofit/>
+          </a:bodyPr>
+          <a:lstStyle>
+            <a:defPPr marR="0" lvl="0" algn="l" rtl="0">
+              <a:lnSpc>
+                <a:spcPct val="100000"/>
+              </a:lnSpc>
+              <a:spcBef>
+                <a:spcPts val="0"/>
+              </a:spcBef>
+              <a:spcAft>
+                <a:spcPts val="0"/>
+              </a:spcAft>
+            </a:defPPr>
+            <a:lvl1pPr marL="457200" marR="0" lvl="0" indent="-317500" algn="l" rtl="0">
+              <a:lnSpc>
+                <a:spcPct val="100000"/>
+              </a:lnSpc>
+              <a:spcBef>
+                <a:spcPts val="0"/>
+              </a:spcBef>
+              <a:spcAft>
+                <a:spcPts val="0"/>
+              </a:spcAft>
+              <a:buClr>
+                <a:schemeClr val="dk2"/>
+              </a:buClr>
+              <a:buSzPts val="1400"/>
+              <a:buFont typeface="Fira Code"/>
+              <a:buChar char="●"/>
+              <a:defRPr sz="1400" b="0" i="0" u="none" strike="noStrike" cap="none">
+                <a:solidFill>
+                  <a:schemeClr val="dk2"/>
+                </a:solidFill>
+                <a:latin typeface="Fira Code"/>
+                <a:ea typeface="Fira Code"/>
+                <a:cs typeface="Fira Code"/>
+                <a:sym typeface="Fira Code"/>
+              </a:defRPr>
+            </a:lvl1pPr>
+            <a:lvl2pPr marL="914400" marR="0" lvl="1" indent="-317500" algn="l" rtl="0">
+              <a:lnSpc>
+                <a:spcPct val="100000"/>
+              </a:lnSpc>
+              <a:spcBef>
+                <a:spcPts val="0"/>
+              </a:spcBef>
+              <a:spcAft>
+                <a:spcPts val="0"/>
+              </a:spcAft>
+              <a:buClr>
+                <a:schemeClr val="dk2"/>
+              </a:buClr>
+              <a:buSzPts val="1400"/>
+              <a:buFont typeface="Fira Code"/>
+              <a:buChar char="○"/>
+              <a:defRPr sz="1400" b="0" i="0" u="none" strike="noStrike" cap="none">
+                <a:solidFill>
+                  <a:schemeClr val="dk2"/>
+                </a:solidFill>
+                <a:latin typeface="Fira Code"/>
+                <a:ea typeface="Fira Code"/>
+                <a:cs typeface="Fira Code"/>
+                <a:sym typeface="Fira Code"/>
+              </a:defRPr>
+            </a:lvl2pPr>
+            <a:lvl3pPr marL="1371600" marR="0" lvl="2" indent="-317500" algn="l" rtl="0">
+              <a:lnSpc>
+                <a:spcPct val="100000"/>
+              </a:lnSpc>
+              <a:spcBef>
+                <a:spcPts val="0"/>
+              </a:spcBef>
+              <a:spcAft>
+                <a:spcPts val="0"/>
+              </a:spcAft>
+              <a:buClr>
+                <a:schemeClr val="dk2"/>
+              </a:buClr>
+              <a:buSzPts val="1400"/>
+              <a:buFont typeface="Fira Code"/>
+              <a:buChar char="■"/>
+              <a:defRPr sz="1400" b="0" i="0" u="none" strike="noStrike" cap="none">
+                <a:solidFill>
+                  <a:schemeClr val="dk2"/>
+                </a:solidFill>
+                <a:latin typeface="Fira Code"/>
+                <a:ea typeface="Fira Code"/>
+                <a:cs typeface="Fira Code"/>
+                <a:sym typeface="Fira Code"/>
+              </a:defRPr>
+            </a:lvl3pPr>
+            <a:lvl4pPr marL="1828800" marR="0" lvl="3" indent="-317500" algn="l" rtl="0">
+              <a:lnSpc>
+                <a:spcPct val="100000"/>
+              </a:lnSpc>
+              <a:spcBef>
+                <a:spcPts val="0"/>
+              </a:spcBef>
+              <a:spcAft>
+                <a:spcPts val="0"/>
+              </a:spcAft>
+              <a:buClr>
+                <a:schemeClr val="dk2"/>
+              </a:buClr>
+              <a:buSzPts val="1400"/>
+              <a:buFont typeface="Fira Code"/>
+              <a:buChar char="●"/>
+              <a:defRPr sz="1400" b="0" i="0" u="none" strike="noStrike" cap="none">
+                <a:solidFill>
+                  <a:schemeClr val="dk2"/>
+                </a:solidFill>
+                <a:latin typeface="Fira Code"/>
+                <a:ea typeface="Fira Code"/>
+                <a:cs typeface="Fira Code"/>
+                <a:sym typeface="Fira Code"/>
+              </a:defRPr>
+            </a:lvl4pPr>
+            <a:lvl5pPr marL="2286000" marR="0" lvl="4" indent="-317500" algn="l" rtl="0">
+              <a:lnSpc>
+                <a:spcPct val="100000"/>
+              </a:lnSpc>
+              <a:spcBef>
+                <a:spcPts val="0"/>
+              </a:spcBef>
+              <a:spcAft>
+                <a:spcPts val="0"/>
+              </a:spcAft>
+              <a:buClr>
+                <a:schemeClr val="dk2"/>
+              </a:buClr>
+              <a:buSzPts val="1400"/>
+              <a:buFont typeface="Fira Code"/>
+              <a:buChar char="○"/>
+              <a:defRPr sz="1400" b="0" i="0" u="none" strike="noStrike" cap="none">
+                <a:solidFill>
+                  <a:schemeClr val="dk2"/>
+                </a:solidFill>
+                <a:latin typeface="Fira Code"/>
+                <a:ea typeface="Fira Code"/>
+                <a:cs typeface="Fira Code"/>
+                <a:sym typeface="Fira Code"/>
+              </a:defRPr>
+            </a:lvl5pPr>
+            <a:lvl6pPr marL="2743200" marR="0" lvl="5" indent="-317500" algn="l" rtl="0">
+              <a:lnSpc>
+                <a:spcPct val="100000"/>
+              </a:lnSpc>
+              <a:spcBef>
+                <a:spcPts val="0"/>
+              </a:spcBef>
+              <a:spcAft>
+                <a:spcPts val="0"/>
+              </a:spcAft>
+              <a:buClr>
+                <a:schemeClr val="dk2"/>
+              </a:buClr>
+              <a:buSzPts val="1400"/>
+              <a:buFont typeface="Fira Code"/>
+              <a:buChar char="■"/>
+              <a:defRPr sz="1400" b="0" i="0" u="none" strike="noStrike" cap="none">
+                <a:solidFill>
+                  <a:schemeClr val="dk2"/>
+                </a:solidFill>
+                <a:latin typeface="Fira Code"/>
+                <a:ea typeface="Fira Code"/>
+                <a:cs typeface="Fira Code"/>
+                <a:sym typeface="Fira Code"/>
+              </a:defRPr>
+            </a:lvl6pPr>
+            <a:lvl7pPr marL="3200400" marR="0" lvl="6" indent="-317500" algn="l" rtl="0">
+              <a:lnSpc>
+                <a:spcPct val="100000"/>
+              </a:lnSpc>
+              <a:spcBef>
+                <a:spcPts val="0"/>
+              </a:spcBef>
+              <a:spcAft>
+                <a:spcPts val="0"/>
+              </a:spcAft>
+              <a:buClr>
+                <a:schemeClr val="dk2"/>
+              </a:buClr>
+              <a:buSzPts val="1400"/>
+              <a:buFont typeface="Fira Code"/>
+              <a:buChar char="●"/>
+              <a:defRPr sz="1400" b="0" i="0" u="none" strike="noStrike" cap="none">
+                <a:solidFill>
+                  <a:schemeClr val="dk2"/>
+                </a:solidFill>
+                <a:latin typeface="Fira Code"/>
+                <a:ea typeface="Fira Code"/>
+                <a:cs typeface="Fira Code"/>
+                <a:sym typeface="Fira Code"/>
+              </a:defRPr>
+            </a:lvl7pPr>
+            <a:lvl8pPr marL="3657600" marR="0" lvl="7" indent="-317500" algn="l" rtl="0">
+              <a:lnSpc>
+                <a:spcPct val="100000"/>
+              </a:lnSpc>
+              <a:spcBef>
+                <a:spcPts val="0"/>
+              </a:spcBef>
+              <a:spcAft>
+                <a:spcPts val="0"/>
+              </a:spcAft>
+              <a:buClr>
+                <a:schemeClr val="dk2"/>
+              </a:buClr>
+              <a:buSzPts val="1400"/>
+              <a:buFont typeface="Fira Code"/>
+              <a:buChar char="○"/>
+              <a:defRPr sz="1400" b="0" i="0" u="none" strike="noStrike" cap="none">
+                <a:solidFill>
+                  <a:schemeClr val="dk2"/>
+                </a:solidFill>
+                <a:latin typeface="Fira Code"/>
+                <a:ea typeface="Fira Code"/>
+                <a:cs typeface="Fira Code"/>
+                <a:sym typeface="Fira Code"/>
+              </a:defRPr>
+            </a:lvl8pPr>
+            <a:lvl9pPr marL="4114800" marR="0" lvl="8" indent="-317500" algn="l" rtl="0">
+              <a:lnSpc>
+                <a:spcPct val="100000"/>
+              </a:lnSpc>
+              <a:spcBef>
+                <a:spcPts val="0"/>
+              </a:spcBef>
+              <a:spcAft>
+                <a:spcPts val="0"/>
+              </a:spcAft>
+              <a:buClr>
+                <a:schemeClr val="dk2"/>
+              </a:buClr>
+              <a:buSzPts val="1400"/>
+              <a:buFont typeface="Fira Code"/>
+              <a:buChar char="■"/>
+              <a:defRPr sz="1400" b="0" i="0" u="none" strike="noStrike" cap="none">
+                <a:solidFill>
+                  <a:schemeClr val="dk2"/>
+                </a:solidFill>
+                <a:latin typeface="Fira Code"/>
+                <a:ea typeface="Fira Code"/>
+                <a:cs typeface="Fira Code"/>
+                <a:sym typeface="Fira Code"/>
+              </a:defRPr>
+            </a:lvl9pPr>
+          </a:lstStyle>
+          <a:p>
+            <a:pPr marL="0" indent="0" algn="ctr">
+              <a:buFont typeface="Fira Code"/>
+              <a:buNone/>
+            </a:pPr>
+            <a:r>
+              <a:rPr lang="es-ES">
+                <a:solidFill>
+                  <a:schemeClr val="accent3"/>
+                </a:solidFill>
+              </a:rPr>
+              <a:t>Miguel Gil Jimenez</a:t>
+            </a:r>
+            <a:endParaRPr lang="es-ES" dirty="0">
+              <a:solidFill>
+                <a:schemeClr val="accent3"/>
+              </a:solidFill>
+            </a:endParaRPr>
+          </a:p>
+        </p:txBody>
+      </p:sp>
+      <p:sp>
+        <p:nvSpPr>
+          <p:cNvPr id="20" name="Google Shape;475;p28">
+            <a:extLst>
+              <a:ext uri="{FF2B5EF4-FFF2-40B4-BE49-F238E27FC236}">
+                <a16:creationId xmlns:a16="http://schemas.microsoft.com/office/drawing/2014/main" id="{3E080154-8E58-6E02-3421-FBFF4D121989}"/>
+              </a:ext>
+            </a:extLst>
+          </p:cNvPr>
+          <p:cNvSpPr txBox="1">
+            <a:spLocks/>
+          </p:cNvSpPr>
+          <p:nvPr/>
+        </p:nvSpPr>
+        <p:spPr>
+          <a:xfrm>
+            <a:off x="3238214" y="4781400"/>
+            <a:ext cx="5788908" cy="357300"/>
+          </a:xfrm>
+          <a:prstGeom prst="rect">
+            <a:avLst/>
+          </a:prstGeom>
+          <a:noFill/>
+          <a:ln>
+            <a:noFill/>
+          </a:ln>
+        </p:spPr>
+        <p:txBody>
+          <a:bodyPr spcFirstLastPara="1" wrap="square" lIns="91425" tIns="91425" rIns="91425" bIns="91425" anchor="ctr" anchorCtr="0">
+            <a:noAutofit/>
+          </a:bodyPr>
+          <a:lstStyle>
+            <a:defPPr marR="0" lvl="0" algn="l" rtl="0">
+              <a:lnSpc>
+                <a:spcPct val="100000"/>
+              </a:lnSpc>
+              <a:spcBef>
+                <a:spcPts val="0"/>
+              </a:spcBef>
+              <a:spcAft>
+                <a:spcPts val="0"/>
+              </a:spcAft>
+            </a:defPPr>
+            <a:lvl1pPr marL="457200" marR="0" lvl="0" indent="-317500" algn="l" rtl="0">
+              <a:lnSpc>
+                <a:spcPct val="100000"/>
+              </a:lnSpc>
+              <a:spcBef>
+                <a:spcPts val="0"/>
+              </a:spcBef>
+              <a:spcAft>
+                <a:spcPts val="0"/>
+              </a:spcAft>
+              <a:buClr>
+                <a:schemeClr val="dk2"/>
+              </a:buClr>
+              <a:buSzPts val="1400"/>
+              <a:buFont typeface="Fira Code"/>
+              <a:buChar char="●"/>
+              <a:defRPr sz="1400" b="0" i="0" u="none" strike="noStrike" cap="none">
+                <a:solidFill>
+                  <a:schemeClr val="dk2"/>
+                </a:solidFill>
+                <a:latin typeface="Fira Code"/>
+                <a:ea typeface="Fira Code"/>
+                <a:cs typeface="Fira Code"/>
+                <a:sym typeface="Fira Code"/>
+              </a:defRPr>
+            </a:lvl1pPr>
+            <a:lvl2pPr marL="914400" marR="0" lvl="1" indent="-317500" algn="l" rtl="0">
+              <a:lnSpc>
+                <a:spcPct val="100000"/>
+              </a:lnSpc>
+              <a:spcBef>
+                <a:spcPts val="0"/>
+              </a:spcBef>
+              <a:spcAft>
+                <a:spcPts val="0"/>
+              </a:spcAft>
+              <a:buClr>
+                <a:schemeClr val="dk2"/>
+              </a:buClr>
+              <a:buSzPts val="1400"/>
+              <a:buFont typeface="Fira Code"/>
+              <a:buChar char="○"/>
+              <a:defRPr sz="1400" b="0" i="0" u="none" strike="noStrike" cap="none">
+                <a:solidFill>
+                  <a:schemeClr val="dk2"/>
+                </a:solidFill>
+                <a:latin typeface="Fira Code"/>
+                <a:ea typeface="Fira Code"/>
+                <a:cs typeface="Fira Code"/>
+                <a:sym typeface="Fira Code"/>
+              </a:defRPr>
+            </a:lvl2pPr>
+            <a:lvl3pPr marL="1371600" marR="0" lvl="2" indent="-317500" algn="l" rtl="0">
+              <a:lnSpc>
+                <a:spcPct val="100000"/>
+              </a:lnSpc>
+              <a:spcBef>
+                <a:spcPts val="0"/>
+              </a:spcBef>
+              <a:spcAft>
+                <a:spcPts val="0"/>
+              </a:spcAft>
+              <a:buClr>
+                <a:schemeClr val="dk2"/>
+              </a:buClr>
+              <a:buSzPts val="1400"/>
+              <a:buFont typeface="Fira Code"/>
+              <a:buChar char="■"/>
+              <a:defRPr sz="1400" b="0" i="0" u="none" strike="noStrike" cap="none">
+                <a:solidFill>
+                  <a:schemeClr val="dk2"/>
+                </a:solidFill>
+                <a:latin typeface="Fira Code"/>
+                <a:ea typeface="Fira Code"/>
+                <a:cs typeface="Fira Code"/>
+                <a:sym typeface="Fira Code"/>
+              </a:defRPr>
+            </a:lvl3pPr>
+            <a:lvl4pPr marL="1828800" marR="0" lvl="3" indent="-317500" algn="l" rtl="0">
+              <a:lnSpc>
+                <a:spcPct val="100000"/>
+              </a:lnSpc>
+              <a:spcBef>
+                <a:spcPts val="0"/>
+              </a:spcBef>
+              <a:spcAft>
+                <a:spcPts val="0"/>
+              </a:spcAft>
+              <a:buClr>
+                <a:schemeClr val="dk2"/>
+              </a:buClr>
+              <a:buSzPts val="1400"/>
+              <a:buFont typeface="Fira Code"/>
+              <a:buChar char="●"/>
+              <a:defRPr sz="1400" b="0" i="0" u="none" strike="noStrike" cap="none">
+                <a:solidFill>
+                  <a:schemeClr val="dk2"/>
+                </a:solidFill>
+                <a:latin typeface="Fira Code"/>
+                <a:ea typeface="Fira Code"/>
+                <a:cs typeface="Fira Code"/>
+                <a:sym typeface="Fira Code"/>
+              </a:defRPr>
+            </a:lvl4pPr>
+            <a:lvl5pPr marL="2286000" marR="0" lvl="4" indent="-317500" algn="l" rtl="0">
+              <a:lnSpc>
+                <a:spcPct val="100000"/>
+              </a:lnSpc>
+              <a:spcBef>
+                <a:spcPts val="0"/>
+              </a:spcBef>
+              <a:spcAft>
+                <a:spcPts val="0"/>
+              </a:spcAft>
+              <a:buClr>
+                <a:schemeClr val="dk2"/>
+              </a:buClr>
+              <a:buSzPts val="1400"/>
+              <a:buFont typeface="Fira Code"/>
+              <a:buChar char="○"/>
+              <a:defRPr sz="1400" b="0" i="0" u="none" strike="noStrike" cap="none">
+                <a:solidFill>
+                  <a:schemeClr val="dk2"/>
+                </a:solidFill>
+                <a:latin typeface="Fira Code"/>
+                <a:ea typeface="Fira Code"/>
+                <a:cs typeface="Fira Code"/>
+                <a:sym typeface="Fira Code"/>
+              </a:defRPr>
+            </a:lvl5pPr>
+            <a:lvl6pPr marL="2743200" marR="0" lvl="5" indent="-317500" algn="l" rtl="0">
+              <a:lnSpc>
+                <a:spcPct val="100000"/>
+              </a:lnSpc>
+              <a:spcBef>
+                <a:spcPts val="0"/>
+              </a:spcBef>
+              <a:spcAft>
+                <a:spcPts val="0"/>
+              </a:spcAft>
+              <a:buClr>
+                <a:schemeClr val="dk2"/>
+              </a:buClr>
+              <a:buSzPts val="1400"/>
+              <a:buFont typeface="Fira Code"/>
+              <a:buChar char="■"/>
+              <a:defRPr sz="1400" b="0" i="0" u="none" strike="noStrike" cap="none">
+                <a:solidFill>
+                  <a:schemeClr val="dk2"/>
+                </a:solidFill>
+                <a:latin typeface="Fira Code"/>
+                <a:ea typeface="Fira Code"/>
+                <a:cs typeface="Fira Code"/>
+                <a:sym typeface="Fira Code"/>
+              </a:defRPr>
+            </a:lvl6pPr>
+            <a:lvl7pPr marL="3200400" marR="0" lvl="6" indent="-317500" algn="l" rtl="0">
+              <a:lnSpc>
+                <a:spcPct val="100000"/>
+              </a:lnSpc>
+              <a:spcBef>
+                <a:spcPts val="0"/>
+              </a:spcBef>
+              <a:spcAft>
+                <a:spcPts val="0"/>
+              </a:spcAft>
+              <a:buClr>
+                <a:schemeClr val="dk2"/>
+              </a:buClr>
+              <a:buSzPts val="1400"/>
+              <a:buFont typeface="Fira Code"/>
+              <a:buChar char="●"/>
+              <a:defRPr sz="1400" b="0" i="0" u="none" strike="noStrike" cap="none">
+                <a:solidFill>
+                  <a:schemeClr val="dk2"/>
+                </a:solidFill>
+                <a:latin typeface="Fira Code"/>
+                <a:ea typeface="Fira Code"/>
+                <a:cs typeface="Fira Code"/>
+                <a:sym typeface="Fira Code"/>
+              </a:defRPr>
+            </a:lvl7pPr>
+            <a:lvl8pPr marL="3657600" marR="0" lvl="7" indent="-317500" algn="l" rtl="0">
+              <a:lnSpc>
+                <a:spcPct val="100000"/>
+              </a:lnSpc>
+              <a:spcBef>
+                <a:spcPts val="0"/>
+              </a:spcBef>
+              <a:spcAft>
+                <a:spcPts val="0"/>
+              </a:spcAft>
+              <a:buClr>
+                <a:schemeClr val="dk2"/>
+              </a:buClr>
+              <a:buSzPts val="1400"/>
+              <a:buFont typeface="Fira Code"/>
+              <a:buChar char="○"/>
+              <a:defRPr sz="1400" b="0" i="0" u="none" strike="noStrike" cap="none">
+                <a:solidFill>
+                  <a:schemeClr val="dk2"/>
+                </a:solidFill>
+                <a:latin typeface="Fira Code"/>
+                <a:ea typeface="Fira Code"/>
+                <a:cs typeface="Fira Code"/>
+                <a:sym typeface="Fira Code"/>
+              </a:defRPr>
+            </a:lvl8pPr>
+            <a:lvl9pPr marL="4114800" marR="0" lvl="8" indent="-317500" algn="l" rtl="0">
+              <a:lnSpc>
+                <a:spcPct val="100000"/>
+              </a:lnSpc>
+              <a:spcBef>
+                <a:spcPts val="0"/>
+              </a:spcBef>
+              <a:spcAft>
+                <a:spcPts val="0"/>
+              </a:spcAft>
+              <a:buClr>
+                <a:schemeClr val="dk2"/>
+              </a:buClr>
+              <a:buSzPts val="1400"/>
+              <a:buFont typeface="Fira Code"/>
+              <a:buChar char="■"/>
+              <a:defRPr sz="1400" b="0" i="0" u="none" strike="noStrike" cap="none">
+                <a:solidFill>
+                  <a:schemeClr val="dk2"/>
+                </a:solidFill>
+                <a:latin typeface="Fira Code"/>
+                <a:ea typeface="Fira Code"/>
+                <a:cs typeface="Fira Code"/>
+                <a:sym typeface="Fira Code"/>
+              </a:defRPr>
+            </a:lvl9pPr>
+          </a:lstStyle>
+          <a:p>
+            <a:pPr marL="0" indent="0" algn="ctr">
+              <a:buFont typeface="Fira Code"/>
+              <a:buNone/>
+            </a:pPr>
+            <a:r>
+              <a:rPr lang="en-US">
+                <a:solidFill>
+                  <a:schemeClr val="accent3"/>
+                </a:solidFill>
+              </a:rPr>
+              <a:t>Kaggle Competition - </a:t>
+            </a:r>
+            <a:r>
+              <a:rPr lang="en-US" b="1">
+                <a:solidFill>
+                  <a:srgbClr val="FFFFFF"/>
+                </a:solidFill>
+                <a:latin typeface="zeitung"/>
+              </a:rPr>
+              <a:t>Feature Imputation with a Heat Flux Dataset</a:t>
+            </a:r>
+          </a:p>
+          <a:p>
+            <a:pPr marL="0" indent="0" algn="ctr">
+              <a:buFont typeface="Fira Code"/>
+              <a:buNone/>
+            </a:pPr>
+            <a:endParaRPr lang="en-US" dirty="0">
+              <a:solidFill>
+                <a:schemeClr val="accent3"/>
+              </a:solidFill>
+            </a:endParaRPr>
+          </a:p>
+        </p:txBody>
+      </p:sp>
+    </p:spTree>
+    <p:extLst>
+      <p:ext uri="{BB962C8B-B14F-4D97-AF65-F5344CB8AC3E}">
+        <p14:creationId xmlns:p14="http://schemas.microsoft.com/office/powerpoint/2010/main" val="388216512"/>
       </p:ext>
     </p:extLst>
   </p:cSld>
@@ -18630,12 +22238,8 @@
               <a:buNone/>
             </a:pPr>
             <a:r>
-              <a:rPr lang="es-ES" dirty="0"/>
-              <a:t>p</a:t>
-            </a:r>
-            <a:r>
               <a:rPr lang="en" dirty="0"/>
-              <a:t>rint(mejores_Modelos)</a:t>
+              <a:t>print(¿Cómo abordar los Nulos?)</a:t>
             </a:r>
             <a:endParaRPr dirty="0">
               <a:solidFill>
@@ -18645,12 +22249,1507 @@
           </a:p>
         </p:txBody>
       </p:sp>
+      <p:pic>
+        <p:nvPicPr>
+          <p:cNvPr id="3" name="Imagen 2" descr="Tabla&#10;&#10;Descripción generada automáticamente">
+            <a:extLst>
+              <a:ext uri="{FF2B5EF4-FFF2-40B4-BE49-F238E27FC236}">
+                <a16:creationId xmlns:a16="http://schemas.microsoft.com/office/drawing/2014/main" id="{AB908028-B283-BAC0-E1F5-548DDFD4F339}"/>
+              </a:ext>
+            </a:extLst>
+          </p:cNvPr>
+          <p:cNvPicPr>
+            <a:picLocks noChangeAspect="1"/>
+          </p:cNvPicPr>
+          <p:nvPr/>
+        </p:nvPicPr>
+        <p:blipFill>
+          <a:blip r:embed="rId3"/>
+          <a:stretch>
+            <a:fillRect/>
+          </a:stretch>
+        </p:blipFill>
+        <p:spPr>
+          <a:xfrm>
+            <a:off x="1270682" y="1154648"/>
+            <a:ext cx="7163168" cy="3143412"/>
+          </a:xfrm>
+          <a:prstGeom prst="rect">
+            <a:avLst/>
+          </a:prstGeom>
+        </p:spPr>
+      </p:pic>
+      <p:sp>
+        <p:nvSpPr>
+          <p:cNvPr id="4" name="Rectángulo 3">
+            <a:extLst>
+              <a:ext uri="{FF2B5EF4-FFF2-40B4-BE49-F238E27FC236}">
+                <a16:creationId xmlns:a16="http://schemas.microsoft.com/office/drawing/2014/main" id="{46C88120-0602-7569-3E7A-1DBD8594AA47}"/>
+              </a:ext>
+            </a:extLst>
+          </p:cNvPr>
+          <p:cNvSpPr/>
+          <p:nvPr/>
+        </p:nvSpPr>
+        <p:spPr>
+          <a:xfrm>
+            <a:off x="1403316" y="2740104"/>
+            <a:ext cx="6420648" cy="195602"/>
+          </a:xfrm>
+          <a:prstGeom prst="rect">
+            <a:avLst/>
+          </a:prstGeom>
+          <a:noFill/>
+          <a:ln>
+            <a:solidFill>
+              <a:srgbClr val="FF0000"/>
+            </a:solidFill>
+          </a:ln>
+        </p:spPr>
+        <p:style>
+          <a:lnRef idx="2">
+            <a:schemeClr val="accent1">
+              <a:shade val="50000"/>
+            </a:schemeClr>
+          </a:lnRef>
+          <a:fillRef idx="1">
+            <a:schemeClr val="accent1"/>
+          </a:fillRef>
+          <a:effectRef idx="0">
+            <a:schemeClr val="accent1"/>
+          </a:effectRef>
+          <a:fontRef idx="minor">
+            <a:schemeClr val="lt1"/>
+          </a:fontRef>
+        </p:style>
+        <p:txBody>
+          <a:bodyPr rtlCol="0" anchor="ctr"/>
+          <a:lstStyle/>
+          <a:p>
+            <a:pPr algn="ctr"/>
+            <a:endParaRPr lang="es-ES"/>
+          </a:p>
+        </p:txBody>
+      </p:sp>
+      <p:sp>
+        <p:nvSpPr>
+          <p:cNvPr id="14" name="Google Shape;474;p28">
+            <a:extLst>
+              <a:ext uri="{FF2B5EF4-FFF2-40B4-BE49-F238E27FC236}">
+                <a16:creationId xmlns:a16="http://schemas.microsoft.com/office/drawing/2014/main" id="{DFFACB80-BD02-C6DD-BA03-D80F31B99F8A}"/>
+              </a:ext>
+            </a:extLst>
+          </p:cNvPr>
+          <p:cNvSpPr txBox="1">
+            <a:spLocks/>
+          </p:cNvSpPr>
+          <p:nvPr/>
+        </p:nvSpPr>
+        <p:spPr>
+          <a:xfrm>
+            <a:off x="-5975" y="91525"/>
+            <a:ext cx="4572000" cy="357300"/>
+          </a:xfrm>
+          <a:prstGeom prst="rect">
+            <a:avLst/>
+          </a:prstGeom>
+          <a:noFill/>
+          <a:ln>
+            <a:noFill/>
+          </a:ln>
+        </p:spPr>
+        <p:txBody>
+          <a:bodyPr spcFirstLastPara="1" wrap="square" lIns="91425" tIns="91425" rIns="91425" bIns="91425" anchor="ctr" anchorCtr="0">
+            <a:noAutofit/>
+          </a:bodyPr>
+          <a:lstStyle>
+            <a:defPPr marR="0" lvl="0" algn="l" rtl="0">
+              <a:lnSpc>
+                <a:spcPct val="100000"/>
+              </a:lnSpc>
+              <a:spcBef>
+                <a:spcPts val="0"/>
+              </a:spcBef>
+              <a:spcAft>
+                <a:spcPts val="0"/>
+              </a:spcAft>
+            </a:defPPr>
+            <a:lvl1pPr marL="457200" marR="0" lvl="0" indent="-317500" algn="l" rtl="0">
+              <a:lnSpc>
+                <a:spcPct val="100000"/>
+              </a:lnSpc>
+              <a:spcBef>
+                <a:spcPts val="0"/>
+              </a:spcBef>
+              <a:spcAft>
+                <a:spcPts val="0"/>
+              </a:spcAft>
+              <a:buClr>
+                <a:schemeClr val="dk2"/>
+              </a:buClr>
+              <a:buSzPts val="1400"/>
+              <a:buFont typeface="Fira Code"/>
+              <a:buChar char="●"/>
+              <a:defRPr sz="1400" b="0" i="0" u="none" strike="noStrike" cap="none">
+                <a:solidFill>
+                  <a:schemeClr val="dk2"/>
+                </a:solidFill>
+                <a:latin typeface="Fira Code"/>
+                <a:ea typeface="Fira Code"/>
+                <a:cs typeface="Fira Code"/>
+                <a:sym typeface="Fira Code"/>
+              </a:defRPr>
+            </a:lvl1pPr>
+            <a:lvl2pPr marL="914400" marR="0" lvl="1" indent="-317500" algn="l" rtl="0">
+              <a:lnSpc>
+                <a:spcPct val="100000"/>
+              </a:lnSpc>
+              <a:spcBef>
+                <a:spcPts val="0"/>
+              </a:spcBef>
+              <a:spcAft>
+                <a:spcPts val="0"/>
+              </a:spcAft>
+              <a:buClr>
+                <a:schemeClr val="dk2"/>
+              </a:buClr>
+              <a:buSzPts val="1400"/>
+              <a:buFont typeface="Fira Code"/>
+              <a:buChar char="○"/>
+              <a:defRPr sz="1400" b="0" i="0" u="none" strike="noStrike" cap="none">
+                <a:solidFill>
+                  <a:schemeClr val="dk2"/>
+                </a:solidFill>
+                <a:latin typeface="Fira Code"/>
+                <a:ea typeface="Fira Code"/>
+                <a:cs typeface="Fira Code"/>
+                <a:sym typeface="Fira Code"/>
+              </a:defRPr>
+            </a:lvl2pPr>
+            <a:lvl3pPr marL="1371600" marR="0" lvl="2" indent="-317500" algn="l" rtl="0">
+              <a:lnSpc>
+                <a:spcPct val="100000"/>
+              </a:lnSpc>
+              <a:spcBef>
+                <a:spcPts val="0"/>
+              </a:spcBef>
+              <a:spcAft>
+                <a:spcPts val="0"/>
+              </a:spcAft>
+              <a:buClr>
+                <a:schemeClr val="dk2"/>
+              </a:buClr>
+              <a:buSzPts val="1400"/>
+              <a:buFont typeface="Fira Code"/>
+              <a:buChar char="■"/>
+              <a:defRPr sz="1400" b="0" i="0" u="none" strike="noStrike" cap="none">
+                <a:solidFill>
+                  <a:schemeClr val="dk2"/>
+                </a:solidFill>
+                <a:latin typeface="Fira Code"/>
+                <a:ea typeface="Fira Code"/>
+                <a:cs typeface="Fira Code"/>
+                <a:sym typeface="Fira Code"/>
+              </a:defRPr>
+            </a:lvl3pPr>
+            <a:lvl4pPr marL="1828800" marR="0" lvl="3" indent="-317500" algn="l" rtl="0">
+              <a:lnSpc>
+                <a:spcPct val="100000"/>
+              </a:lnSpc>
+              <a:spcBef>
+                <a:spcPts val="0"/>
+              </a:spcBef>
+              <a:spcAft>
+                <a:spcPts val="0"/>
+              </a:spcAft>
+              <a:buClr>
+                <a:schemeClr val="dk2"/>
+              </a:buClr>
+              <a:buSzPts val="1400"/>
+              <a:buFont typeface="Fira Code"/>
+              <a:buChar char="●"/>
+              <a:defRPr sz="1400" b="0" i="0" u="none" strike="noStrike" cap="none">
+                <a:solidFill>
+                  <a:schemeClr val="dk2"/>
+                </a:solidFill>
+                <a:latin typeface="Fira Code"/>
+                <a:ea typeface="Fira Code"/>
+                <a:cs typeface="Fira Code"/>
+                <a:sym typeface="Fira Code"/>
+              </a:defRPr>
+            </a:lvl4pPr>
+            <a:lvl5pPr marL="2286000" marR="0" lvl="4" indent="-317500" algn="l" rtl="0">
+              <a:lnSpc>
+                <a:spcPct val="100000"/>
+              </a:lnSpc>
+              <a:spcBef>
+                <a:spcPts val="0"/>
+              </a:spcBef>
+              <a:spcAft>
+                <a:spcPts val="0"/>
+              </a:spcAft>
+              <a:buClr>
+                <a:schemeClr val="dk2"/>
+              </a:buClr>
+              <a:buSzPts val="1400"/>
+              <a:buFont typeface="Fira Code"/>
+              <a:buChar char="○"/>
+              <a:defRPr sz="1400" b="0" i="0" u="none" strike="noStrike" cap="none">
+                <a:solidFill>
+                  <a:schemeClr val="dk2"/>
+                </a:solidFill>
+                <a:latin typeface="Fira Code"/>
+                <a:ea typeface="Fira Code"/>
+                <a:cs typeface="Fira Code"/>
+                <a:sym typeface="Fira Code"/>
+              </a:defRPr>
+            </a:lvl5pPr>
+            <a:lvl6pPr marL="2743200" marR="0" lvl="5" indent="-317500" algn="l" rtl="0">
+              <a:lnSpc>
+                <a:spcPct val="100000"/>
+              </a:lnSpc>
+              <a:spcBef>
+                <a:spcPts val="0"/>
+              </a:spcBef>
+              <a:spcAft>
+                <a:spcPts val="0"/>
+              </a:spcAft>
+              <a:buClr>
+                <a:schemeClr val="dk2"/>
+              </a:buClr>
+              <a:buSzPts val="1400"/>
+              <a:buFont typeface="Fira Code"/>
+              <a:buChar char="■"/>
+              <a:defRPr sz="1400" b="0" i="0" u="none" strike="noStrike" cap="none">
+                <a:solidFill>
+                  <a:schemeClr val="dk2"/>
+                </a:solidFill>
+                <a:latin typeface="Fira Code"/>
+                <a:ea typeface="Fira Code"/>
+                <a:cs typeface="Fira Code"/>
+                <a:sym typeface="Fira Code"/>
+              </a:defRPr>
+            </a:lvl6pPr>
+            <a:lvl7pPr marL="3200400" marR="0" lvl="6" indent="-317500" algn="l" rtl="0">
+              <a:lnSpc>
+                <a:spcPct val="100000"/>
+              </a:lnSpc>
+              <a:spcBef>
+                <a:spcPts val="0"/>
+              </a:spcBef>
+              <a:spcAft>
+                <a:spcPts val="0"/>
+              </a:spcAft>
+              <a:buClr>
+                <a:schemeClr val="dk2"/>
+              </a:buClr>
+              <a:buSzPts val="1400"/>
+              <a:buFont typeface="Fira Code"/>
+              <a:buChar char="●"/>
+              <a:defRPr sz="1400" b="0" i="0" u="none" strike="noStrike" cap="none">
+                <a:solidFill>
+                  <a:schemeClr val="dk2"/>
+                </a:solidFill>
+                <a:latin typeface="Fira Code"/>
+                <a:ea typeface="Fira Code"/>
+                <a:cs typeface="Fira Code"/>
+                <a:sym typeface="Fira Code"/>
+              </a:defRPr>
+            </a:lvl7pPr>
+            <a:lvl8pPr marL="3657600" marR="0" lvl="7" indent="-317500" algn="l" rtl="0">
+              <a:lnSpc>
+                <a:spcPct val="100000"/>
+              </a:lnSpc>
+              <a:spcBef>
+                <a:spcPts val="0"/>
+              </a:spcBef>
+              <a:spcAft>
+                <a:spcPts val="0"/>
+              </a:spcAft>
+              <a:buClr>
+                <a:schemeClr val="dk2"/>
+              </a:buClr>
+              <a:buSzPts val="1400"/>
+              <a:buFont typeface="Fira Code"/>
+              <a:buChar char="○"/>
+              <a:defRPr sz="1400" b="0" i="0" u="none" strike="noStrike" cap="none">
+                <a:solidFill>
+                  <a:schemeClr val="dk2"/>
+                </a:solidFill>
+                <a:latin typeface="Fira Code"/>
+                <a:ea typeface="Fira Code"/>
+                <a:cs typeface="Fira Code"/>
+                <a:sym typeface="Fira Code"/>
+              </a:defRPr>
+            </a:lvl8pPr>
+            <a:lvl9pPr marL="4114800" marR="0" lvl="8" indent="-317500" algn="l" rtl="0">
+              <a:lnSpc>
+                <a:spcPct val="100000"/>
+              </a:lnSpc>
+              <a:spcBef>
+                <a:spcPts val="0"/>
+              </a:spcBef>
+              <a:spcAft>
+                <a:spcPts val="0"/>
+              </a:spcAft>
+              <a:buClr>
+                <a:schemeClr val="dk2"/>
+              </a:buClr>
+              <a:buSzPts val="1400"/>
+              <a:buFont typeface="Fira Code"/>
+              <a:buChar char="■"/>
+              <a:defRPr sz="1400" b="0" i="0" u="none" strike="noStrike" cap="none">
+                <a:solidFill>
+                  <a:schemeClr val="dk2"/>
+                </a:solidFill>
+                <a:latin typeface="Fira Code"/>
+                <a:ea typeface="Fira Code"/>
+                <a:cs typeface="Fira Code"/>
+                <a:sym typeface="Fira Code"/>
+              </a:defRPr>
+            </a:lvl9pPr>
+          </a:lstStyle>
+          <a:p>
+            <a:pPr marL="0" indent="0" algn="ctr">
+              <a:buFont typeface="Fira Code"/>
+              <a:buNone/>
+            </a:pPr>
+            <a:r>
+              <a:rPr lang="es-ES">
+                <a:solidFill>
+                  <a:schemeClr val="accent3"/>
+                </a:solidFill>
+              </a:rPr>
+              <a:t>Miguel Gil Jimenez</a:t>
+            </a:r>
+            <a:endParaRPr lang="es-ES" dirty="0">
+              <a:solidFill>
+                <a:schemeClr val="accent3"/>
+              </a:solidFill>
+            </a:endParaRPr>
+          </a:p>
+        </p:txBody>
+      </p:sp>
+      <p:sp>
+        <p:nvSpPr>
+          <p:cNvPr id="15" name="Google Shape;475;p28">
+            <a:extLst>
+              <a:ext uri="{FF2B5EF4-FFF2-40B4-BE49-F238E27FC236}">
+                <a16:creationId xmlns:a16="http://schemas.microsoft.com/office/drawing/2014/main" id="{1F1CD0AE-81FB-9B47-8F24-F03767AD94D9}"/>
+              </a:ext>
+            </a:extLst>
+          </p:cNvPr>
+          <p:cNvSpPr txBox="1">
+            <a:spLocks/>
+          </p:cNvSpPr>
+          <p:nvPr/>
+        </p:nvSpPr>
+        <p:spPr>
+          <a:xfrm>
+            <a:off x="3238214" y="4781400"/>
+            <a:ext cx="5788908" cy="357300"/>
+          </a:xfrm>
+          <a:prstGeom prst="rect">
+            <a:avLst/>
+          </a:prstGeom>
+          <a:noFill/>
+          <a:ln>
+            <a:noFill/>
+          </a:ln>
+        </p:spPr>
+        <p:txBody>
+          <a:bodyPr spcFirstLastPara="1" wrap="square" lIns="91425" tIns="91425" rIns="91425" bIns="91425" anchor="ctr" anchorCtr="0">
+            <a:noAutofit/>
+          </a:bodyPr>
+          <a:lstStyle>
+            <a:defPPr marR="0" lvl="0" algn="l" rtl="0">
+              <a:lnSpc>
+                <a:spcPct val="100000"/>
+              </a:lnSpc>
+              <a:spcBef>
+                <a:spcPts val="0"/>
+              </a:spcBef>
+              <a:spcAft>
+                <a:spcPts val="0"/>
+              </a:spcAft>
+            </a:defPPr>
+            <a:lvl1pPr marL="457200" marR="0" lvl="0" indent="-317500" algn="l" rtl="0">
+              <a:lnSpc>
+                <a:spcPct val="100000"/>
+              </a:lnSpc>
+              <a:spcBef>
+                <a:spcPts val="0"/>
+              </a:spcBef>
+              <a:spcAft>
+                <a:spcPts val="0"/>
+              </a:spcAft>
+              <a:buClr>
+                <a:schemeClr val="dk2"/>
+              </a:buClr>
+              <a:buSzPts val="1400"/>
+              <a:buFont typeface="Fira Code"/>
+              <a:buChar char="●"/>
+              <a:defRPr sz="1400" b="0" i="0" u="none" strike="noStrike" cap="none">
+                <a:solidFill>
+                  <a:schemeClr val="dk2"/>
+                </a:solidFill>
+                <a:latin typeface="Fira Code"/>
+                <a:ea typeface="Fira Code"/>
+                <a:cs typeface="Fira Code"/>
+                <a:sym typeface="Fira Code"/>
+              </a:defRPr>
+            </a:lvl1pPr>
+            <a:lvl2pPr marL="914400" marR="0" lvl="1" indent="-317500" algn="l" rtl="0">
+              <a:lnSpc>
+                <a:spcPct val="100000"/>
+              </a:lnSpc>
+              <a:spcBef>
+                <a:spcPts val="0"/>
+              </a:spcBef>
+              <a:spcAft>
+                <a:spcPts val="0"/>
+              </a:spcAft>
+              <a:buClr>
+                <a:schemeClr val="dk2"/>
+              </a:buClr>
+              <a:buSzPts val="1400"/>
+              <a:buFont typeface="Fira Code"/>
+              <a:buChar char="○"/>
+              <a:defRPr sz="1400" b="0" i="0" u="none" strike="noStrike" cap="none">
+                <a:solidFill>
+                  <a:schemeClr val="dk2"/>
+                </a:solidFill>
+                <a:latin typeface="Fira Code"/>
+                <a:ea typeface="Fira Code"/>
+                <a:cs typeface="Fira Code"/>
+                <a:sym typeface="Fira Code"/>
+              </a:defRPr>
+            </a:lvl2pPr>
+            <a:lvl3pPr marL="1371600" marR="0" lvl="2" indent="-317500" algn="l" rtl="0">
+              <a:lnSpc>
+                <a:spcPct val="100000"/>
+              </a:lnSpc>
+              <a:spcBef>
+                <a:spcPts val="0"/>
+              </a:spcBef>
+              <a:spcAft>
+                <a:spcPts val="0"/>
+              </a:spcAft>
+              <a:buClr>
+                <a:schemeClr val="dk2"/>
+              </a:buClr>
+              <a:buSzPts val="1400"/>
+              <a:buFont typeface="Fira Code"/>
+              <a:buChar char="■"/>
+              <a:defRPr sz="1400" b="0" i="0" u="none" strike="noStrike" cap="none">
+                <a:solidFill>
+                  <a:schemeClr val="dk2"/>
+                </a:solidFill>
+                <a:latin typeface="Fira Code"/>
+                <a:ea typeface="Fira Code"/>
+                <a:cs typeface="Fira Code"/>
+                <a:sym typeface="Fira Code"/>
+              </a:defRPr>
+            </a:lvl3pPr>
+            <a:lvl4pPr marL="1828800" marR="0" lvl="3" indent="-317500" algn="l" rtl="0">
+              <a:lnSpc>
+                <a:spcPct val="100000"/>
+              </a:lnSpc>
+              <a:spcBef>
+                <a:spcPts val="0"/>
+              </a:spcBef>
+              <a:spcAft>
+                <a:spcPts val="0"/>
+              </a:spcAft>
+              <a:buClr>
+                <a:schemeClr val="dk2"/>
+              </a:buClr>
+              <a:buSzPts val="1400"/>
+              <a:buFont typeface="Fira Code"/>
+              <a:buChar char="●"/>
+              <a:defRPr sz="1400" b="0" i="0" u="none" strike="noStrike" cap="none">
+                <a:solidFill>
+                  <a:schemeClr val="dk2"/>
+                </a:solidFill>
+                <a:latin typeface="Fira Code"/>
+                <a:ea typeface="Fira Code"/>
+                <a:cs typeface="Fira Code"/>
+                <a:sym typeface="Fira Code"/>
+              </a:defRPr>
+            </a:lvl4pPr>
+            <a:lvl5pPr marL="2286000" marR="0" lvl="4" indent="-317500" algn="l" rtl="0">
+              <a:lnSpc>
+                <a:spcPct val="100000"/>
+              </a:lnSpc>
+              <a:spcBef>
+                <a:spcPts val="0"/>
+              </a:spcBef>
+              <a:spcAft>
+                <a:spcPts val="0"/>
+              </a:spcAft>
+              <a:buClr>
+                <a:schemeClr val="dk2"/>
+              </a:buClr>
+              <a:buSzPts val="1400"/>
+              <a:buFont typeface="Fira Code"/>
+              <a:buChar char="○"/>
+              <a:defRPr sz="1400" b="0" i="0" u="none" strike="noStrike" cap="none">
+                <a:solidFill>
+                  <a:schemeClr val="dk2"/>
+                </a:solidFill>
+                <a:latin typeface="Fira Code"/>
+                <a:ea typeface="Fira Code"/>
+                <a:cs typeface="Fira Code"/>
+                <a:sym typeface="Fira Code"/>
+              </a:defRPr>
+            </a:lvl5pPr>
+            <a:lvl6pPr marL="2743200" marR="0" lvl="5" indent="-317500" algn="l" rtl="0">
+              <a:lnSpc>
+                <a:spcPct val="100000"/>
+              </a:lnSpc>
+              <a:spcBef>
+                <a:spcPts val="0"/>
+              </a:spcBef>
+              <a:spcAft>
+                <a:spcPts val="0"/>
+              </a:spcAft>
+              <a:buClr>
+                <a:schemeClr val="dk2"/>
+              </a:buClr>
+              <a:buSzPts val="1400"/>
+              <a:buFont typeface="Fira Code"/>
+              <a:buChar char="■"/>
+              <a:defRPr sz="1400" b="0" i="0" u="none" strike="noStrike" cap="none">
+                <a:solidFill>
+                  <a:schemeClr val="dk2"/>
+                </a:solidFill>
+                <a:latin typeface="Fira Code"/>
+                <a:ea typeface="Fira Code"/>
+                <a:cs typeface="Fira Code"/>
+                <a:sym typeface="Fira Code"/>
+              </a:defRPr>
+            </a:lvl6pPr>
+            <a:lvl7pPr marL="3200400" marR="0" lvl="6" indent="-317500" algn="l" rtl="0">
+              <a:lnSpc>
+                <a:spcPct val="100000"/>
+              </a:lnSpc>
+              <a:spcBef>
+                <a:spcPts val="0"/>
+              </a:spcBef>
+              <a:spcAft>
+                <a:spcPts val="0"/>
+              </a:spcAft>
+              <a:buClr>
+                <a:schemeClr val="dk2"/>
+              </a:buClr>
+              <a:buSzPts val="1400"/>
+              <a:buFont typeface="Fira Code"/>
+              <a:buChar char="●"/>
+              <a:defRPr sz="1400" b="0" i="0" u="none" strike="noStrike" cap="none">
+                <a:solidFill>
+                  <a:schemeClr val="dk2"/>
+                </a:solidFill>
+                <a:latin typeface="Fira Code"/>
+                <a:ea typeface="Fira Code"/>
+                <a:cs typeface="Fira Code"/>
+                <a:sym typeface="Fira Code"/>
+              </a:defRPr>
+            </a:lvl7pPr>
+            <a:lvl8pPr marL="3657600" marR="0" lvl="7" indent="-317500" algn="l" rtl="0">
+              <a:lnSpc>
+                <a:spcPct val="100000"/>
+              </a:lnSpc>
+              <a:spcBef>
+                <a:spcPts val="0"/>
+              </a:spcBef>
+              <a:spcAft>
+                <a:spcPts val="0"/>
+              </a:spcAft>
+              <a:buClr>
+                <a:schemeClr val="dk2"/>
+              </a:buClr>
+              <a:buSzPts val="1400"/>
+              <a:buFont typeface="Fira Code"/>
+              <a:buChar char="○"/>
+              <a:defRPr sz="1400" b="0" i="0" u="none" strike="noStrike" cap="none">
+                <a:solidFill>
+                  <a:schemeClr val="dk2"/>
+                </a:solidFill>
+                <a:latin typeface="Fira Code"/>
+                <a:ea typeface="Fira Code"/>
+                <a:cs typeface="Fira Code"/>
+                <a:sym typeface="Fira Code"/>
+              </a:defRPr>
+            </a:lvl8pPr>
+            <a:lvl9pPr marL="4114800" marR="0" lvl="8" indent="-317500" algn="l" rtl="0">
+              <a:lnSpc>
+                <a:spcPct val="100000"/>
+              </a:lnSpc>
+              <a:spcBef>
+                <a:spcPts val="0"/>
+              </a:spcBef>
+              <a:spcAft>
+                <a:spcPts val="0"/>
+              </a:spcAft>
+              <a:buClr>
+                <a:schemeClr val="dk2"/>
+              </a:buClr>
+              <a:buSzPts val="1400"/>
+              <a:buFont typeface="Fira Code"/>
+              <a:buChar char="■"/>
+              <a:defRPr sz="1400" b="0" i="0" u="none" strike="noStrike" cap="none">
+                <a:solidFill>
+                  <a:schemeClr val="dk2"/>
+                </a:solidFill>
+                <a:latin typeface="Fira Code"/>
+                <a:ea typeface="Fira Code"/>
+                <a:cs typeface="Fira Code"/>
+                <a:sym typeface="Fira Code"/>
+              </a:defRPr>
+            </a:lvl9pPr>
+          </a:lstStyle>
+          <a:p>
+            <a:pPr marL="0" indent="0" algn="ctr">
+              <a:buFont typeface="Fira Code"/>
+              <a:buNone/>
+            </a:pPr>
+            <a:r>
+              <a:rPr lang="en-US">
+                <a:solidFill>
+                  <a:schemeClr val="accent3"/>
+                </a:solidFill>
+              </a:rPr>
+              <a:t>Kaggle Competition - </a:t>
+            </a:r>
+            <a:r>
+              <a:rPr lang="en-US" b="1">
+                <a:solidFill>
+                  <a:srgbClr val="FFFFFF"/>
+                </a:solidFill>
+                <a:latin typeface="zeitung"/>
+              </a:rPr>
+              <a:t>Feature Imputation with a Heat Flux Dataset</a:t>
+            </a:r>
+          </a:p>
+          <a:p>
+            <a:pPr marL="0" indent="0" algn="ctr">
+              <a:buFont typeface="Fira Code"/>
+              <a:buNone/>
+            </a:pPr>
+            <a:endParaRPr lang="en-US" dirty="0">
+              <a:solidFill>
+                <a:schemeClr val="accent3"/>
+              </a:solidFill>
+            </a:endParaRPr>
+          </a:p>
+        </p:txBody>
+      </p:sp>
+    </p:spTree>
+    <p:extLst>
+      <p:ext uri="{BB962C8B-B14F-4D97-AF65-F5344CB8AC3E}">
+        <p14:creationId xmlns:p14="http://schemas.microsoft.com/office/powerpoint/2010/main" val="2675869715"/>
+      </p:ext>
+    </p:extLst>
+  </p:cSld>
+  <p:clrMapOvr>
+    <a:masterClrMapping/>
+  </p:clrMapOvr>
+</p:sld>
+</file>
+
+<file path=ppt/slides/slide9.xml><?xml version="1.0" encoding="utf-8"?>
+<p:sld xmlns:a="http://schemas.openxmlformats.org/drawingml/2006/main" xmlns:r="http://schemas.openxmlformats.org/officeDocument/2006/relationships" xmlns:p="http://schemas.openxmlformats.org/presentationml/2006/main">
+  <p:cSld>
+    <p:spTree>
+      <p:nvGrpSpPr>
+        <p:cNvPr id="1" name="Shape 479"/>
+        <p:cNvGrpSpPr/>
+        <p:nvPr/>
+      </p:nvGrpSpPr>
+      <p:grpSpPr>
+        <a:xfrm>
+          <a:off x="0" y="0"/>
+          <a:ext cx="0" cy="0"/>
+          <a:chOff x="0" y="0"/>
+          <a:chExt cx="0" cy="0"/>
+        </a:xfrm>
+      </p:grpSpPr>
+      <p:sp>
+        <p:nvSpPr>
+          <p:cNvPr id="489" name="Google Shape;489;p29"/>
+          <p:cNvSpPr txBox="1">
+            <a:spLocks noGrp="1"/>
+          </p:cNvSpPr>
+          <p:nvPr>
+            <p:ph type="title" idx="9"/>
+          </p:nvPr>
+        </p:nvSpPr>
+        <p:spPr>
+          <a:xfrm>
+            <a:off x="1143250" y="582700"/>
+            <a:ext cx="7290600" cy="541200"/>
+          </a:xfrm>
+          <a:prstGeom prst="rect">
+            <a:avLst/>
+          </a:prstGeom>
+        </p:spPr>
+        <p:txBody>
+          <a:bodyPr spcFirstLastPara="1" wrap="square" lIns="91425" tIns="91425" rIns="91425" bIns="91425" anchor="t" anchorCtr="0">
+            <a:noAutofit/>
+          </a:bodyPr>
+          <a:lstStyle/>
+          <a:p>
+            <a:pPr marL="0" lvl="0" indent="0" algn="l" rtl="0">
+              <a:spcBef>
+                <a:spcPts val="0"/>
+              </a:spcBef>
+              <a:spcAft>
+                <a:spcPts val="0"/>
+              </a:spcAft>
+              <a:buNone/>
+            </a:pPr>
+            <a:r>
+              <a:rPr lang="es-ES" dirty="0"/>
+              <a:t>p</a:t>
+            </a:r>
+            <a:r>
+              <a:rPr lang="en" dirty="0"/>
+              <a:t>rint(Mejores_Modelos)</a:t>
+            </a:r>
+            <a:endParaRPr dirty="0">
+              <a:solidFill>
+                <a:schemeClr val="accent6"/>
+              </a:solidFill>
+            </a:endParaRPr>
+          </a:p>
+        </p:txBody>
+      </p:sp>
+      <p:sp>
+        <p:nvSpPr>
+          <p:cNvPr id="3" name="Rectángulo 2">
+            <a:extLst>
+              <a:ext uri="{FF2B5EF4-FFF2-40B4-BE49-F238E27FC236}">
+                <a16:creationId xmlns:a16="http://schemas.microsoft.com/office/drawing/2014/main" id="{37E0ED80-1748-0B2D-4C9D-26020EF75F8A}"/>
+              </a:ext>
+            </a:extLst>
+          </p:cNvPr>
+          <p:cNvSpPr/>
+          <p:nvPr/>
+        </p:nvSpPr>
+        <p:spPr>
+          <a:xfrm>
+            <a:off x="6338521" y="1454250"/>
+            <a:ext cx="2468595" cy="738935"/>
+          </a:xfrm>
+          <a:prstGeom prst="rect">
+            <a:avLst/>
+          </a:prstGeom>
+          <a:ln>
+            <a:noFill/>
+          </a:ln>
+        </p:spPr>
+        <p:style>
+          <a:lnRef idx="2">
+            <a:schemeClr val="accent6">
+              <a:shade val="50000"/>
+            </a:schemeClr>
+          </a:lnRef>
+          <a:fillRef idx="1">
+            <a:schemeClr val="accent6"/>
+          </a:fillRef>
+          <a:effectRef idx="0">
+            <a:schemeClr val="accent6"/>
+          </a:effectRef>
+          <a:fontRef idx="minor">
+            <a:schemeClr val="lt1"/>
+          </a:fontRef>
+        </p:style>
+        <p:txBody>
+          <a:bodyPr rtlCol="0" anchor="ctr"/>
+          <a:lstStyle/>
+          <a:p>
+            <a:pPr algn="ctr"/>
+            <a:endParaRPr lang="es-ES" b="0" dirty="0">
+              <a:solidFill>
+                <a:srgbClr val="D4D4D4"/>
+              </a:solidFill>
+              <a:effectLst/>
+              <a:latin typeface="Consolas" panose="020B0609020204030204" pitchFamily="49" charset="0"/>
+            </a:endParaRPr>
+          </a:p>
+          <a:p>
+            <a:pPr algn="ctr"/>
+            <a:endParaRPr lang="es-ES" dirty="0"/>
+          </a:p>
+        </p:txBody>
+      </p:sp>
+      <p:sp>
+        <p:nvSpPr>
+          <p:cNvPr id="4" name="CuadroTexto 3">
+            <a:extLst>
+              <a:ext uri="{FF2B5EF4-FFF2-40B4-BE49-F238E27FC236}">
+                <a16:creationId xmlns:a16="http://schemas.microsoft.com/office/drawing/2014/main" id="{57A59EF4-D12D-4168-4639-214A14F0A0B4}"/>
+              </a:ext>
+            </a:extLst>
+          </p:cNvPr>
+          <p:cNvSpPr txBox="1"/>
+          <p:nvPr/>
+        </p:nvSpPr>
+        <p:spPr>
+          <a:xfrm>
+            <a:off x="6872147" y="1669828"/>
+            <a:ext cx="2052027" cy="307777"/>
+          </a:xfrm>
+          <a:prstGeom prst="rect">
+            <a:avLst/>
+          </a:prstGeom>
+          <a:noFill/>
+        </p:spPr>
+        <p:txBody>
+          <a:bodyPr wrap="square" rtlCol="0">
+            <a:spAutoFit/>
+          </a:bodyPr>
+          <a:lstStyle/>
+          <a:p>
+            <a:r>
+              <a:rPr lang="es-ES" b="1" dirty="0" err="1">
+                <a:solidFill>
+                  <a:schemeClr val="tx1"/>
+                </a:solidFill>
+                <a:effectLst/>
+                <a:latin typeface="Consolas" panose="020B0609020204030204" pitchFamily="49" charset="0"/>
+              </a:rPr>
+              <a:t>GridSearchCV</a:t>
+            </a:r>
+            <a:endParaRPr lang="es-ES" b="1" dirty="0">
+              <a:solidFill>
+                <a:schemeClr val="tx1"/>
+              </a:solidFill>
+              <a:effectLst/>
+              <a:latin typeface="Consolas" panose="020B0609020204030204" pitchFamily="49" charset="0"/>
+            </a:endParaRPr>
+          </a:p>
+        </p:txBody>
+      </p:sp>
+      <p:sp>
+        <p:nvSpPr>
+          <p:cNvPr id="13" name="Google Shape;474;p28">
+            <a:extLst>
+              <a:ext uri="{FF2B5EF4-FFF2-40B4-BE49-F238E27FC236}">
+                <a16:creationId xmlns:a16="http://schemas.microsoft.com/office/drawing/2014/main" id="{D83B0DA1-E23A-BEC1-9264-5679527CE1DD}"/>
+              </a:ext>
+            </a:extLst>
+          </p:cNvPr>
+          <p:cNvSpPr txBox="1">
+            <a:spLocks/>
+          </p:cNvSpPr>
+          <p:nvPr/>
+        </p:nvSpPr>
+        <p:spPr>
+          <a:xfrm>
+            <a:off x="-5975" y="91525"/>
+            <a:ext cx="4572000" cy="357300"/>
+          </a:xfrm>
+          <a:prstGeom prst="rect">
+            <a:avLst/>
+          </a:prstGeom>
+          <a:noFill/>
+          <a:ln>
+            <a:noFill/>
+          </a:ln>
+        </p:spPr>
+        <p:txBody>
+          <a:bodyPr spcFirstLastPara="1" wrap="square" lIns="91425" tIns="91425" rIns="91425" bIns="91425" anchor="ctr" anchorCtr="0">
+            <a:noAutofit/>
+          </a:bodyPr>
+          <a:lstStyle>
+            <a:defPPr marR="0" lvl="0" algn="l" rtl="0">
+              <a:lnSpc>
+                <a:spcPct val="100000"/>
+              </a:lnSpc>
+              <a:spcBef>
+                <a:spcPts val="0"/>
+              </a:spcBef>
+              <a:spcAft>
+                <a:spcPts val="0"/>
+              </a:spcAft>
+            </a:defPPr>
+            <a:lvl1pPr marL="457200" marR="0" lvl="0" indent="-317500" algn="l" rtl="0">
+              <a:lnSpc>
+                <a:spcPct val="100000"/>
+              </a:lnSpc>
+              <a:spcBef>
+                <a:spcPts val="0"/>
+              </a:spcBef>
+              <a:spcAft>
+                <a:spcPts val="0"/>
+              </a:spcAft>
+              <a:buClr>
+                <a:schemeClr val="dk2"/>
+              </a:buClr>
+              <a:buSzPts val="1400"/>
+              <a:buFont typeface="Fira Code"/>
+              <a:buChar char="●"/>
+              <a:defRPr sz="1400" b="0" i="0" u="none" strike="noStrike" cap="none">
+                <a:solidFill>
+                  <a:schemeClr val="dk2"/>
+                </a:solidFill>
+                <a:latin typeface="Fira Code"/>
+                <a:ea typeface="Fira Code"/>
+                <a:cs typeface="Fira Code"/>
+                <a:sym typeface="Fira Code"/>
+              </a:defRPr>
+            </a:lvl1pPr>
+            <a:lvl2pPr marL="914400" marR="0" lvl="1" indent="-317500" algn="l" rtl="0">
+              <a:lnSpc>
+                <a:spcPct val="100000"/>
+              </a:lnSpc>
+              <a:spcBef>
+                <a:spcPts val="0"/>
+              </a:spcBef>
+              <a:spcAft>
+                <a:spcPts val="0"/>
+              </a:spcAft>
+              <a:buClr>
+                <a:schemeClr val="dk2"/>
+              </a:buClr>
+              <a:buSzPts val="1400"/>
+              <a:buFont typeface="Fira Code"/>
+              <a:buChar char="○"/>
+              <a:defRPr sz="1400" b="0" i="0" u="none" strike="noStrike" cap="none">
+                <a:solidFill>
+                  <a:schemeClr val="dk2"/>
+                </a:solidFill>
+                <a:latin typeface="Fira Code"/>
+                <a:ea typeface="Fira Code"/>
+                <a:cs typeface="Fira Code"/>
+                <a:sym typeface="Fira Code"/>
+              </a:defRPr>
+            </a:lvl2pPr>
+            <a:lvl3pPr marL="1371600" marR="0" lvl="2" indent="-317500" algn="l" rtl="0">
+              <a:lnSpc>
+                <a:spcPct val="100000"/>
+              </a:lnSpc>
+              <a:spcBef>
+                <a:spcPts val="0"/>
+              </a:spcBef>
+              <a:spcAft>
+                <a:spcPts val="0"/>
+              </a:spcAft>
+              <a:buClr>
+                <a:schemeClr val="dk2"/>
+              </a:buClr>
+              <a:buSzPts val="1400"/>
+              <a:buFont typeface="Fira Code"/>
+              <a:buChar char="■"/>
+              <a:defRPr sz="1400" b="0" i="0" u="none" strike="noStrike" cap="none">
+                <a:solidFill>
+                  <a:schemeClr val="dk2"/>
+                </a:solidFill>
+                <a:latin typeface="Fira Code"/>
+                <a:ea typeface="Fira Code"/>
+                <a:cs typeface="Fira Code"/>
+                <a:sym typeface="Fira Code"/>
+              </a:defRPr>
+            </a:lvl3pPr>
+            <a:lvl4pPr marL="1828800" marR="0" lvl="3" indent="-317500" algn="l" rtl="0">
+              <a:lnSpc>
+                <a:spcPct val="100000"/>
+              </a:lnSpc>
+              <a:spcBef>
+                <a:spcPts val="0"/>
+              </a:spcBef>
+              <a:spcAft>
+                <a:spcPts val="0"/>
+              </a:spcAft>
+              <a:buClr>
+                <a:schemeClr val="dk2"/>
+              </a:buClr>
+              <a:buSzPts val="1400"/>
+              <a:buFont typeface="Fira Code"/>
+              <a:buChar char="●"/>
+              <a:defRPr sz="1400" b="0" i="0" u="none" strike="noStrike" cap="none">
+                <a:solidFill>
+                  <a:schemeClr val="dk2"/>
+                </a:solidFill>
+                <a:latin typeface="Fira Code"/>
+                <a:ea typeface="Fira Code"/>
+                <a:cs typeface="Fira Code"/>
+                <a:sym typeface="Fira Code"/>
+              </a:defRPr>
+            </a:lvl4pPr>
+            <a:lvl5pPr marL="2286000" marR="0" lvl="4" indent="-317500" algn="l" rtl="0">
+              <a:lnSpc>
+                <a:spcPct val="100000"/>
+              </a:lnSpc>
+              <a:spcBef>
+                <a:spcPts val="0"/>
+              </a:spcBef>
+              <a:spcAft>
+                <a:spcPts val="0"/>
+              </a:spcAft>
+              <a:buClr>
+                <a:schemeClr val="dk2"/>
+              </a:buClr>
+              <a:buSzPts val="1400"/>
+              <a:buFont typeface="Fira Code"/>
+              <a:buChar char="○"/>
+              <a:defRPr sz="1400" b="0" i="0" u="none" strike="noStrike" cap="none">
+                <a:solidFill>
+                  <a:schemeClr val="dk2"/>
+                </a:solidFill>
+                <a:latin typeface="Fira Code"/>
+                <a:ea typeface="Fira Code"/>
+                <a:cs typeface="Fira Code"/>
+                <a:sym typeface="Fira Code"/>
+              </a:defRPr>
+            </a:lvl5pPr>
+            <a:lvl6pPr marL="2743200" marR="0" lvl="5" indent="-317500" algn="l" rtl="0">
+              <a:lnSpc>
+                <a:spcPct val="100000"/>
+              </a:lnSpc>
+              <a:spcBef>
+                <a:spcPts val="0"/>
+              </a:spcBef>
+              <a:spcAft>
+                <a:spcPts val="0"/>
+              </a:spcAft>
+              <a:buClr>
+                <a:schemeClr val="dk2"/>
+              </a:buClr>
+              <a:buSzPts val="1400"/>
+              <a:buFont typeface="Fira Code"/>
+              <a:buChar char="■"/>
+              <a:defRPr sz="1400" b="0" i="0" u="none" strike="noStrike" cap="none">
+                <a:solidFill>
+                  <a:schemeClr val="dk2"/>
+                </a:solidFill>
+                <a:latin typeface="Fira Code"/>
+                <a:ea typeface="Fira Code"/>
+                <a:cs typeface="Fira Code"/>
+                <a:sym typeface="Fira Code"/>
+              </a:defRPr>
+            </a:lvl6pPr>
+            <a:lvl7pPr marL="3200400" marR="0" lvl="6" indent="-317500" algn="l" rtl="0">
+              <a:lnSpc>
+                <a:spcPct val="100000"/>
+              </a:lnSpc>
+              <a:spcBef>
+                <a:spcPts val="0"/>
+              </a:spcBef>
+              <a:spcAft>
+                <a:spcPts val="0"/>
+              </a:spcAft>
+              <a:buClr>
+                <a:schemeClr val="dk2"/>
+              </a:buClr>
+              <a:buSzPts val="1400"/>
+              <a:buFont typeface="Fira Code"/>
+              <a:buChar char="●"/>
+              <a:defRPr sz="1400" b="0" i="0" u="none" strike="noStrike" cap="none">
+                <a:solidFill>
+                  <a:schemeClr val="dk2"/>
+                </a:solidFill>
+                <a:latin typeface="Fira Code"/>
+                <a:ea typeface="Fira Code"/>
+                <a:cs typeface="Fira Code"/>
+                <a:sym typeface="Fira Code"/>
+              </a:defRPr>
+            </a:lvl7pPr>
+            <a:lvl8pPr marL="3657600" marR="0" lvl="7" indent="-317500" algn="l" rtl="0">
+              <a:lnSpc>
+                <a:spcPct val="100000"/>
+              </a:lnSpc>
+              <a:spcBef>
+                <a:spcPts val="0"/>
+              </a:spcBef>
+              <a:spcAft>
+                <a:spcPts val="0"/>
+              </a:spcAft>
+              <a:buClr>
+                <a:schemeClr val="dk2"/>
+              </a:buClr>
+              <a:buSzPts val="1400"/>
+              <a:buFont typeface="Fira Code"/>
+              <a:buChar char="○"/>
+              <a:defRPr sz="1400" b="0" i="0" u="none" strike="noStrike" cap="none">
+                <a:solidFill>
+                  <a:schemeClr val="dk2"/>
+                </a:solidFill>
+                <a:latin typeface="Fira Code"/>
+                <a:ea typeface="Fira Code"/>
+                <a:cs typeface="Fira Code"/>
+                <a:sym typeface="Fira Code"/>
+              </a:defRPr>
+            </a:lvl8pPr>
+            <a:lvl9pPr marL="4114800" marR="0" lvl="8" indent="-317500" algn="l" rtl="0">
+              <a:lnSpc>
+                <a:spcPct val="100000"/>
+              </a:lnSpc>
+              <a:spcBef>
+                <a:spcPts val="0"/>
+              </a:spcBef>
+              <a:spcAft>
+                <a:spcPts val="0"/>
+              </a:spcAft>
+              <a:buClr>
+                <a:schemeClr val="dk2"/>
+              </a:buClr>
+              <a:buSzPts val="1400"/>
+              <a:buFont typeface="Fira Code"/>
+              <a:buChar char="■"/>
+              <a:defRPr sz="1400" b="0" i="0" u="none" strike="noStrike" cap="none">
+                <a:solidFill>
+                  <a:schemeClr val="dk2"/>
+                </a:solidFill>
+                <a:latin typeface="Fira Code"/>
+                <a:ea typeface="Fira Code"/>
+                <a:cs typeface="Fira Code"/>
+                <a:sym typeface="Fira Code"/>
+              </a:defRPr>
+            </a:lvl9pPr>
+          </a:lstStyle>
+          <a:p>
+            <a:pPr marL="0" indent="0" algn="ctr">
+              <a:buFont typeface="Fira Code"/>
+              <a:buNone/>
+            </a:pPr>
+            <a:r>
+              <a:rPr lang="es-ES">
+                <a:solidFill>
+                  <a:schemeClr val="accent3"/>
+                </a:solidFill>
+              </a:rPr>
+              <a:t>Miguel Gil Jimenez</a:t>
+            </a:r>
+            <a:endParaRPr lang="es-ES" dirty="0">
+              <a:solidFill>
+                <a:schemeClr val="accent3"/>
+              </a:solidFill>
+            </a:endParaRPr>
+          </a:p>
+        </p:txBody>
+      </p:sp>
+      <p:sp>
+        <p:nvSpPr>
+          <p:cNvPr id="14" name="Google Shape;475;p28">
+            <a:extLst>
+              <a:ext uri="{FF2B5EF4-FFF2-40B4-BE49-F238E27FC236}">
+                <a16:creationId xmlns:a16="http://schemas.microsoft.com/office/drawing/2014/main" id="{80810414-6378-9A01-65A3-417E0C7728D7}"/>
+              </a:ext>
+            </a:extLst>
+          </p:cNvPr>
+          <p:cNvSpPr txBox="1">
+            <a:spLocks/>
+          </p:cNvSpPr>
+          <p:nvPr/>
+        </p:nvSpPr>
+        <p:spPr>
+          <a:xfrm>
+            <a:off x="3238214" y="4781400"/>
+            <a:ext cx="5788908" cy="357300"/>
+          </a:xfrm>
+          <a:prstGeom prst="rect">
+            <a:avLst/>
+          </a:prstGeom>
+          <a:noFill/>
+          <a:ln>
+            <a:noFill/>
+          </a:ln>
+        </p:spPr>
+        <p:txBody>
+          <a:bodyPr spcFirstLastPara="1" wrap="square" lIns="91425" tIns="91425" rIns="91425" bIns="91425" anchor="ctr" anchorCtr="0">
+            <a:noAutofit/>
+          </a:bodyPr>
+          <a:lstStyle>
+            <a:defPPr marR="0" lvl="0" algn="l" rtl="0">
+              <a:lnSpc>
+                <a:spcPct val="100000"/>
+              </a:lnSpc>
+              <a:spcBef>
+                <a:spcPts val="0"/>
+              </a:spcBef>
+              <a:spcAft>
+                <a:spcPts val="0"/>
+              </a:spcAft>
+            </a:defPPr>
+            <a:lvl1pPr marL="457200" marR="0" lvl="0" indent="-317500" algn="l" rtl="0">
+              <a:lnSpc>
+                <a:spcPct val="100000"/>
+              </a:lnSpc>
+              <a:spcBef>
+                <a:spcPts val="0"/>
+              </a:spcBef>
+              <a:spcAft>
+                <a:spcPts val="0"/>
+              </a:spcAft>
+              <a:buClr>
+                <a:schemeClr val="dk2"/>
+              </a:buClr>
+              <a:buSzPts val="1400"/>
+              <a:buFont typeface="Fira Code"/>
+              <a:buChar char="●"/>
+              <a:defRPr sz="1400" b="0" i="0" u="none" strike="noStrike" cap="none">
+                <a:solidFill>
+                  <a:schemeClr val="dk2"/>
+                </a:solidFill>
+                <a:latin typeface="Fira Code"/>
+                <a:ea typeface="Fira Code"/>
+                <a:cs typeface="Fira Code"/>
+                <a:sym typeface="Fira Code"/>
+              </a:defRPr>
+            </a:lvl1pPr>
+            <a:lvl2pPr marL="914400" marR="0" lvl="1" indent="-317500" algn="l" rtl="0">
+              <a:lnSpc>
+                <a:spcPct val="100000"/>
+              </a:lnSpc>
+              <a:spcBef>
+                <a:spcPts val="0"/>
+              </a:spcBef>
+              <a:spcAft>
+                <a:spcPts val="0"/>
+              </a:spcAft>
+              <a:buClr>
+                <a:schemeClr val="dk2"/>
+              </a:buClr>
+              <a:buSzPts val="1400"/>
+              <a:buFont typeface="Fira Code"/>
+              <a:buChar char="○"/>
+              <a:defRPr sz="1400" b="0" i="0" u="none" strike="noStrike" cap="none">
+                <a:solidFill>
+                  <a:schemeClr val="dk2"/>
+                </a:solidFill>
+                <a:latin typeface="Fira Code"/>
+                <a:ea typeface="Fira Code"/>
+                <a:cs typeface="Fira Code"/>
+                <a:sym typeface="Fira Code"/>
+              </a:defRPr>
+            </a:lvl2pPr>
+            <a:lvl3pPr marL="1371600" marR="0" lvl="2" indent="-317500" algn="l" rtl="0">
+              <a:lnSpc>
+                <a:spcPct val="100000"/>
+              </a:lnSpc>
+              <a:spcBef>
+                <a:spcPts val="0"/>
+              </a:spcBef>
+              <a:spcAft>
+                <a:spcPts val="0"/>
+              </a:spcAft>
+              <a:buClr>
+                <a:schemeClr val="dk2"/>
+              </a:buClr>
+              <a:buSzPts val="1400"/>
+              <a:buFont typeface="Fira Code"/>
+              <a:buChar char="■"/>
+              <a:defRPr sz="1400" b="0" i="0" u="none" strike="noStrike" cap="none">
+                <a:solidFill>
+                  <a:schemeClr val="dk2"/>
+                </a:solidFill>
+                <a:latin typeface="Fira Code"/>
+                <a:ea typeface="Fira Code"/>
+                <a:cs typeface="Fira Code"/>
+                <a:sym typeface="Fira Code"/>
+              </a:defRPr>
+            </a:lvl3pPr>
+            <a:lvl4pPr marL="1828800" marR="0" lvl="3" indent="-317500" algn="l" rtl="0">
+              <a:lnSpc>
+                <a:spcPct val="100000"/>
+              </a:lnSpc>
+              <a:spcBef>
+                <a:spcPts val="0"/>
+              </a:spcBef>
+              <a:spcAft>
+                <a:spcPts val="0"/>
+              </a:spcAft>
+              <a:buClr>
+                <a:schemeClr val="dk2"/>
+              </a:buClr>
+              <a:buSzPts val="1400"/>
+              <a:buFont typeface="Fira Code"/>
+              <a:buChar char="●"/>
+              <a:defRPr sz="1400" b="0" i="0" u="none" strike="noStrike" cap="none">
+                <a:solidFill>
+                  <a:schemeClr val="dk2"/>
+                </a:solidFill>
+                <a:latin typeface="Fira Code"/>
+                <a:ea typeface="Fira Code"/>
+                <a:cs typeface="Fira Code"/>
+                <a:sym typeface="Fira Code"/>
+              </a:defRPr>
+            </a:lvl4pPr>
+            <a:lvl5pPr marL="2286000" marR="0" lvl="4" indent="-317500" algn="l" rtl="0">
+              <a:lnSpc>
+                <a:spcPct val="100000"/>
+              </a:lnSpc>
+              <a:spcBef>
+                <a:spcPts val="0"/>
+              </a:spcBef>
+              <a:spcAft>
+                <a:spcPts val="0"/>
+              </a:spcAft>
+              <a:buClr>
+                <a:schemeClr val="dk2"/>
+              </a:buClr>
+              <a:buSzPts val="1400"/>
+              <a:buFont typeface="Fira Code"/>
+              <a:buChar char="○"/>
+              <a:defRPr sz="1400" b="0" i="0" u="none" strike="noStrike" cap="none">
+                <a:solidFill>
+                  <a:schemeClr val="dk2"/>
+                </a:solidFill>
+                <a:latin typeface="Fira Code"/>
+                <a:ea typeface="Fira Code"/>
+                <a:cs typeface="Fira Code"/>
+                <a:sym typeface="Fira Code"/>
+              </a:defRPr>
+            </a:lvl5pPr>
+            <a:lvl6pPr marL="2743200" marR="0" lvl="5" indent="-317500" algn="l" rtl="0">
+              <a:lnSpc>
+                <a:spcPct val="100000"/>
+              </a:lnSpc>
+              <a:spcBef>
+                <a:spcPts val="0"/>
+              </a:spcBef>
+              <a:spcAft>
+                <a:spcPts val="0"/>
+              </a:spcAft>
+              <a:buClr>
+                <a:schemeClr val="dk2"/>
+              </a:buClr>
+              <a:buSzPts val="1400"/>
+              <a:buFont typeface="Fira Code"/>
+              <a:buChar char="■"/>
+              <a:defRPr sz="1400" b="0" i="0" u="none" strike="noStrike" cap="none">
+                <a:solidFill>
+                  <a:schemeClr val="dk2"/>
+                </a:solidFill>
+                <a:latin typeface="Fira Code"/>
+                <a:ea typeface="Fira Code"/>
+                <a:cs typeface="Fira Code"/>
+                <a:sym typeface="Fira Code"/>
+              </a:defRPr>
+            </a:lvl6pPr>
+            <a:lvl7pPr marL="3200400" marR="0" lvl="6" indent="-317500" algn="l" rtl="0">
+              <a:lnSpc>
+                <a:spcPct val="100000"/>
+              </a:lnSpc>
+              <a:spcBef>
+                <a:spcPts val="0"/>
+              </a:spcBef>
+              <a:spcAft>
+                <a:spcPts val="0"/>
+              </a:spcAft>
+              <a:buClr>
+                <a:schemeClr val="dk2"/>
+              </a:buClr>
+              <a:buSzPts val="1400"/>
+              <a:buFont typeface="Fira Code"/>
+              <a:buChar char="●"/>
+              <a:defRPr sz="1400" b="0" i="0" u="none" strike="noStrike" cap="none">
+                <a:solidFill>
+                  <a:schemeClr val="dk2"/>
+                </a:solidFill>
+                <a:latin typeface="Fira Code"/>
+                <a:ea typeface="Fira Code"/>
+                <a:cs typeface="Fira Code"/>
+                <a:sym typeface="Fira Code"/>
+              </a:defRPr>
+            </a:lvl7pPr>
+            <a:lvl8pPr marL="3657600" marR="0" lvl="7" indent="-317500" algn="l" rtl="0">
+              <a:lnSpc>
+                <a:spcPct val="100000"/>
+              </a:lnSpc>
+              <a:spcBef>
+                <a:spcPts val="0"/>
+              </a:spcBef>
+              <a:spcAft>
+                <a:spcPts val="0"/>
+              </a:spcAft>
+              <a:buClr>
+                <a:schemeClr val="dk2"/>
+              </a:buClr>
+              <a:buSzPts val="1400"/>
+              <a:buFont typeface="Fira Code"/>
+              <a:buChar char="○"/>
+              <a:defRPr sz="1400" b="0" i="0" u="none" strike="noStrike" cap="none">
+                <a:solidFill>
+                  <a:schemeClr val="dk2"/>
+                </a:solidFill>
+                <a:latin typeface="Fira Code"/>
+                <a:ea typeface="Fira Code"/>
+                <a:cs typeface="Fira Code"/>
+                <a:sym typeface="Fira Code"/>
+              </a:defRPr>
+            </a:lvl8pPr>
+            <a:lvl9pPr marL="4114800" marR="0" lvl="8" indent="-317500" algn="l" rtl="0">
+              <a:lnSpc>
+                <a:spcPct val="100000"/>
+              </a:lnSpc>
+              <a:spcBef>
+                <a:spcPts val="0"/>
+              </a:spcBef>
+              <a:spcAft>
+                <a:spcPts val="0"/>
+              </a:spcAft>
+              <a:buClr>
+                <a:schemeClr val="dk2"/>
+              </a:buClr>
+              <a:buSzPts val="1400"/>
+              <a:buFont typeface="Fira Code"/>
+              <a:buChar char="■"/>
+              <a:defRPr sz="1400" b="0" i="0" u="none" strike="noStrike" cap="none">
+                <a:solidFill>
+                  <a:schemeClr val="dk2"/>
+                </a:solidFill>
+                <a:latin typeface="Fira Code"/>
+                <a:ea typeface="Fira Code"/>
+                <a:cs typeface="Fira Code"/>
+                <a:sym typeface="Fira Code"/>
+              </a:defRPr>
+            </a:lvl9pPr>
+          </a:lstStyle>
+          <a:p>
+            <a:pPr marL="0" indent="0" algn="ctr">
+              <a:buFont typeface="Fira Code"/>
+              <a:buNone/>
+            </a:pPr>
+            <a:r>
+              <a:rPr lang="en-US">
+                <a:solidFill>
+                  <a:schemeClr val="accent3"/>
+                </a:solidFill>
+              </a:rPr>
+              <a:t>Kaggle Competition - </a:t>
+            </a:r>
+            <a:r>
+              <a:rPr lang="en-US" b="1">
+                <a:solidFill>
+                  <a:srgbClr val="FFFFFF"/>
+                </a:solidFill>
+                <a:latin typeface="zeitung"/>
+              </a:rPr>
+              <a:t>Feature Imputation with a Heat Flux Dataset</a:t>
+            </a:r>
+          </a:p>
+          <a:p>
+            <a:pPr marL="0" indent="0" algn="ctr">
+              <a:buFont typeface="Fira Code"/>
+              <a:buNone/>
+            </a:pPr>
+            <a:endParaRPr lang="en-US" dirty="0">
+              <a:solidFill>
+                <a:schemeClr val="accent3"/>
+              </a:solidFill>
+            </a:endParaRPr>
+          </a:p>
+        </p:txBody>
+      </p:sp>
       <p:graphicFrame>
         <p:nvGraphicFramePr>
-          <p:cNvPr id="2" name="Tabla 4">
+          <p:cNvPr id="5" name="Tabla 4">
             <a:extLst>
               <a:ext uri="{FF2B5EF4-FFF2-40B4-BE49-F238E27FC236}">
-                <a16:creationId xmlns:a16="http://schemas.microsoft.com/office/drawing/2014/main" id="{23060F63-72E6-91A1-D075-7CF8DDE9EAFE}"/>
+                <a16:creationId xmlns:a16="http://schemas.microsoft.com/office/drawing/2014/main" id="{F8EEB703-D24A-FB40-7006-2C9F20B1EDC5}"/>
               </a:ext>
             </a:extLst>
           </p:cNvPr>
@@ -18660,14 +23759,14 @@
           <p:nvPr>
             <p:extLst>
               <p:ext uri="{D42A27DB-BD31-4B8C-83A1-F6EECF244321}">
-                <p14:modId xmlns:p14="http://schemas.microsoft.com/office/powerpoint/2010/main" val="2973947571"/>
+                <p14:modId xmlns:p14="http://schemas.microsoft.com/office/powerpoint/2010/main" val="3168447120"/>
               </p:ext>
             </p:extLst>
           </p:nvPr>
         </p:nvGraphicFramePr>
         <p:xfrm>
-          <a:off x="1279329" y="1454250"/>
-          <a:ext cx="4942134" cy="2565400"/>
+          <a:off x="1279329" y="1454248"/>
+          <a:ext cx="4942134" cy="2938895"/>
         </p:xfrm>
         <a:graphic>
           <a:graphicData uri="http://schemas.openxmlformats.org/drawingml/2006/table">
@@ -18676,14 +23775,14 @@
                 <a:tableStyleId>{69C7853C-536D-4A76-A0AE-DD22124D55A5}</a:tableStyleId>
               </a:tblPr>
               <a:tblGrid>
-                <a:gridCol w="1394536">
+                <a:gridCol w="1398557">
                   <a:extLst>
                     <a:ext uri="{9D8B030D-6E8A-4147-A177-3AD203B41FA5}">
                       <a16:colId xmlns:a16="http://schemas.microsoft.com/office/drawing/2014/main" val="601359338"/>
                     </a:ext>
                   </a:extLst>
                 </a:gridCol>
-                <a:gridCol w="3547598">
+                <a:gridCol w="3543577">
                   <a:extLst>
                     <a:ext uri="{9D8B030D-6E8A-4147-A177-3AD203B41FA5}">
                       <a16:colId xmlns:a16="http://schemas.microsoft.com/office/drawing/2014/main" val="2742169780"/>
@@ -18691,7 +23790,7 @@
                   </a:extLst>
                 </a:gridCol>
               </a:tblGrid>
-              <a:tr h="370840">
+              <a:tr h="566066">
                 <a:tc>
                   <a:txBody>
                     <a:bodyPr/>
@@ -18726,7 +23825,7 @@
                   </a:ext>
                 </a:extLst>
               </a:tr>
-              <a:tr h="370840">
+              <a:tr h="790943">
                 <a:tc>
                   <a:txBody>
                     <a:bodyPr/>
@@ -18787,21 +23886,6 @@
                           <a:cs typeface="+mn-cs"/>
                           <a:sym typeface="Arial"/>
                         </a:rPr>
-                        <a:t>R^2:       0.4488898381415902 </a:t>
-                      </a:r>
-                    </a:p>
-                    <a:p>
-                      <a:r>
-                        <a:rPr lang="pt-BR" sz="1400" b="0" i="0" u="none" strike="noStrike" cap="none" dirty="0">
-                          <a:solidFill>
-                            <a:schemeClr val="dk1"/>
-                          </a:solidFill>
-                          <a:effectLst/>
-                          <a:latin typeface="+mn-lt"/>
-                          <a:ea typeface="+mn-ea"/>
-                          <a:cs typeface="+mn-cs"/>
-                          <a:sym typeface="Arial"/>
-                        </a:rPr>
                         <a:t>MAE:      0.05306506898318904</a:t>
                       </a:r>
                       <a:endParaRPr lang="es-ES" dirty="0"/>
@@ -18815,7 +23899,7 @@
                   </a:ext>
                 </a:extLst>
               </a:tr>
-              <a:tr h="370840">
+              <a:tr h="790943">
                 <a:tc>
                   <a:txBody>
                     <a:bodyPr/>
@@ -18895,21 +23979,6 @@
                           <a:cs typeface="+mn-cs"/>
                           <a:sym typeface="Arial"/>
                         </a:rPr>
-                        <a:t>R^2:       0.4836910734283302 </a:t>
-                      </a:r>
-                    </a:p>
-                    <a:p>
-                      <a:r>
-                        <a:rPr lang="pt-BR" sz="1400" b="0" i="0" u="none" strike="noStrike" cap="none" dirty="0">
-                          <a:solidFill>
-                            <a:schemeClr val="dk1"/>
-                          </a:solidFill>
-                          <a:effectLst/>
-                          <a:latin typeface="+mn-lt"/>
-                          <a:ea typeface="+mn-ea"/>
-                          <a:cs typeface="+mn-cs"/>
-                          <a:sym typeface="Arial"/>
-                        </a:rPr>
                         <a:t>MAE:      0.05035068676579741</a:t>
                       </a:r>
                       <a:endParaRPr lang="es-ES" dirty="0"/>
@@ -18923,7 +23992,7 @@
                   </a:ext>
                 </a:extLst>
               </a:tr>
-              <a:tr h="370840">
+              <a:tr h="790943">
                 <a:tc>
                   <a:txBody>
                     <a:bodyPr/>
@@ -18988,22 +24057,23 @@
                           <a:cs typeface="+mn-cs"/>
                           <a:sym typeface="Arial"/>
                         </a:rPr>
-                        <a:t>RMSE:  0.07213794400585104 </a:t>
+                        <a:t>RMSE:  </a:t>
                       </a:r>
-                    </a:p>
-                    <a:p>
                       <a:r>
                         <a:rPr lang="pt-BR" sz="1400" b="0" i="0" u="none" strike="noStrike" cap="none" dirty="0">
                           <a:solidFill>
                             <a:schemeClr val="dk1"/>
                           </a:solidFill>
                           <a:effectLst/>
+                          <a:highlight>
+                            <a:srgbClr val="00FF00"/>
+                          </a:highlight>
                           <a:latin typeface="+mn-lt"/>
                           <a:ea typeface="+mn-ea"/>
                           <a:cs typeface="+mn-cs"/>
                           <a:sym typeface="Arial"/>
                         </a:rPr>
-                        <a:t>R^2:      0.4836910734283302 </a:t>
+                        <a:t>0.07213794400585104 </a:t>
                       </a:r>
                     </a:p>
                     <a:p>
@@ -19035,2135 +24105,10 @@
           </a:graphicData>
         </a:graphic>
       </p:graphicFrame>
-      <p:sp>
-        <p:nvSpPr>
-          <p:cNvPr id="3" name="Rectángulo 2">
-            <a:extLst>
-              <a:ext uri="{FF2B5EF4-FFF2-40B4-BE49-F238E27FC236}">
-                <a16:creationId xmlns:a16="http://schemas.microsoft.com/office/drawing/2014/main" id="{37E0ED80-1748-0B2D-4C9D-26020EF75F8A}"/>
-              </a:ext>
-            </a:extLst>
-          </p:cNvPr>
-          <p:cNvSpPr/>
-          <p:nvPr/>
-        </p:nvSpPr>
-        <p:spPr>
-          <a:xfrm>
-            <a:off x="6338521" y="1454250"/>
-            <a:ext cx="2468595" cy="738935"/>
-          </a:xfrm>
-          <a:prstGeom prst="rect">
-            <a:avLst/>
-          </a:prstGeom>
-          <a:ln>
-            <a:noFill/>
-          </a:ln>
-        </p:spPr>
-        <p:style>
-          <a:lnRef idx="2">
-            <a:schemeClr val="accent6">
-              <a:shade val="50000"/>
-            </a:schemeClr>
-          </a:lnRef>
-          <a:fillRef idx="1">
-            <a:schemeClr val="accent6"/>
-          </a:fillRef>
-          <a:effectRef idx="0">
-            <a:schemeClr val="accent6"/>
-          </a:effectRef>
-          <a:fontRef idx="minor">
-            <a:schemeClr val="lt1"/>
-          </a:fontRef>
-        </p:style>
-        <p:txBody>
-          <a:bodyPr rtlCol="0" anchor="ctr"/>
-          <a:lstStyle/>
-          <a:p>
-            <a:pPr algn="ctr"/>
-            <a:endParaRPr lang="es-ES" b="0" dirty="0">
-              <a:solidFill>
-                <a:srgbClr val="D4D4D4"/>
-              </a:solidFill>
-              <a:effectLst/>
-              <a:latin typeface="Consolas" panose="020B0609020204030204" pitchFamily="49" charset="0"/>
-            </a:endParaRPr>
-          </a:p>
-          <a:p>
-            <a:pPr algn="ctr"/>
-            <a:endParaRPr lang="es-ES" dirty="0"/>
-          </a:p>
-        </p:txBody>
-      </p:sp>
-      <p:sp>
-        <p:nvSpPr>
-          <p:cNvPr id="4" name="CuadroTexto 3">
-            <a:extLst>
-              <a:ext uri="{FF2B5EF4-FFF2-40B4-BE49-F238E27FC236}">
-                <a16:creationId xmlns:a16="http://schemas.microsoft.com/office/drawing/2014/main" id="{57A59EF4-D12D-4168-4639-214A14F0A0B4}"/>
-              </a:ext>
-            </a:extLst>
-          </p:cNvPr>
-          <p:cNvSpPr txBox="1"/>
-          <p:nvPr/>
-        </p:nvSpPr>
-        <p:spPr>
-          <a:xfrm>
-            <a:off x="6872147" y="1669828"/>
-            <a:ext cx="2052027" cy="307777"/>
-          </a:xfrm>
-          <a:prstGeom prst="rect">
-            <a:avLst/>
-          </a:prstGeom>
-          <a:noFill/>
-        </p:spPr>
-        <p:txBody>
-          <a:bodyPr wrap="square" rtlCol="0">
-            <a:spAutoFit/>
-          </a:bodyPr>
-          <a:lstStyle/>
-          <a:p>
-            <a:r>
-              <a:rPr lang="es-ES" b="1" dirty="0" err="1">
-                <a:solidFill>
-                  <a:schemeClr val="tx1"/>
-                </a:solidFill>
-                <a:effectLst/>
-                <a:latin typeface="Consolas" panose="020B0609020204030204" pitchFamily="49" charset="0"/>
-              </a:rPr>
-              <a:t>GridSearchCV</a:t>
-            </a:r>
-            <a:endParaRPr lang="es-ES" b="1" dirty="0">
-              <a:solidFill>
-                <a:schemeClr val="tx1"/>
-              </a:solidFill>
-              <a:effectLst/>
-              <a:latin typeface="Consolas" panose="020B0609020204030204" pitchFamily="49" charset="0"/>
-            </a:endParaRPr>
-          </a:p>
-        </p:txBody>
-      </p:sp>
-      <p:sp>
-        <p:nvSpPr>
-          <p:cNvPr id="13" name="Google Shape;474;p28">
-            <a:extLst>
-              <a:ext uri="{FF2B5EF4-FFF2-40B4-BE49-F238E27FC236}">
-                <a16:creationId xmlns:a16="http://schemas.microsoft.com/office/drawing/2014/main" id="{D83B0DA1-E23A-BEC1-9264-5679527CE1DD}"/>
-              </a:ext>
-            </a:extLst>
-          </p:cNvPr>
-          <p:cNvSpPr txBox="1">
-            <a:spLocks/>
-          </p:cNvSpPr>
-          <p:nvPr/>
-        </p:nvSpPr>
-        <p:spPr>
-          <a:xfrm>
-            <a:off x="-5975" y="91525"/>
-            <a:ext cx="4572000" cy="357300"/>
-          </a:xfrm>
-          <a:prstGeom prst="rect">
-            <a:avLst/>
-          </a:prstGeom>
-          <a:noFill/>
-          <a:ln>
-            <a:noFill/>
-          </a:ln>
-        </p:spPr>
-        <p:txBody>
-          <a:bodyPr spcFirstLastPara="1" wrap="square" lIns="91425" tIns="91425" rIns="91425" bIns="91425" anchor="ctr" anchorCtr="0">
-            <a:noAutofit/>
-          </a:bodyPr>
-          <a:lstStyle>
-            <a:defPPr marR="0" lvl="0" algn="l" rtl="0">
-              <a:lnSpc>
-                <a:spcPct val="100000"/>
-              </a:lnSpc>
-              <a:spcBef>
-                <a:spcPts val="0"/>
-              </a:spcBef>
-              <a:spcAft>
-                <a:spcPts val="0"/>
-              </a:spcAft>
-            </a:defPPr>
-            <a:lvl1pPr marL="457200" marR="0" lvl="0" indent="-317500" algn="l" rtl="0">
-              <a:lnSpc>
-                <a:spcPct val="100000"/>
-              </a:lnSpc>
-              <a:spcBef>
-                <a:spcPts val="0"/>
-              </a:spcBef>
-              <a:spcAft>
-                <a:spcPts val="0"/>
-              </a:spcAft>
-              <a:buClr>
-                <a:schemeClr val="dk2"/>
-              </a:buClr>
-              <a:buSzPts val="1400"/>
-              <a:buFont typeface="Fira Code"/>
-              <a:buChar char="●"/>
-              <a:defRPr sz="1400" b="0" i="0" u="none" strike="noStrike" cap="none">
-                <a:solidFill>
-                  <a:schemeClr val="dk2"/>
-                </a:solidFill>
-                <a:latin typeface="Fira Code"/>
-                <a:ea typeface="Fira Code"/>
-                <a:cs typeface="Fira Code"/>
-                <a:sym typeface="Fira Code"/>
-              </a:defRPr>
-            </a:lvl1pPr>
-            <a:lvl2pPr marL="914400" marR="0" lvl="1" indent="-317500" algn="l" rtl="0">
-              <a:lnSpc>
-                <a:spcPct val="100000"/>
-              </a:lnSpc>
-              <a:spcBef>
-                <a:spcPts val="0"/>
-              </a:spcBef>
-              <a:spcAft>
-                <a:spcPts val="0"/>
-              </a:spcAft>
-              <a:buClr>
-                <a:schemeClr val="dk2"/>
-              </a:buClr>
-              <a:buSzPts val="1400"/>
-              <a:buFont typeface="Fira Code"/>
-              <a:buChar char="○"/>
-              <a:defRPr sz="1400" b="0" i="0" u="none" strike="noStrike" cap="none">
-                <a:solidFill>
-                  <a:schemeClr val="dk2"/>
-                </a:solidFill>
-                <a:latin typeface="Fira Code"/>
-                <a:ea typeface="Fira Code"/>
-                <a:cs typeface="Fira Code"/>
-                <a:sym typeface="Fira Code"/>
-              </a:defRPr>
-            </a:lvl2pPr>
-            <a:lvl3pPr marL="1371600" marR="0" lvl="2" indent="-317500" algn="l" rtl="0">
-              <a:lnSpc>
-                <a:spcPct val="100000"/>
-              </a:lnSpc>
-              <a:spcBef>
-                <a:spcPts val="0"/>
-              </a:spcBef>
-              <a:spcAft>
-                <a:spcPts val="0"/>
-              </a:spcAft>
-              <a:buClr>
-                <a:schemeClr val="dk2"/>
-              </a:buClr>
-              <a:buSzPts val="1400"/>
-              <a:buFont typeface="Fira Code"/>
-              <a:buChar char="■"/>
-              <a:defRPr sz="1400" b="0" i="0" u="none" strike="noStrike" cap="none">
-                <a:solidFill>
-                  <a:schemeClr val="dk2"/>
-                </a:solidFill>
-                <a:latin typeface="Fira Code"/>
-                <a:ea typeface="Fira Code"/>
-                <a:cs typeface="Fira Code"/>
-                <a:sym typeface="Fira Code"/>
-              </a:defRPr>
-            </a:lvl3pPr>
-            <a:lvl4pPr marL="1828800" marR="0" lvl="3" indent="-317500" algn="l" rtl="0">
-              <a:lnSpc>
-                <a:spcPct val="100000"/>
-              </a:lnSpc>
-              <a:spcBef>
-                <a:spcPts val="0"/>
-              </a:spcBef>
-              <a:spcAft>
-                <a:spcPts val="0"/>
-              </a:spcAft>
-              <a:buClr>
-                <a:schemeClr val="dk2"/>
-              </a:buClr>
-              <a:buSzPts val="1400"/>
-              <a:buFont typeface="Fira Code"/>
-              <a:buChar char="●"/>
-              <a:defRPr sz="1400" b="0" i="0" u="none" strike="noStrike" cap="none">
-                <a:solidFill>
-                  <a:schemeClr val="dk2"/>
-                </a:solidFill>
-                <a:latin typeface="Fira Code"/>
-                <a:ea typeface="Fira Code"/>
-                <a:cs typeface="Fira Code"/>
-                <a:sym typeface="Fira Code"/>
-              </a:defRPr>
-            </a:lvl4pPr>
-            <a:lvl5pPr marL="2286000" marR="0" lvl="4" indent="-317500" algn="l" rtl="0">
-              <a:lnSpc>
-                <a:spcPct val="100000"/>
-              </a:lnSpc>
-              <a:spcBef>
-                <a:spcPts val="0"/>
-              </a:spcBef>
-              <a:spcAft>
-                <a:spcPts val="0"/>
-              </a:spcAft>
-              <a:buClr>
-                <a:schemeClr val="dk2"/>
-              </a:buClr>
-              <a:buSzPts val="1400"/>
-              <a:buFont typeface="Fira Code"/>
-              <a:buChar char="○"/>
-              <a:defRPr sz="1400" b="0" i="0" u="none" strike="noStrike" cap="none">
-                <a:solidFill>
-                  <a:schemeClr val="dk2"/>
-                </a:solidFill>
-                <a:latin typeface="Fira Code"/>
-                <a:ea typeface="Fira Code"/>
-                <a:cs typeface="Fira Code"/>
-                <a:sym typeface="Fira Code"/>
-              </a:defRPr>
-            </a:lvl5pPr>
-            <a:lvl6pPr marL="2743200" marR="0" lvl="5" indent="-317500" algn="l" rtl="0">
-              <a:lnSpc>
-                <a:spcPct val="100000"/>
-              </a:lnSpc>
-              <a:spcBef>
-                <a:spcPts val="0"/>
-              </a:spcBef>
-              <a:spcAft>
-                <a:spcPts val="0"/>
-              </a:spcAft>
-              <a:buClr>
-                <a:schemeClr val="dk2"/>
-              </a:buClr>
-              <a:buSzPts val="1400"/>
-              <a:buFont typeface="Fira Code"/>
-              <a:buChar char="■"/>
-              <a:defRPr sz="1400" b="0" i="0" u="none" strike="noStrike" cap="none">
-                <a:solidFill>
-                  <a:schemeClr val="dk2"/>
-                </a:solidFill>
-                <a:latin typeface="Fira Code"/>
-                <a:ea typeface="Fira Code"/>
-                <a:cs typeface="Fira Code"/>
-                <a:sym typeface="Fira Code"/>
-              </a:defRPr>
-            </a:lvl6pPr>
-            <a:lvl7pPr marL="3200400" marR="0" lvl="6" indent="-317500" algn="l" rtl="0">
-              <a:lnSpc>
-                <a:spcPct val="100000"/>
-              </a:lnSpc>
-              <a:spcBef>
-                <a:spcPts val="0"/>
-              </a:spcBef>
-              <a:spcAft>
-                <a:spcPts val="0"/>
-              </a:spcAft>
-              <a:buClr>
-                <a:schemeClr val="dk2"/>
-              </a:buClr>
-              <a:buSzPts val="1400"/>
-              <a:buFont typeface="Fira Code"/>
-              <a:buChar char="●"/>
-              <a:defRPr sz="1400" b="0" i="0" u="none" strike="noStrike" cap="none">
-                <a:solidFill>
-                  <a:schemeClr val="dk2"/>
-                </a:solidFill>
-                <a:latin typeface="Fira Code"/>
-                <a:ea typeface="Fira Code"/>
-                <a:cs typeface="Fira Code"/>
-                <a:sym typeface="Fira Code"/>
-              </a:defRPr>
-            </a:lvl7pPr>
-            <a:lvl8pPr marL="3657600" marR="0" lvl="7" indent="-317500" algn="l" rtl="0">
-              <a:lnSpc>
-                <a:spcPct val="100000"/>
-              </a:lnSpc>
-              <a:spcBef>
-                <a:spcPts val="0"/>
-              </a:spcBef>
-              <a:spcAft>
-                <a:spcPts val="0"/>
-              </a:spcAft>
-              <a:buClr>
-                <a:schemeClr val="dk2"/>
-              </a:buClr>
-              <a:buSzPts val="1400"/>
-              <a:buFont typeface="Fira Code"/>
-              <a:buChar char="○"/>
-              <a:defRPr sz="1400" b="0" i="0" u="none" strike="noStrike" cap="none">
-                <a:solidFill>
-                  <a:schemeClr val="dk2"/>
-                </a:solidFill>
-                <a:latin typeface="Fira Code"/>
-                <a:ea typeface="Fira Code"/>
-                <a:cs typeface="Fira Code"/>
-                <a:sym typeface="Fira Code"/>
-              </a:defRPr>
-            </a:lvl8pPr>
-            <a:lvl9pPr marL="4114800" marR="0" lvl="8" indent="-317500" algn="l" rtl="0">
-              <a:lnSpc>
-                <a:spcPct val="100000"/>
-              </a:lnSpc>
-              <a:spcBef>
-                <a:spcPts val="0"/>
-              </a:spcBef>
-              <a:spcAft>
-                <a:spcPts val="0"/>
-              </a:spcAft>
-              <a:buClr>
-                <a:schemeClr val="dk2"/>
-              </a:buClr>
-              <a:buSzPts val="1400"/>
-              <a:buFont typeface="Fira Code"/>
-              <a:buChar char="■"/>
-              <a:defRPr sz="1400" b="0" i="0" u="none" strike="noStrike" cap="none">
-                <a:solidFill>
-                  <a:schemeClr val="dk2"/>
-                </a:solidFill>
-                <a:latin typeface="Fira Code"/>
-                <a:ea typeface="Fira Code"/>
-                <a:cs typeface="Fira Code"/>
-                <a:sym typeface="Fira Code"/>
-              </a:defRPr>
-            </a:lvl9pPr>
-          </a:lstStyle>
-          <a:p>
-            <a:pPr marL="0" indent="0" algn="ctr">
-              <a:buFont typeface="Fira Code"/>
-              <a:buNone/>
-            </a:pPr>
-            <a:r>
-              <a:rPr lang="es-ES">
-                <a:solidFill>
-                  <a:schemeClr val="accent3"/>
-                </a:solidFill>
-              </a:rPr>
-              <a:t>Miguel Gil Jimenez</a:t>
-            </a:r>
-            <a:endParaRPr lang="es-ES" dirty="0">
-              <a:solidFill>
-                <a:schemeClr val="accent3"/>
-              </a:solidFill>
-            </a:endParaRPr>
-          </a:p>
-        </p:txBody>
-      </p:sp>
-      <p:sp>
-        <p:nvSpPr>
-          <p:cNvPr id="14" name="Google Shape;475;p28">
-            <a:extLst>
-              <a:ext uri="{FF2B5EF4-FFF2-40B4-BE49-F238E27FC236}">
-                <a16:creationId xmlns:a16="http://schemas.microsoft.com/office/drawing/2014/main" id="{80810414-6378-9A01-65A3-417E0C7728D7}"/>
-              </a:ext>
-            </a:extLst>
-          </p:cNvPr>
-          <p:cNvSpPr txBox="1">
-            <a:spLocks/>
-          </p:cNvSpPr>
-          <p:nvPr/>
-        </p:nvSpPr>
-        <p:spPr>
-          <a:xfrm>
-            <a:off x="3238214" y="4781400"/>
-            <a:ext cx="5788908" cy="357300"/>
-          </a:xfrm>
-          <a:prstGeom prst="rect">
-            <a:avLst/>
-          </a:prstGeom>
-          <a:noFill/>
-          <a:ln>
-            <a:noFill/>
-          </a:ln>
-        </p:spPr>
-        <p:txBody>
-          <a:bodyPr spcFirstLastPara="1" wrap="square" lIns="91425" tIns="91425" rIns="91425" bIns="91425" anchor="ctr" anchorCtr="0">
-            <a:noAutofit/>
-          </a:bodyPr>
-          <a:lstStyle>
-            <a:defPPr marR="0" lvl="0" algn="l" rtl="0">
-              <a:lnSpc>
-                <a:spcPct val="100000"/>
-              </a:lnSpc>
-              <a:spcBef>
-                <a:spcPts val="0"/>
-              </a:spcBef>
-              <a:spcAft>
-                <a:spcPts val="0"/>
-              </a:spcAft>
-            </a:defPPr>
-            <a:lvl1pPr marL="457200" marR="0" lvl="0" indent="-317500" algn="l" rtl="0">
-              <a:lnSpc>
-                <a:spcPct val="100000"/>
-              </a:lnSpc>
-              <a:spcBef>
-                <a:spcPts val="0"/>
-              </a:spcBef>
-              <a:spcAft>
-                <a:spcPts val="0"/>
-              </a:spcAft>
-              <a:buClr>
-                <a:schemeClr val="dk2"/>
-              </a:buClr>
-              <a:buSzPts val="1400"/>
-              <a:buFont typeface="Fira Code"/>
-              <a:buChar char="●"/>
-              <a:defRPr sz="1400" b="0" i="0" u="none" strike="noStrike" cap="none">
-                <a:solidFill>
-                  <a:schemeClr val="dk2"/>
-                </a:solidFill>
-                <a:latin typeface="Fira Code"/>
-                <a:ea typeface="Fira Code"/>
-                <a:cs typeface="Fira Code"/>
-                <a:sym typeface="Fira Code"/>
-              </a:defRPr>
-            </a:lvl1pPr>
-            <a:lvl2pPr marL="914400" marR="0" lvl="1" indent="-317500" algn="l" rtl="0">
-              <a:lnSpc>
-                <a:spcPct val="100000"/>
-              </a:lnSpc>
-              <a:spcBef>
-                <a:spcPts val="0"/>
-              </a:spcBef>
-              <a:spcAft>
-                <a:spcPts val="0"/>
-              </a:spcAft>
-              <a:buClr>
-                <a:schemeClr val="dk2"/>
-              </a:buClr>
-              <a:buSzPts val="1400"/>
-              <a:buFont typeface="Fira Code"/>
-              <a:buChar char="○"/>
-              <a:defRPr sz="1400" b="0" i="0" u="none" strike="noStrike" cap="none">
-                <a:solidFill>
-                  <a:schemeClr val="dk2"/>
-                </a:solidFill>
-                <a:latin typeface="Fira Code"/>
-                <a:ea typeface="Fira Code"/>
-                <a:cs typeface="Fira Code"/>
-                <a:sym typeface="Fira Code"/>
-              </a:defRPr>
-            </a:lvl2pPr>
-            <a:lvl3pPr marL="1371600" marR="0" lvl="2" indent="-317500" algn="l" rtl="0">
-              <a:lnSpc>
-                <a:spcPct val="100000"/>
-              </a:lnSpc>
-              <a:spcBef>
-                <a:spcPts val="0"/>
-              </a:spcBef>
-              <a:spcAft>
-                <a:spcPts val="0"/>
-              </a:spcAft>
-              <a:buClr>
-                <a:schemeClr val="dk2"/>
-              </a:buClr>
-              <a:buSzPts val="1400"/>
-              <a:buFont typeface="Fira Code"/>
-              <a:buChar char="■"/>
-              <a:defRPr sz="1400" b="0" i="0" u="none" strike="noStrike" cap="none">
-                <a:solidFill>
-                  <a:schemeClr val="dk2"/>
-                </a:solidFill>
-                <a:latin typeface="Fira Code"/>
-                <a:ea typeface="Fira Code"/>
-                <a:cs typeface="Fira Code"/>
-                <a:sym typeface="Fira Code"/>
-              </a:defRPr>
-            </a:lvl3pPr>
-            <a:lvl4pPr marL="1828800" marR="0" lvl="3" indent="-317500" algn="l" rtl="0">
-              <a:lnSpc>
-                <a:spcPct val="100000"/>
-              </a:lnSpc>
-              <a:spcBef>
-                <a:spcPts val="0"/>
-              </a:spcBef>
-              <a:spcAft>
-                <a:spcPts val="0"/>
-              </a:spcAft>
-              <a:buClr>
-                <a:schemeClr val="dk2"/>
-              </a:buClr>
-              <a:buSzPts val="1400"/>
-              <a:buFont typeface="Fira Code"/>
-              <a:buChar char="●"/>
-              <a:defRPr sz="1400" b="0" i="0" u="none" strike="noStrike" cap="none">
-                <a:solidFill>
-                  <a:schemeClr val="dk2"/>
-                </a:solidFill>
-                <a:latin typeface="Fira Code"/>
-                <a:ea typeface="Fira Code"/>
-                <a:cs typeface="Fira Code"/>
-                <a:sym typeface="Fira Code"/>
-              </a:defRPr>
-            </a:lvl4pPr>
-            <a:lvl5pPr marL="2286000" marR="0" lvl="4" indent="-317500" algn="l" rtl="0">
-              <a:lnSpc>
-                <a:spcPct val="100000"/>
-              </a:lnSpc>
-              <a:spcBef>
-                <a:spcPts val="0"/>
-              </a:spcBef>
-              <a:spcAft>
-                <a:spcPts val="0"/>
-              </a:spcAft>
-              <a:buClr>
-                <a:schemeClr val="dk2"/>
-              </a:buClr>
-              <a:buSzPts val="1400"/>
-              <a:buFont typeface="Fira Code"/>
-              <a:buChar char="○"/>
-              <a:defRPr sz="1400" b="0" i="0" u="none" strike="noStrike" cap="none">
-                <a:solidFill>
-                  <a:schemeClr val="dk2"/>
-                </a:solidFill>
-                <a:latin typeface="Fira Code"/>
-                <a:ea typeface="Fira Code"/>
-                <a:cs typeface="Fira Code"/>
-                <a:sym typeface="Fira Code"/>
-              </a:defRPr>
-            </a:lvl5pPr>
-            <a:lvl6pPr marL="2743200" marR="0" lvl="5" indent="-317500" algn="l" rtl="0">
-              <a:lnSpc>
-                <a:spcPct val="100000"/>
-              </a:lnSpc>
-              <a:spcBef>
-                <a:spcPts val="0"/>
-              </a:spcBef>
-              <a:spcAft>
-                <a:spcPts val="0"/>
-              </a:spcAft>
-              <a:buClr>
-                <a:schemeClr val="dk2"/>
-              </a:buClr>
-              <a:buSzPts val="1400"/>
-              <a:buFont typeface="Fira Code"/>
-              <a:buChar char="■"/>
-              <a:defRPr sz="1400" b="0" i="0" u="none" strike="noStrike" cap="none">
-                <a:solidFill>
-                  <a:schemeClr val="dk2"/>
-                </a:solidFill>
-                <a:latin typeface="Fira Code"/>
-                <a:ea typeface="Fira Code"/>
-                <a:cs typeface="Fira Code"/>
-                <a:sym typeface="Fira Code"/>
-              </a:defRPr>
-            </a:lvl6pPr>
-            <a:lvl7pPr marL="3200400" marR="0" lvl="6" indent="-317500" algn="l" rtl="0">
-              <a:lnSpc>
-                <a:spcPct val="100000"/>
-              </a:lnSpc>
-              <a:spcBef>
-                <a:spcPts val="0"/>
-              </a:spcBef>
-              <a:spcAft>
-                <a:spcPts val="0"/>
-              </a:spcAft>
-              <a:buClr>
-                <a:schemeClr val="dk2"/>
-              </a:buClr>
-              <a:buSzPts val="1400"/>
-              <a:buFont typeface="Fira Code"/>
-              <a:buChar char="●"/>
-              <a:defRPr sz="1400" b="0" i="0" u="none" strike="noStrike" cap="none">
-                <a:solidFill>
-                  <a:schemeClr val="dk2"/>
-                </a:solidFill>
-                <a:latin typeface="Fira Code"/>
-                <a:ea typeface="Fira Code"/>
-                <a:cs typeface="Fira Code"/>
-                <a:sym typeface="Fira Code"/>
-              </a:defRPr>
-            </a:lvl7pPr>
-            <a:lvl8pPr marL="3657600" marR="0" lvl="7" indent="-317500" algn="l" rtl="0">
-              <a:lnSpc>
-                <a:spcPct val="100000"/>
-              </a:lnSpc>
-              <a:spcBef>
-                <a:spcPts val="0"/>
-              </a:spcBef>
-              <a:spcAft>
-                <a:spcPts val="0"/>
-              </a:spcAft>
-              <a:buClr>
-                <a:schemeClr val="dk2"/>
-              </a:buClr>
-              <a:buSzPts val="1400"/>
-              <a:buFont typeface="Fira Code"/>
-              <a:buChar char="○"/>
-              <a:defRPr sz="1400" b="0" i="0" u="none" strike="noStrike" cap="none">
-                <a:solidFill>
-                  <a:schemeClr val="dk2"/>
-                </a:solidFill>
-                <a:latin typeface="Fira Code"/>
-                <a:ea typeface="Fira Code"/>
-                <a:cs typeface="Fira Code"/>
-                <a:sym typeface="Fira Code"/>
-              </a:defRPr>
-            </a:lvl8pPr>
-            <a:lvl9pPr marL="4114800" marR="0" lvl="8" indent="-317500" algn="l" rtl="0">
-              <a:lnSpc>
-                <a:spcPct val="100000"/>
-              </a:lnSpc>
-              <a:spcBef>
-                <a:spcPts val="0"/>
-              </a:spcBef>
-              <a:spcAft>
-                <a:spcPts val="0"/>
-              </a:spcAft>
-              <a:buClr>
-                <a:schemeClr val="dk2"/>
-              </a:buClr>
-              <a:buSzPts val="1400"/>
-              <a:buFont typeface="Fira Code"/>
-              <a:buChar char="■"/>
-              <a:defRPr sz="1400" b="0" i="0" u="none" strike="noStrike" cap="none">
-                <a:solidFill>
-                  <a:schemeClr val="dk2"/>
-                </a:solidFill>
-                <a:latin typeface="Fira Code"/>
-                <a:ea typeface="Fira Code"/>
-                <a:cs typeface="Fira Code"/>
-                <a:sym typeface="Fira Code"/>
-              </a:defRPr>
-            </a:lvl9pPr>
-          </a:lstStyle>
-          <a:p>
-            <a:pPr marL="0" indent="0" algn="ctr">
-              <a:buFont typeface="Fira Code"/>
-              <a:buNone/>
-            </a:pPr>
-            <a:r>
-              <a:rPr lang="en-US">
-                <a:solidFill>
-                  <a:schemeClr val="accent3"/>
-                </a:solidFill>
-              </a:rPr>
-              <a:t>Kaggle Competition - </a:t>
-            </a:r>
-            <a:r>
-              <a:rPr lang="en-US" b="1">
-                <a:solidFill>
-                  <a:srgbClr val="FFFFFF"/>
-                </a:solidFill>
-                <a:latin typeface="zeitung"/>
-              </a:rPr>
-              <a:t>Feature Imputation with a Heat Flux Dataset</a:t>
-            </a:r>
-          </a:p>
-          <a:p>
-            <a:pPr marL="0" indent="0" algn="ctr">
-              <a:buFont typeface="Fira Code"/>
-              <a:buNone/>
-            </a:pPr>
-            <a:endParaRPr lang="en-US" dirty="0">
-              <a:solidFill>
-                <a:schemeClr val="accent3"/>
-              </a:solidFill>
-            </a:endParaRPr>
-          </a:p>
-        </p:txBody>
-      </p:sp>
     </p:spTree>
     <p:extLst>
       <p:ext uri="{BB962C8B-B14F-4D97-AF65-F5344CB8AC3E}">
         <p14:creationId xmlns:p14="http://schemas.microsoft.com/office/powerpoint/2010/main" val="3456072656"/>
-      </p:ext>
-    </p:extLst>
-  </p:cSld>
-  <p:clrMapOvr>
-    <a:masterClrMapping/>
-  </p:clrMapOvr>
-</p:sld>
-</file>
-
-<file path=ppt/slides/slide9.xml><?xml version="1.0" encoding="utf-8"?>
-<p:sld xmlns:a="http://schemas.openxmlformats.org/drawingml/2006/main" xmlns:r="http://schemas.openxmlformats.org/officeDocument/2006/relationships" xmlns:p="http://schemas.openxmlformats.org/presentationml/2006/main">
-  <p:cSld>
-    <p:spTree>
-      <p:nvGrpSpPr>
-        <p:cNvPr id="1" name="Shape 479"/>
-        <p:cNvGrpSpPr/>
-        <p:nvPr/>
-      </p:nvGrpSpPr>
-      <p:grpSpPr>
-        <a:xfrm>
-          <a:off x="0" y="0"/>
-          <a:ext cx="0" cy="0"/>
-          <a:chOff x="0" y="0"/>
-          <a:chExt cx="0" cy="0"/>
-        </a:xfrm>
-      </p:grpSpPr>
-      <p:sp>
-        <p:nvSpPr>
-          <p:cNvPr id="489" name="Google Shape;489;p29"/>
-          <p:cNvSpPr txBox="1">
-            <a:spLocks noGrp="1"/>
-          </p:cNvSpPr>
-          <p:nvPr>
-            <p:ph type="title" idx="9"/>
-          </p:nvPr>
-        </p:nvSpPr>
-        <p:spPr>
-          <a:xfrm>
-            <a:off x="1143250" y="582700"/>
-            <a:ext cx="7290600" cy="541200"/>
-          </a:xfrm>
-          <a:prstGeom prst="rect">
-            <a:avLst/>
-          </a:prstGeom>
-        </p:spPr>
-        <p:txBody>
-          <a:bodyPr spcFirstLastPara="1" wrap="square" lIns="91425" tIns="91425" rIns="91425" bIns="91425" anchor="t" anchorCtr="0">
-            <a:noAutofit/>
-          </a:bodyPr>
-          <a:lstStyle/>
-          <a:p>
-            <a:pPr marL="0" lvl="0" indent="0" algn="l" rtl="0">
-              <a:spcBef>
-                <a:spcPts val="0"/>
-              </a:spcBef>
-              <a:spcAft>
-                <a:spcPts val="0"/>
-              </a:spcAft>
-              <a:buNone/>
-            </a:pPr>
-            <a:r>
-              <a:rPr lang="es-ES" dirty="0"/>
-              <a:t>p</a:t>
-            </a:r>
-            <a:r>
-              <a:rPr lang="en" dirty="0"/>
-              <a:t>rint(resultados)</a:t>
-            </a:r>
-            <a:endParaRPr dirty="0">
-              <a:solidFill>
-                <a:schemeClr val="accent6"/>
-              </a:solidFill>
-            </a:endParaRPr>
-          </a:p>
-        </p:txBody>
-      </p:sp>
-      <p:graphicFrame>
-        <p:nvGraphicFramePr>
-          <p:cNvPr id="2" name="Tabla 4">
-            <a:extLst>
-              <a:ext uri="{FF2B5EF4-FFF2-40B4-BE49-F238E27FC236}">
-                <a16:creationId xmlns:a16="http://schemas.microsoft.com/office/drawing/2014/main" id="{23060F63-72E6-91A1-D075-7CF8DDE9EAFE}"/>
-              </a:ext>
-            </a:extLst>
-          </p:cNvPr>
-          <p:cNvGraphicFramePr>
-            <a:graphicFrameLocks noGrp="1"/>
-          </p:cNvGraphicFramePr>
-          <p:nvPr>
-            <p:extLst>
-              <p:ext uri="{D42A27DB-BD31-4B8C-83A1-F6EECF244321}">
-                <p14:modId xmlns:p14="http://schemas.microsoft.com/office/powerpoint/2010/main" val="3184117939"/>
-              </p:ext>
-            </p:extLst>
-          </p:nvPr>
-        </p:nvGraphicFramePr>
-        <p:xfrm>
-          <a:off x="4799173" y="1454250"/>
-          <a:ext cx="4117654" cy="2565400"/>
-        </p:xfrm>
-        <a:graphic>
-          <a:graphicData uri="http://schemas.openxmlformats.org/drawingml/2006/table">
-            <a:tbl>
-              <a:tblPr firstRow="1" bandRow="1">
-                <a:tableStyleId>{69C7853C-536D-4A76-A0AE-DD22124D55A5}</a:tableStyleId>
-              </a:tblPr>
-              <a:tblGrid>
-                <a:gridCol w="1161890">
-                  <a:extLst>
-                    <a:ext uri="{9D8B030D-6E8A-4147-A177-3AD203B41FA5}">
-                      <a16:colId xmlns:a16="http://schemas.microsoft.com/office/drawing/2014/main" val="601359338"/>
-                    </a:ext>
-                  </a:extLst>
-                </a:gridCol>
-                <a:gridCol w="2955764">
-                  <a:extLst>
-                    <a:ext uri="{9D8B030D-6E8A-4147-A177-3AD203B41FA5}">
-                      <a16:colId xmlns:a16="http://schemas.microsoft.com/office/drawing/2014/main" val="2742169780"/>
-                    </a:ext>
-                  </a:extLst>
-                </a:gridCol>
-              </a:tblGrid>
-              <a:tr h="370840">
-                <a:tc>
-                  <a:txBody>
-                    <a:bodyPr/>
-                    <a:lstStyle/>
-                    <a:p>
-                      <a:pPr algn="ctr"/>
-                      <a:r>
-                        <a:rPr lang="es-ES" dirty="0"/>
-                        <a:t>MODELO</a:t>
-                      </a:r>
-                    </a:p>
-                  </a:txBody>
-                  <a:tcPr/>
-                </a:tc>
-                <a:tc>
-                  <a:txBody>
-                    <a:bodyPr/>
-                    <a:lstStyle/>
-                    <a:p>
-                      <a:pPr algn="ctr"/>
-                      <a:r>
-                        <a:rPr lang="es-ES" dirty="0"/>
-                        <a:t>RSME</a:t>
-                      </a:r>
-                    </a:p>
-                  </a:txBody>
-                  <a:tcPr/>
-                </a:tc>
-                <a:extLst>
-                  <a:ext uri="{0D108BD9-81ED-4DB2-BD59-A6C34878D82A}">
-                    <a16:rowId xmlns:a16="http://schemas.microsoft.com/office/drawing/2014/main" val="1341546067"/>
-                  </a:ext>
-                </a:extLst>
-              </a:tr>
-              <a:tr h="370840">
-                <a:tc>
-                  <a:txBody>
-                    <a:bodyPr/>
-                    <a:lstStyle/>
-                    <a:p>
-                      <a:r>
-                        <a:rPr lang="en-US" sz="1400" b="0" u="none" strike="noStrike" cap="none" dirty="0">
-                          <a:solidFill>
-                            <a:srgbClr val="000000"/>
-                          </a:solidFill>
-                          <a:effectLst/>
-                          <a:sym typeface="Arial"/>
-                        </a:rPr>
-                        <a:t>XGB</a:t>
-                      </a:r>
-                      <a:endParaRPr lang="en-US" sz="1400" b="0" i="0" u="none" strike="noStrike" cap="none" dirty="0">
-                        <a:solidFill>
-                          <a:srgbClr val="000000"/>
-                        </a:solidFill>
-                        <a:effectLst/>
-                        <a:latin typeface="Arial"/>
-                        <a:ea typeface="Arial"/>
-                        <a:cs typeface="Arial"/>
-                        <a:sym typeface="Arial"/>
-                      </a:endParaRPr>
-                    </a:p>
-                  </a:txBody>
-                  <a:tcPr/>
-                </a:tc>
-                <a:tc>
-                  <a:txBody>
-                    <a:bodyPr/>
-                    <a:lstStyle/>
-                    <a:p>
-                      <a:r>
-                        <a:rPr lang="pt-BR" sz="1400" b="0" i="0" u="none" strike="noStrike" cap="none" dirty="0">
-                          <a:solidFill>
-                            <a:schemeClr val="dk1"/>
-                          </a:solidFill>
-                          <a:effectLst/>
-                          <a:latin typeface="+mn-lt"/>
-                          <a:ea typeface="+mn-ea"/>
-                          <a:cs typeface="+mn-cs"/>
-                          <a:sym typeface="Arial"/>
-                        </a:rPr>
-                        <a:t>RMSE:   0.0749205441573825 </a:t>
-                      </a:r>
-                    </a:p>
-                    <a:p>
-                      <a:r>
-                        <a:rPr lang="pt-BR" sz="1400" b="0" i="0" u="none" strike="noStrike" cap="none" dirty="0">
-                          <a:solidFill>
-                            <a:schemeClr val="dk1"/>
-                          </a:solidFill>
-                          <a:effectLst/>
-                          <a:latin typeface="+mn-lt"/>
-                          <a:ea typeface="+mn-ea"/>
-                          <a:cs typeface="+mn-cs"/>
-                          <a:sym typeface="Arial"/>
-                        </a:rPr>
-                        <a:t>R^2:       0.4488898381415902 </a:t>
-                      </a:r>
-                    </a:p>
-                    <a:p>
-                      <a:r>
-                        <a:rPr lang="pt-BR" sz="1400" b="0" i="0" u="none" strike="noStrike" cap="none" dirty="0">
-                          <a:solidFill>
-                            <a:schemeClr val="dk1"/>
-                          </a:solidFill>
-                          <a:effectLst/>
-                          <a:latin typeface="+mn-lt"/>
-                          <a:ea typeface="+mn-ea"/>
-                          <a:cs typeface="+mn-cs"/>
-                          <a:sym typeface="Arial"/>
-                        </a:rPr>
-                        <a:t>MAE:      0.05306506898318904</a:t>
-                      </a:r>
-                      <a:endParaRPr lang="es-ES" dirty="0"/>
-                    </a:p>
-                  </a:txBody>
-                  <a:tcPr/>
-                </a:tc>
-                <a:extLst>
-                  <a:ext uri="{0D108BD9-81ED-4DB2-BD59-A6C34878D82A}">
-                    <a16:rowId xmlns:a16="http://schemas.microsoft.com/office/drawing/2014/main" val="3779215905"/>
-                  </a:ext>
-                </a:extLst>
-              </a:tr>
-              <a:tr h="370840">
-                <a:tc>
-                  <a:txBody>
-                    <a:bodyPr/>
-                    <a:lstStyle/>
-                    <a:p>
-                      <a:pPr marL="0" marR="0" lvl="0" indent="0" algn="l" defTabSz="914400" rtl="0" eaLnBrk="1" fontAlgn="auto" latinLnBrk="0" hangingPunct="1">
-                        <a:lnSpc>
-                          <a:spcPct val="100000"/>
-                        </a:lnSpc>
-                        <a:spcBef>
-                          <a:spcPts val="0"/>
-                        </a:spcBef>
-                        <a:spcAft>
-                          <a:spcPts val="0"/>
-                        </a:spcAft>
-                        <a:buClr>
-                          <a:srgbClr val="000000"/>
-                        </a:buClr>
-                        <a:buSzTx/>
-                        <a:buFont typeface="Arial"/>
-                        <a:buNone/>
-                        <a:tabLst/>
-                        <a:defRPr/>
-                      </a:pPr>
-                      <a:r>
-                        <a:rPr lang="es-ES" sz="1400" b="0" u="none" strike="noStrike" cap="none" dirty="0" err="1">
-                          <a:solidFill>
-                            <a:srgbClr val="000000"/>
-                          </a:solidFill>
-                          <a:effectLst/>
-                          <a:sym typeface="Arial"/>
-                        </a:rPr>
-                        <a:t>RandomForestRegressor</a:t>
-                      </a:r>
-                      <a:endParaRPr lang="es-ES" sz="1400" b="0" i="0" u="none" strike="noStrike" cap="none" dirty="0">
-                        <a:solidFill>
-                          <a:srgbClr val="000000"/>
-                        </a:solidFill>
-                        <a:effectLst/>
-                        <a:latin typeface="+mn-lt"/>
-                        <a:ea typeface="Arial"/>
-                        <a:cs typeface="Arial"/>
-                        <a:sym typeface="Arial"/>
-                      </a:endParaRPr>
-                    </a:p>
-                  </a:txBody>
-                  <a:tcPr/>
-                </a:tc>
-                <a:tc>
-                  <a:txBody>
-                    <a:bodyPr/>
-                    <a:lstStyle/>
-                    <a:p>
-                      <a:r>
-                        <a:rPr lang="pt-BR" sz="1400" b="0" i="0" u="none" strike="noStrike" cap="none" dirty="0">
-                          <a:solidFill>
-                            <a:schemeClr val="dk1"/>
-                          </a:solidFill>
-                          <a:effectLst/>
-                          <a:latin typeface="+mn-lt"/>
-                          <a:ea typeface="+mn-ea"/>
-                          <a:cs typeface="+mn-cs"/>
-                          <a:sym typeface="Arial"/>
-                        </a:rPr>
-                        <a:t>RMSE:   0.07251644918062068 </a:t>
-                      </a:r>
-                    </a:p>
-                    <a:p>
-                      <a:r>
-                        <a:rPr lang="pt-BR" sz="1400" b="0" i="0" u="none" strike="noStrike" cap="none" dirty="0">
-                          <a:solidFill>
-                            <a:schemeClr val="dk1"/>
-                          </a:solidFill>
-                          <a:effectLst/>
-                          <a:latin typeface="+mn-lt"/>
-                          <a:ea typeface="+mn-ea"/>
-                          <a:cs typeface="+mn-cs"/>
-                          <a:sym typeface="Arial"/>
-                        </a:rPr>
-                        <a:t>R^2:       0.4836910734283302 </a:t>
-                      </a:r>
-                    </a:p>
-                    <a:p>
-                      <a:r>
-                        <a:rPr lang="pt-BR" sz="1400" b="0" i="0" u="none" strike="noStrike" cap="none" dirty="0">
-                          <a:solidFill>
-                            <a:schemeClr val="dk1"/>
-                          </a:solidFill>
-                          <a:effectLst/>
-                          <a:latin typeface="+mn-lt"/>
-                          <a:ea typeface="+mn-ea"/>
-                          <a:cs typeface="+mn-cs"/>
-                          <a:sym typeface="Arial"/>
-                        </a:rPr>
-                        <a:t>MAE:      0.05035068676579741</a:t>
-                      </a:r>
-                      <a:endParaRPr lang="es-ES" dirty="0"/>
-                    </a:p>
-                  </a:txBody>
-                  <a:tcPr/>
-                </a:tc>
-                <a:extLst>
-                  <a:ext uri="{0D108BD9-81ED-4DB2-BD59-A6C34878D82A}">
-                    <a16:rowId xmlns:a16="http://schemas.microsoft.com/office/drawing/2014/main" val="2976827931"/>
-                  </a:ext>
-                </a:extLst>
-              </a:tr>
-              <a:tr h="370840">
-                <a:tc>
-                  <a:txBody>
-                    <a:bodyPr/>
-                    <a:lstStyle/>
-                    <a:p>
-                      <a:pPr marL="0" marR="0" lvl="0" indent="0" algn="l" defTabSz="914400" rtl="0" eaLnBrk="1" fontAlgn="auto" latinLnBrk="0" hangingPunct="1">
-                        <a:lnSpc>
-                          <a:spcPct val="100000"/>
-                        </a:lnSpc>
-                        <a:spcBef>
-                          <a:spcPts val="0"/>
-                        </a:spcBef>
-                        <a:spcAft>
-                          <a:spcPts val="0"/>
-                        </a:spcAft>
-                        <a:buClr>
-                          <a:srgbClr val="000000"/>
-                        </a:buClr>
-                        <a:buSzTx/>
-                        <a:buFont typeface="Arial"/>
-                        <a:buNone/>
-                        <a:tabLst/>
-                        <a:defRPr/>
-                      </a:pPr>
-                      <a:r>
-                        <a:rPr lang="es-ES" sz="1400" b="0" u="none" strike="noStrike" cap="none" dirty="0">
-                          <a:solidFill>
-                            <a:srgbClr val="000000"/>
-                          </a:solidFill>
-                          <a:effectLst/>
-                          <a:sym typeface="Arial"/>
-                        </a:rPr>
-                        <a:t>Ensamble</a:t>
-                      </a:r>
-                      <a:endParaRPr lang="es-ES" sz="1400" b="0" i="0" u="none" strike="noStrike" cap="none" dirty="0">
-                        <a:solidFill>
-                          <a:srgbClr val="000000"/>
-                        </a:solidFill>
-                        <a:effectLst/>
-                        <a:latin typeface="Arial"/>
-                        <a:ea typeface="Arial"/>
-                        <a:cs typeface="Arial"/>
-                        <a:sym typeface="Arial"/>
-                      </a:endParaRPr>
-                    </a:p>
-                  </a:txBody>
-                  <a:tcPr/>
-                </a:tc>
-                <a:tc>
-                  <a:txBody>
-                    <a:bodyPr/>
-                    <a:lstStyle/>
-                    <a:p>
-                      <a:r>
-                        <a:rPr lang="pt-BR" sz="1400" b="0" i="0" u="none" strike="noStrike" cap="none" dirty="0">
-                          <a:solidFill>
-                            <a:schemeClr val="dk1"/>
-                          </a:solidFill>
-                          <a:effectLst/>
-                          <a:latin typeface="+mn-lt"/>
-                          <a:ea typeface="+mn-ea"/>
-                          <a:cs typeface="+mn-cs"/>
-                          <a:sym typeface="Arial"/>
-                        </a:rPr>
-                        <a:t>RMSE:  0.07213794400585104 </a:t>
-                      </a:r>
-                    </a:p>
-                    <a:p>
-                      <a:r>
-                        <a:rPr lang="pt-BR" sz="1400" b="0" i="0" u="none" strike="noStrike" cap="none" dirty="0">
-                          <a:solidFill>
-                            <a:schemeClr val="dk1"/>
-                          </a:solidFill>
-                          <a:effectLst/>
-                          <a:latin typeface="+mn-lt"/>
-                          <a:ea typeface="+mn-ea"/>
-                          <a:cs typeface="+mn-cs"/>
-                          <a:sym typeface="Arial"/>
-                        </a:rPr>
-                        <a:t>R^2:      0.4836910734283302 </a:t>
-                      </a:r>
-                    </a:p>
-                    <a:p>
-                      <a:r>
-                        <a:rPr lang="pt-BR" sz="1400" b="0" i="0" u="none" strike="noStrike" cap="none" dirty="0">
-                          <a:solidFill>
-                            <a:schemeClr val="dk1"/>
-                          </a:solidFill>
-                          <a:effectLst/>
-                          <a:latin typeface="+mn-lt"/>
-                          <a:ea typeface="+mn-ea"/>
-                          <a:cs typeface="+mn-cs"/>
-                          <a:sym typeface="Arial"/>
-                        </a:rPr>
-                        <a:t>MAE:     0.05035068676579741</a:t>
-                      </a:r>
-                      <a:endParaRPr lang="es-ES" dirty="0"/>
-                    </a:p>
-                  </a:txBody>
-                  <a:tcPr/>
-                </a:tc>
-                <a:extLst>
-                  <a:ext uri="{0D108BD9-81ED-4DB2-BD59-A6C34878D82A}">
-                    <a16:rowId xmlns:a16="http://schemas.microsoft.com/office/drawing/2014/main" val="3982353248"/>
-                  </a:ext>
-                </a:extLst>
-              </a:tr>
-            </a:tbl>
-          </a:graphicData>
-        </a:graphic>
-      </p:graphicFrame>
-      <p:sp>
-        <p:nvSpPr>
-          <p:cNvPr id="3" name="Google Shape;472;p28">
-            <a:extLst>
-              <a:ext uri="{FF2B5EF4-FFF2-40B4-BE49-F238E27FC236}">
-                <a16:creationId xmlns:a16="http://schemas.microsoft.com/office/drawing/2014/main" id="{51A80C9E-5587-0C35-F783-376745362617}"/>
-              </a:ext>
-            </a:extLst>
-          </p:cNvPr>
-          <p:cNvSpPr txBox="1">
-            <a:spLocks/>
-          </p:cNvSpPr>
-          <p:nvPr/>
-        </p:nvSpPr>
-        <p:spPr>
-          <a:xfrm>
-            <a:off x="963428" y="795830"/>
-            <a:ext cx="3484820" cy="2771088"/>
-          </a:xfrm>
-          <a:prstGeom prst="rect">
-            <a:avLst/>
-          </a:prstGeom>
-          <a:noFill/>
-          <a:ln>
-            <a:noFill/>
-          </a:ln>
-        </p:spPr>
-        <p:txBody>
-          <a:bodyPr spcFirstLastPara="1" wrap="square" lIns="91425" tIns="91425" rIns="91425" bIns="91425" anchor="ctr" anchorCtr="0">
-            <a:noAutofit/>
-          </a:bodyPr>
-          <a:lstStyle>
-            <a:defPPr marR="0" lvl="0" algn="l" rtl="0">
-              <a:lnSpc>
-                <a:spcPct val="100000"/>
-              </a:lnSpc>
-              <a:spcBef>
-                <a:spcPts val="0"/>
-              </a:spcBef>
-              <a:spcAft>
-                <a:spcPts val="0"/>
-              </a:spcAft>
-            </a:defPPr>
-            <a:lvl1pPr marL="457200" marR="0" lvl="0" indent="-317500" algn="l" rtl="0">
-              <a:lnSpc>
-                <a:spcPct val="100000"/>
-              </a:lnSpc>
-              <a:spcBef>
-                <a:spcPts val="0"/>
-              </a:spcBef>
-              <a:spcAft>
-                <a:spcPts val="0"/>
-              </a:spcAft>
-              <a:buClr>
-                <a:schemeClr val="dk1"/>
-              </a:buClr>
-              <a:buSzPts val="1400"/>
-              <a:buFont typeface="Fira Code"/>
-              <a:buNone/>
-              <a:defRPr sz="1400" b="0" i="0" u="none" strike="noStrike" cap="none">
-                <a:solidFill>
-                  <a:schemeClr val="accent3"/>
-                </a:solidFill>
-                <a:latin typeface="Fira Code"/>
-                <a:ea typeface="Fira Code"/>
-                <a:cs typeface="Fira Code"/>
-                <a:sym typeface="Fira Code"/>
-              </a:defRPr>
-            </a:lvl1pPr>
-            <a:lvl2pPr marL="914400" marR="0" lvl="1" indent="-317500" algn="r" rtl="0">
-              <a:lnSpc>
-                <a:spcPct val="100000"/>
-              </a:lnSpc>
-              <a:spcBef>
-                <a:spcPts val="0"/>
-              </a:spcBef>
-              <a:spcAft>
-                <a:spcPts val="0"/>
-              </a:spcAft>
-              <a:buClr>
-                <a:schemeClr val="dk1"/>
-              </a:buClr>
-              <a:buSzPts val="1400"/>
-              <a:buFont typeface="Fira Code"/>
-              <a:buNone/>
-              <a:defRPr sz="1400" b="0" i="0" u="none" strike="noStrike" cap="none">
-                <a:solidFill>
-                  <a:schemeClr val="dk1"/>
-                </a:solidFill>
-                <a:latin typeface="Fira Code"/>
-                <a:ea typeface="Fira Code"/>
-                <a:cs typeface="Fira Code"/>
-                <a:sym typeface="Fira Code"/>
-              </a:defRPr>
-            </a:lvl2pPr>
-            <a:lvl3pPr marL="1371600" marR="0" lvl="2" indent="-317500" algn="r" rtl="0">
-              <a:lnSpc>
-                <a:spcPct val="100000"/>
-              </a:lnSpc>
-              <a:spcBef>
-                <a:spcPts val="0"/>
-              </a:spcBef>
-              <a:spcAft>
-                <a:spcPts val="0"/>
-              </a:spcAft>
-              <a:buClr>
-                <a:schemeClr val="dk1"/>
-              </a:buClr>
-              <a:buSzPts val="1400"/>
-              <a:buFont typeface="Fira Code"/>
-              <a:buNone/>
-              <a:defRPr sz="1400" b="0" i="0" u="none" strike="noStrike" cap="none">
-                <a:solidFill>
-                  <a:schemeClr val="dk1"/>
-                </a:solidFill>
-                <a:latin typeface="Fira Code"/>
-                <a:ea typeface="Fira Code"/>
-                <a:cs typeface="Fira Code"/>
-                <a:sym typeface="Fira Code"/>
-              </a:defRPr>
-            </a:lvl3pPr>
-            <a:lvl4pPr marL="1828800" marR="0" lvl="3" indent="-317500" algn="r" rtl="0">
-              <a:lnSpc>
-                <a:spcPct val="100000"/>
-              </a:lnSpc>
-              <a:spcBef>
-                <a:spcPts val="0"/>
-              </a:spcBef>
-              <a:spcAft>
-                <a:spcPts val="0"/>
-              </a:spcAft>
-              <a:buClr>
-                <a:schemeClr val="dk1"/>
-              </a:buClr>
-              <a:buSzPts val="1400"/>
-              <a:buFont typeface="Fira Code"/>
-              <a:buNone/>
-              <a:defRPr sz="1400" b="0" i="0" u="none" strike="noStrike" cap="none">
-                <a:solidFill>
-                  <a:schemeClr val="dk1"/>
-                </a:solidFill>
-                <a:latin typeface="Fira Code"/>
-                <a:ea typeface="Fira Code"/>
-                <a:cs typeface="Fira Code"/>
-                <a:sym typeface="Fira Code"/>
-              </a:defRPr>
-            </a:lvl4pPr>
-            <a:lvl5pPr marL="2286000" marR="0" lvl="4" indent="-317500" algn="r" rtl="0">
-              <a:lnSpc>
-                <a:spcPct val="100000"/>
-              </a:lnSpc>
-              <a:spcBef>
-                <a:spcPts val="0"/>
-              </a:spcBef>
-              <a:spcAft>
-                <a:spcPts val="0"/>
-              </a:spcAft>
-              <a:buClr>
-                <a:schemeClr val="dk1"/>
-              </a:buClr>
-              <a:buSzPts val="1400"/>
-              <a:buFont typeface="Fira Code"/>
-              <a:buNone/>
-              <a:defRPr sz="1400" b="0" i="0" u="none" strike="noStrike" cap="none">
-                <a:solidFill>
-                  <a:schemeClr val="dk1"/>
-                </a:solidFill>
-                <a:latin typeface="Fira Code"/>
-                <a:ea typeface="Fira Code"/>
-                <a:cs typeface="Fira Code"/>
-                <a:sym typeface="Fira Code"/>
-              </a:defRPr>
-            </a:lvl5pPr>
-            <a:lvl6pPr marL="2743200" marR="0" lvl="5" indent="-317500" algn="r" rtl="0">
-              <a:lnSpc>
-                <a:spcPct val="100000"/>
-              </a:lnSpc>
-              <a:spcBef>
-                <a:spcPts val="0"/>
-              </a:spcBef>
-              <a:spcAft>
-                <a:spcPts val="0"/>
-              </a:spcAft>
-              <a:buClr>
-                <a:schemeClr val="dk1"/>
-              </a:buClr>
-              <a:buSzPts val="1400"/>
-              <a:buFont typeface="Fira Code"/>
-              <a:buNone/>
-              <a:defRPr sz="1400" b="0" i="0" u="none" strike="noStrike" cap="none">
-                <a:solidFill>
-                  <a:schemeClr val="dk1"/>
-                </a:solidFill>
-                <a:latin typeface="Fira Code"/>
-                <a:ea typeface="Fira Code"/>
-                <a:cs typeface="Fira Code"/>
-                <a:sym typeface="Fira Code"/>
-              </a:defRPr>
-            </a:lvl6pPr>
-            <a:lvl7pPr marL="3200400" marR="0" lvl="6" indent="-317500" algn="r" rtl="0">
-              <a:lnSpc>
-                <a:spcPct val="100000"/>
-              </a:lnSpc>
-              <a:spcBef>
-                <a:spcPts val="0"/>
-              </a:spcBef>
-              <a:spcAft>
-                <a:spcPts val="0"/>
-              </a:spcAft>
-              <a:buClr>
-                <a:schemeClr val="dk1"/>
-              </a:buClr>
-              <a:buSzPts val="1400"/>
-              <a:buFont typeface="Fira Code"/>
-              <a:buNone/>
-              <a:defRPr sz="1400" b="0" i="0" u="none" strike="noStrike" cap="none">
-                <a:solidFill>
-                  <a:schemeClr val="dk1"/>
-                </a:solidFill>
-                <a:latin typeface="Fira Code"/>
-                <a:ea typeface="Fira Code"/>
-                <a:cs typeface="Fira Code"/>
-                <a:sym typeface="Fira Code"/>
-              </a:defRPr>
-            </a:lvl7pPr>
-            <a:lvl8pPr marL="3657600" marR="0" lvl="7" indent="-317500" algn="r" rtl="0">
-              <a:lnSpc>
-                <a:spcPct val="100000"/>
-              </a:lnSpc>
-              <a:spcBef>
-                <a:spcPts val="0"/>
-              </a:spcBef>
-              <a:spcAft>
-                <a:spcPts val="0"/>
-              </a:spcAft>
-              <a:buClr>
-                <a:schemeClr val="dk1"/>
-              </a:buClr>
-              <a:buSzPts val="1400"/>
-              <a:buFont typeface="Fira Code"/>
-              <a:buNone/>
-              <a:defRPr sz="1400" b="0" i="0" u="none" strike="noStrike" cap="none">
-                <a:solidFill>
-                  <a:schemeClr val="dk1"/>
-                </a:solidFill>
-                <a:latin typeface="Fira Code"/>
-                <a:ea typeface="Fira Code"/>
-                <a:cs typeface="Fira Code"/>
-                <a:sym typeface="Fira Code"/>
-              </a:defRPr>
-            </a:lvl8pPr>
-            <a:lvl9pPr marL="4114800" marR="0" lvl="8" indent="-317500" algn="r" rtl="0">
-              <a:lnSpc>
-                <a:spcPct val="100000"/>
-              </a:lnSpc>
-              <a:spcBef>
-                <a:spcPts val="0"/>
-              </a:spcBef>
-              <a:spcAft>
-                <a:spcPts val="0"/>
-              </a:spcAft>
-              <a:buClr>
-                <a:schemeClr val="dk1"/>
-              </a:buClr>
-              <a:buSzPts val="1400"/>
-              <a:buFont typeface="Fira Code"/>
-              <a:buNone/>
-              <a:defRPr sz="1400" b="0" i="0" u="none" strike="noStrike" cap="none">
-                <a:solidFill>
-                  <a:schemeClr val="dk1"/>
-                </a:solidFill>
-                <a:latin typeface="Fira Code"/>
-                <a:ea typeface="Fira Code"/>
-                <a:cs typeface="Fira Code"/>
-                <a:sym typeface="Fira Code"/>
-              </a:defRPr>
-            </a:lvl9pPr>
-          </a:lstStyle>
-          <a:p>
-            <a:pPr marL="171450" indent="-171450">
-              <a:buFontTx/>
-              <a:buChar char="-"/>
-            </a:pPr>
-            <a:r>
-              <a:rPr lang="es-ES" sz="1200" dirty="0"/>
-              <a:t>-existe una fuerte relación entre las variables </a:t>
-            </a:r>
-            <a:r>
-              <a:rPr lang="es-ES" sz="1200" dirty="0" err="1"/>
-              <a:t>Chf_exp</a:t>
-            </a:r>
-            <a:r>
-              <a:rPr lang="es-ES" sz="1200" dirty="0"/>
-              <a:t> [MW/m2]</a:t>
-            </a:r>
-          </a:p>
-          <a:p>
-            <a:pPr marL="171450" indent="-171450">
-              <a:buFontTx/>
-              <a:buChar char="-"/>
-            </a:pPr>
-            <a:endParaRPr lang="es-ES" sz="1200" dirty="0"/>
-          </a:p>
-          <a:p>
-            <a:pPr marL="171450" indent="-171450">
-              <a:buFontTx/>
-              <a:buChar char="-"/>
-            </a:pPr>
-            <a:r>
-              <a:rPr lang="es-ES" sz="1200" dirty="0"/>
-              <a:t>-Los ensambles siempre han mejorado los modelos</a:t>
-            </a:r>
-          </a:p>
-          <a:p>
-            <a:pPr marL="171450" indent="-171450">
-              <a:buFontTx/>
-              <a:buChar char="-"/>
-            </a:pPr>
-            <a:endParaRPr lang="es-ES" sz="1200" dirty="0"/>
-          </a:p>
-        </p:txBody>
-      </p:sp>
-      <p:sp>
-        <p:nvSpPr>
-          <p:cNvPr id="10" name="Google Shape;474;p28">
-            <a:extLst>
-              <a:ext uri="{FF2B5EF4-FFF2-40B4-BE49-F238E27FC236}">
-                <a16:creationId xmlns:a16="http://schemas.microsoft.com/office/drawing/2014/main" id="{0007F0B6-0614-50F0-2C15-B103EA1D990E}"/>
-              </a:ext>
-            </a:extLst>
-          </p:cNvPr>
-          <p:cNvSpPr txBox="1">
-            <a:spLocks/>
-          </p:cNvSpPr>
-          <p:nvPr/>
-        </p:nvSpPr>
-        <p:spPr>
-          <a:xfrm>
-            <a:off x="-5975" y="91525"/>
-            <a:ext cx="4572000" cy="357300"/>
-          </a:xfrm>
-          <a:prstGeom prst="rect">
-            <a:avLst/>
-          </a:prstGeom>
-          <a:noFill/>
-          <a:ln>
-            <a:noFill/>
-          </a:ln>
-        </p:spPr>
-        <p:txBody>
-          <a:bodyPr spcFirstLastPara="1" wrap="square" lIns="91425" tIns="91425" rIns="91425" bIns="91425" anchor="ctr" anchorCtr="0">
-            <a:noAutofit/>
-          </a:bodyPr>
-          <a:lstStyle>
-            <a:defPPr marR="0" lvl="0" algn="l" rtl="0">
-              <a:lnSpc>
-                <a:spcPct val="100000"/>
-              </a:lnSpc>
-              <a:spcBef>
-                <a:spcPts val="0"/>
-              </a:spcBef>
-              <a:spcAft>
-                <a:spcPts val="0"/>
-              </a:spcAft>
-            </a:defPPr>
-            <a:lvl1pPr marL="457200" marR="0" lvl="0" indent="-317500" algn="l" rtl="0">
-              <a:lnSpc>
-                <a:spcPct val="100000"/>
-              </a:lnSpc>
-              <a:spcBef>
-                <a:spcPts val="0"/>
-              </a:spcBef>
-              <a:spcAft>
-                <a:spcPts val="0"/>
-              </a:spcAft>
-              <a:buClr>
-                <a:schemeClr val="dk2"/>
-              </a:buClr>
-              <a:buSzPts val="1400"/>
-              <a:buFont typeface="Fira Code"/>
-              <a:buChar char="●"/>
-              <a:defRPr sz="1400" b="0" i="0" u="none" strike="noStrike" cap="none">
-                <a:solidFill>
-                  <a:schemeClr val="dk2"/>
-                </a:solidFill>
-                <a:latin typeface="Fira Code"/>
-                <a:ea typeface="Fira Code"/>
-                <a:cs typeface="Fira Code"/>
-                <a:sym typeface="Fira Code"/>
-              </a:defRPr>
-            </a:lvl1pPr>
-            <a:lvl2pPr marL="914400" marR="0" lvl="1" indent="-317500" algn="l" rtl="0">
-              <a:lnSpc>
-                <a:spcPct val="100000"/>
-              </a:lnSpc>
-              <a:spcBef>
-                <a:spcPts val="0"/>
-              </a:spcBef>
-              <a:spcAft>
-                <a:spcPts val="0"/>
-              </a:spcAft>
-              <a:buClr>
-                <a:schemeClr val="dk2"/>
-              </a:buClr>
-              <a:buSzPts val="1400"/>
-              <a:buFont typeface="Fira Code"/>
-              <a:buChar char="○"/>
-              <a:defRPr sz="1400" b="0" i="0" u="none" strike="noStrike" cap="none">
-                <a:solidFill>
-                  <a:schemeClr val="dk2"/>
-                </a:solidFill>
-                <a:latin typeface="Fira Code"/>
-                <a:ea typeface="Fira Code"/>
-                <a:cs typeface="Fira Code"/>
-                <a:sym typeface="Fira Code"/>
-              </a:defRPr>
-            </a:lvl2pPr>
-            <a:lvl3pPr marL="1371600" marR="0" lvl="2" indent="-317500" algn="l" rtl="0">
-              <a:lnSpc>
-                <a:spcPct val="100000"/>
-              </a:lnSpc>
-              <a:spcBef>
-                <a:spcPts val="0"/>
-              </a:spcBef>
-              <a:spcAft>
-                <a:spcPts val="0"/>
-              </a:spcAft>
-              <a:buClr>
-                <a:schemeClr val="dk2"/>
-              </a:buClr>
-              <a:buSzPts val="1400"/>
-              <a:buFont typeface="Fira Code"/>
-              <a:buChar char="■"/>
-              <a:defRPr sz="1400" b="0" i="0" u="none" strike="noStrike" cap="none">
-                <a:solidFill>
-                  <a:schemeClr val="dk2"/>
-                </a:solidFill>
-                <a:latin typeface="Fira Code"/>
-                <a:ea typeface="Fira Code"/>
-                <a:cs typeface="Fira Code"/>
-                <a:sym typeface="Fira Code"/>
-              </a:defRPr>
-            </a:lvl3pPr>
-            <a:lvl4pPr marL="1828800" marR="0" lvl="3" indent="-317500" algn="l" rtl="0">
-              <a:lnSpc>
-                <a:spcPct val="100000"/>
-              </a:lnSpc>
-              <a:spcBef>
-                <a:spcPts val="0"/>
-              </a:spcBef>
-              <a:spcAft>
-                <a:spcPts val="0"/>
-              </a:spcAft>
-              <a:buClr>
-                <a:schemeClr val="dk2"/>
-              </a:buClr>
-              <a:buSzPts val="1400"/>
-              <a:buFont typeface="Fira Code"/>
-              <a:buChar char="●"/>
-              <a:defRPr sz="1400" b="0" i="0" u="none" strike="noStrike" cap="none">
-                <a:solidFill>
-                  <a:schemeClr val="dk2"/>
-                </a:solidFill>
-                <a:latin typeface="Fira Code"/>
-                <a:ea typeface="Fira Code"/>
-                <a:cs typeface="Fira Code"/>
-                <a:sym typeface="Fira Code"/>
-              </a:defRPr>
-            </a:lvl4pPr>
-            <a:lvl5pPr marL="2286000" marR="0" lvl="4" indent="-317500" algn="l" rtl="0">
-              <a:lnSpc>
-                <a:spcPct val="100000"/>
-              </a:lnSpc>
-              <a:spcBef>
-                <a:spcPts val="0"/>
-              </a:spcBef>
-              <a:spcAft>
-                <a:spcPts val="0"/>
-              </a:spcAft>
-              <a:buClr>
-                <a:schemeClr val="dk2"/>
-              </a:buClr>
-              <a:buSzPts val="1400"/>
-              <a:buFont typeface="Fira Code"/>
-              <a:buChar char="○"/>
-              <a:defRPr sz="1400" b="0" i="0" u="none" strike="noStrike" cap="none">
-                <a:solidFill>
-                  <a:schemeClr val="dk2"/>
-                </a:solidFill>
-                <a:latin typeface="Fira Code"/>
-                <a:ea typeface="Fira Code"/>
-                <a:cs typeface="Fira Code"/>
-                <a:sym typeface="Fira Code"/>
-              </a:defRPr>
-            </a:lvl5pPr>
-            <a:lvl6pPr marL="2743200" marR="0" lvl="5" indent="-317500" algn="l" rtl="0">
-              <a:lnSpc>
-                <a:spcPct val="100000"/>
-              </a:lnSpc>
-              <a:spcBef>
-                <a:spcPts val="0"/>
-              </a:spcBef>
-              <a:spcAft>
-                <a:spcPts val="0"/>
-              </a:spcAft>
-              <a:buClr>
-                <a:schemeClr val="dk2"/>
-              </a:buClr>
-              <a:buSzPts val="1400"/>
-              <a:buFont typeface="Fira Code"/>
-              <a:buChar char="■"/>
-              <a:defRPr sz="1400" b="0" i="0" u="none" strike="noStrike" cap="none">
-                <a:solidFill>
-                  <a:schemeClr val="dk2"/>
-                </a:solidFill>
-                <a:latin typeface="Fira Code"/>
-                <a:ea typeface="Fira Code"/>
-                <a:cs typeface="Fira Code"/>
-                <a:sym typeface="Fira Code"/>
-              </a:defRPr>
-            </a:lvl6pPr>
-            <a:lvl7pPr marL="3200400" marR="0" lvl="6" indent="-317500" algn="l" rtl="0">
-              <a:lnSpc>
-                <a:spcPct val="100000"/>
-              </a:lnSpc>
-              <a:spcBef>
-                <a:spcPts val="0"/>
-              </a:spcBef>
-              <a:spcAft>
-                <a:spcPts val="0"/>
-              </a:spcAft>
-              <a:buClr>
-                <a:schemeClr val="dk2"/>
-              </a:buClr>
-              <a:buSzPts val="1400"/>
-              <a:buFont typeface="Fira Code"/>
-              <a:buChar char="●"/>
-              <a:defRPr sz="1400" b="0" i="0" u="none" strike="noStrike" cap="none">
-                <a:solidFill>
-                  <a:schemeClr val="dk2"/>
-                </a:solidFill>
-                <a:latin typeface="Fira Code"/>
-                <a:ea typeface="Fira Code"/>
-                <a:cs typeface="Fira Code"/>
-                <a:sym typeface="Fira Code"/>
-              </a:defRPr>
-            </a:lvl7pPr>
-            <a:lvl8pPr marL="3657600" marR="0" lvl="7" indent="-317500" algn="l" rtl="0">
-              <a:lnSpc>
-                <a:spcPct val="100000"/>
-              </a:lnSpc>
-              <a:spcBef>
-                <a:spcPts val="0"/>
-              </a:spcBef>
-              <a:spcAft>
-                <a:spcPts val="0"/>
-              </a:spcAft>
-              <a:buClr>
-                <a:schemeClr val="dk2"/>
-              </a:buClr>
-              <a:buSzPts val="1400"/>
-              <a:buFont typeface="Fira Code"/>
-              <a:buChar char="○"/>
-              <a:defRPr sz="1400" b="0" i="0" u="none" strike="noStrike" cap="none">
-                <a:solidFill>
-                  <a:schemeClr val="dk2"/>
-                </a:solidFill>
-                <a:latin typeface="Fira Code"/>
-                <a:ea typeface="Fira Code"/>
-                <a:cs typeface="Fira Code"/>
-                <a:sym typeface="Fira Code"/>
-              </a:defRPr>
-            </a:lvl8pPr>
-            <a:lvl9pPr marL="4114800" marR="0" lvl="8" indent="-317500" algn="l" rtl="0">
-              <a:lnSpc>
-                <a:spcPct val="100000"/>
-              </a:lnSpc>
-              <a:spcBef>
-                <a:spcPts val="0"/>
-              </a:spcBef>
-              <a:spcAft>
-                <a:spcPts val="0"/>
-              </a:spcAft>
-              <a:buClr>
-                <a:schemeClr val="dk2"/>
-              </a:buClr>
-              <a:buSzPts val="1400"/>
-              <a:buFont typeface="Fira Code"/>
-              <a:buChar char="■"/>
-              <a:defRPr sz="1400" b="0" i="0" u="none" strike="noStrike" cap="none">
-                <a:solidFill>
-                  <a:schemeClr val="dk2"/>
-                </a:solidFill>
-                <a:latin typeface="Fira Code"/>
-                <a:ea typeface="Fira Code"/>
-                <a:cs typeface="Fira Code"/>
-                <a:sym typeface="Fira Code"/>
-              </a:defRPr>
-            </a:lvl9pPr>
-          </a:lstStyle>
-          <a:p>
-            <a:pPr marL="0" indent="0" algn="ctr">
-              <a:buFont typeface="Fira Code"/>
-              <a:buNone/>
-            </a:pPr>
-            <a:r>
-              <a:rPr lang="es-ES">
-                <a:solidFill>
-                  <a:schemeClr val="accent3"/>
-                </a:solidFill>
-              </a:rPr>
-              <a:t>Miguel Gil Jimenez</a:t>
-            </a:r>
-            <a:endParaRPr lang="es-ES" dirty="0">
-              <a:solidFill>
-                <a:schemeClr val="accent3"/>
-              </a:solidFill>
-            </a:endParaRPr>
-          </a:p>
-        </p:txBody>
-      </p:sp>
-      <p:sp>
-        <p:nvSpPr>
-          <p:cNvPr id="11" name="Google Shape;475;p28">
-            <a:extLst>
-              <a:ext uri="{FF2B5EF4-FFF2-40B4-BE49-F238E27FC236}">
-                <a16:creationId xmlns:a16="http://schemas.microsoft.com/office/drawing/2014/main" id="{62BA5856-5362-2649-EE2F-89CF74727D9F}"/>
-              </a:ext>
-            </a:extLst>
-          </p:cNvPr>
-          <p:cNvSpPr txBox="1">
-            <a:spLocks/>
-          </p:cNvSpPr>
-          <p:nvPr/>
-        </p:nvSpPr>
-        <p:spPr>
-          <a:xfrm>
-            <a:off x="3238214" y="4781400"/>
-            <a:ext cx="5788908" cy="357300"/>
-          </a:xfrm>
-          <a:prstGeom prst="rect">
-            <a:avLst/>
-          </a:prstGeom>
-          <a:noFill/>
-          <a:ln>
-            <a:noFill/>
-          </a:ln>
-        </p:spPr>
-        <p:txBody>
-          <a:bodyPr spcFirstLastPara="1" wrap="square" lIns="91425" tIns="91425" rIns="91425" bIns="91425" anchor="ctr" anchorCtr="0">
-            <a:noAutofit/>
-          </a:bodyPr>
-          <a:lstStyle>
-            <a:defPPr marR="0" lvl="0" algn="l" rtl="0">
-              <a:lnSpc>
-                <a:spcPct val="100000"/>
-              </a:lnSpc>
-              <a:spcBef>
-                <a:spcPts val="0"/>
-              </a:spcBef>
-              <a:spcAft>
-                <a:spcPts val="0"/>
-              </a:spcAft>
-            </a:defPPr>
-            <a:lvl1pPr marL="457200" marR="0" lvl="0" indent="-317500" algn="l" rtl="0">
-              <a:lnSpc>
-                <a:spcPct val="100000"/>
-              </a:lnSpc>
-              <a:spcBef>
-                <a:spcPts val="0"/>
-              </a:spcBef>
-              <a:spcAft>
-                <a:spcPts val="0"/>
-              </a:spcAft>
-              <a:buClr>
-                <a:schemeClr val="dk2"/>
-              </a:buClr>
-              <a:buSzPts val="1400"/>
-              <a:buFont typeface="Fira Code"/>
-              <a:buChar char="●"/>
-              <a:defRPr sz="1400" b="0" i="0" u="none" strike="noStrike" cap="none">
-                <a:solidFill>
-                  <a:schemeClr val="dk2"/>
-                </a:solidFill>
-                <a:latin typeface="Fira Code"/>
-                <a:ea typeface="Fira Code"/>
-                <a:cs typeface="Fira Code"/>
-                <a:sym typeface="Fira Code"/>
-              </a:defRPr>
-            </a:lvl1pPr>
-            <a:lvl2pPr marL="914400" marR="0" lvl="1" indent="-317500" algn="l" rtl="0">
-              <a:lnSpc>
-                <a:spcPct val="100000"/>
-              </a:lnSpc>
-              <a:spcBef>
-                <a:spcPts val="0"/>
-              </a:spcBef>
-              <a:spcAft>
-                <a:spcPts val="0"/>
-              </a:spcAft>
-              <a:buClr>
-                <a:schemeClr val="dk2"/>
-              </a:buClr>
-              <a:buSzPts val="1400"/>
-              <a:buFont typeface="Fira Code"/>
-              <a:buChar char="○"/>
-              <a:defRPr sz="1400" b="0" i="0" u="none" strike="noStrike" cap="none">
-                <a:solidFill>
-                  <a:schemeClr val="dk2"/>
-                </a:solidFill>
-                <a:latin typeface="Fira Code"/>
-                <a:ea typeface="Fira Code"/>
-                <a:cs typeface="Fira Code"/>
-                <a:sym typeface="Fira Code"/>
-              </a:defRPr>
-            </a:lvl2pPr>
-            <a:lvl3pPr marL="1371600" marR="0" lvl="2" indent="-317500" algn="l" rtl="0">
-              <a:lnSpc>
-                <a:spcPct val="100000"/>
-              </a:lnSpc>
-              <a:spcBef>
-                <a:spcPts val="0"/>
-              </a:spcBef>
-              <a:spcAft>
-                <a:spcPts val="0"/>
-              </a:spcAft>
-              <a:buClr>
-                <a:schemeClr val="dk2"/>
-              </a:buClr>
-              <a:buSzPts val="1400"/>
-              <a:buFont typeface="Fira Code"/>
-              <a:buChar char="■"/>
-              <a:defRPr sz="1400" b="0" i="0" u="none" strike="noStrike" cap="none">
-                <a:solidFill>
-                  <a:schemeClr val="dk2"/>
-                </a:solidFill>
-                <a:latin typeface="Fira Code"/>
-                <a:ea typeface="Fira Code"/>
-                <a:cs typeface="Fira Code"/>
-                <a:sym typeface="Fira Code"/>
-              </a:defRPr>
-            </a:lvl3pPr>
-            <a:lvl4pPr marL="1828800" marR="0" lvl="3" indent="-317500" algn="l" rtl="0">
-              <a:lnSpc>
-                <a:spcPct val="100000"/>
-              </a:lnSpc>
-              <a:spcBef>
-                <a:spcPts val="0"/>
-              </a:spcBef>
-              <a:spcAft>
-                <a:spcPts val="0"/>
-              </a:spcAft>
-              <a:buClr>
-                <a:schemeClr val="dk2"/>
-              </a:buClr>
-              <a:buSzPts val="1400"/>
-              <a:buFont typeface="Fira Code"/>
-              <a:buChar char="●"/>
-              <a:defRPr sz="1400" b="0" i="0" u="none" strike="noStrike" cap="none">
-                <a:solidFill>
-                  <a:schemeClr val="dk2"/>
-                </a:solidFill>
-                <a:latin typeface="Fira Code"/>
-                <a:ea typeface="Fira Code"/>
-                <a:cs typeface="Fira Code"/>
-                <a:sym typeface="Fira Code"/>
-              </a:defRPr>
-            </a:lvl4pPr>
-            <a:lvl5pPr marL="2286000" marR="0" lvl="4" indent="-317500" algn="l" rtl="0">
-              <a:lnSpc>
-                <a:spcPct val="100000"/>
-              </a:lnSpc>
-              <a:spcBef>
-                <a:spcPts val="0"/>
-              </a:spcBef>
-              <a:spcAft>
-                <a:spcPts val="0"/>
-              </a:spcAft>
-              <a:buClr>
-                <a:schemeClr val="dk2"/>
-              </a:buClr>
-              <a:buSzPts val="1400"/>
-              <a:buFont typeface="Fira Code"/>
-              <a:buChar char="○"/>
-              <a:defRPr sz="1400" b="0" i="0" u="none" strike="noStrike" cap="none">
-                <a:solidFill>
-                  <a:schemeClr val="dk2"/>
-                </a:solidFill>
-                <a:latin typeface="Fira Code"/>
-                <a:ea typeface="Fira Code"/>
-                <a:cs typeface="Fira Code"/>
-                <a:sym typeface="Fira Code"/>
-              </a:defRPr>
-            </a:lvl5pPr>
-            <a:lvl6pPr marL="2743200" marR="0" lvl="5" indent="-317500" algn="l" rtl="0">
-              <a:lnSpc>
-                <a:spcPct val="100000"/>
-              </a:lnSpc>
-              <a:spcBef>
-                <a:spcPts val="0"/>
-              </a:spcBef>
-              <a:spcAft>
-                <a:spcPts val="0"/>
-              </a:spcAft>
-              <a:buClr>
-                <a:schemeClr val="dk2"/>
-              </a:buClr>
-              <a:buSzPts val="1400"/>
-              <a:buFont typeface="Fira Code"/>
-              <a:buChar char="■"/>
-              <a:defRPr sz="1400" b="0" i="0" u="none" strike="noStrike" cap="none">
-                <a:solidFill>
-                  <a:schemeClr val="dk2"/>
-                </a:solidFill>
-                <a:latin typeface="Fira Code"/>
-                <a:ea typeface="Fira Code"/>
-                <a:cs typeface="Fira Code"/>
-                <a:sym typeface="Fira Code"/>
-              </a:defRPr>
-            </a:lvl6pPr>
-            <a:lvl7pPr marL="3200400" marR="0" lvl="6" indent="-317500" algn="l" rtl="0">
-              <a:lnSpc>
-                <a:spcPct val="100000"/>
-              </a:lnSpc>
-              <a:spcBef>
-                <a:spcPts val="0"/>
-              </a:spcBef>
-              <a:spcAft>
-                <a:spcPts val="0"/>
-              </a:spcAft>
-              <a:buClr>
-                <a:schemeClr val="dk2"/>
-              </a:buClr>
-              <a:buSzPts val="1400"/>
-              <a:buFont typeface="Fira Code"/>
-              <a:buChar char="●"/>
-              <a:defRPr sz="1400" b="0" i="0" u="none" strike="noStrike" cap="none">
-                <a:solidFill>
-                  <a:schemeClr val="dk2"/>
-                </a:solidFill>
-                <a:latin typeface="Fira Code"/>
-                <a:ea typeface="Fira Code"/>
-                <a:cs typeface="Fira Code"/>
-                <a:sym typeface="Fira Code"/>
-              </a:defRPr>
-            </a:lvl7pPr>
-            <a:lvl8pPr marL="3657600" marR="0" lvl="7" indent="-317500" algn="l" rtl="0">
-              <a:lnSpc>
-                <a:spcPct val="100000"/>
-              </a:lnSpc>
-              <a:spcBef>
-                <a:spcPts val="0"/>
-              </a:spcBef>
-              <a:spcAft>
-                <a:spcPts val="0"/>
-              </a:spcAft>
-              <a:buClr>
-                <a:schemeClr val="dk2"/>
-              </a:buClr>
-              <a:buSzPts val="1400"/>
-              <a:buFont typeface="Fira Code"/>
-              <a:buChar char="○"/>
-              <a:defRPr sz="1400" b="0" i="0" u="none" strike="noStrike" cap="none">
-                <a:solidFill>
-                  <a:schemeClr val="dk2"/>
-                </a:solidFill>
-                <a:latin typeface="Fira Code"/>
-                <a:ea typeface="Fira Code"/>
-                <a:cs typeface="Fira Code"/>
-                <a:sym typeface="Fira Code"/>
-              </a:defRPr>
-            </a:lvl8pPr>
-            <a:lvl9pPr marL="4114800" marR="0" lvl="8" indent="-317500" algn="l" rtl="0">
-              <a:lnSpc>
-                <a:spcPct val="100000"/>
-              </a:lnSpc>
-              <a:spcBef>
-                <a:spcPts val="0"/>
-              </a:spcBef>
-              <a:spcAft>
-                <a:spcPts val="0"/>
-              </a:spcAft>
-              <a:buClr>
-                <a:schemeClr val="dk2"/>
-              </a:buClr>
-              <a:buSzPts val="1400"/>
-              <a:buFont typeface="Fira Code"/>
-              <a:buChar char="■"/>
-              <a:defRPr sz="1400" b="0" i="0" u="none" strike="noStrike" cap="none">
-                <a:solidFill>
-                  <a:schemeClr val="dk2"/>
-                </a:solidFill>
-                <a:latin typeface="Fira Code"/>
-                <a:ea typeface="Fira Code"/>
-                <a:cs typeface="Fira Code"/>
-                <a:sym typeface="Fira Code"/>
-              </a:defRPr>
-            </a:lvl9pPr>
-          </a:lstStyle>
-          <a:p>
-            <a:pPr marL="0" indent="0" algn="ctr">
-              <a:buFont typeface="Fira Code"/>
-              <a:buNone/>
-            </a:pPr>
-            <a:r>
-              <a:rPr lang="en-US">
-                <a:solidFill>
-                  <a:schemeClr val="accent3"/>
-                </a:solidFill>
-              </a:rPr>
-              <a:t>Kaggle Competition - </a:t>
-            </a:r>
-            <a:r>
-              <a:rPr lang="en-US" b="1">
-                <a:solidFill>
-                  <a:srgbClr val="FFFFFF"/>
-                </a:solidFill>
-                <a:latin typeface="zeitung"/>
-              </a:rPr>
-              <a:t>Feature Imputation with a Heat Flux Dataset</a:t>
-            </a:r>
-          </a:p>
-          <a:p>
-            <a:pPr marL="0" indent="0" algn="ctr">
-              <a:buFont typeface="Fira Code"/>
-              <a:buNone/>
-            </a:pPr>
-            <a:endParaRPr lang="en-US" dirty="0">
-              <a:solidFill>
-                <a:schemeClr val="accent3"/>
-              </a:solidFill>
-            </a:endParaRPr>
-          </a:p>
-        </p:txBody>
-      </p:sp>
-    </p:spTree>
-    <p:extLst>
-      <p:ext uri="{BB962C8B-B14F-4D97-AF65-F5344CB8AC3E}">
-        <p14:creationId xmlns:p14="http://schemas.microsoft.com/office/powerpoint/2010/main" val="1173028226"/>
       </p:ext>
     </p:extLst>
   </p:cSld>
